--- a/CSCI795_FA20_Presentation_Paing_Washburn.pptx
+++ b/CSCI795_FA20_Presentation_Paing_Washburn.pptx
@@ -1,26 +1,561 @@
 
 <file path=ppt/presentation.xml><?xml version="1.0" encoding="utf-8"?>
-<p:presentation xmlns:a="http://schemas.openxmlformats.org/drawingml/2006/main" xmlns:p="http://schemas.openxmlformats.org/presentationml/2006/main" xmlns:r="http://schemas.openxmlformats.org/officeDocument/2006/relationships" xmlns:p14="http://schemas.microsoft.com/office/powerpoint/2010/main" xmlns:p15="http://schemas.microsoft.com/office/powerpoint/2012/main" xmlns:mc="http://schemas.openxmlformats.org/markup-compatibility/2006">
+<p:presentation xmlns:a="http://schemas.openxmlformats.org/drawingml/2006/main" xmlns:r="http://schemas.openxmlformats.org/officeDocument/2006/relationships" xmlns:p="http://schemas.openxmlformats.org/presentationml/2006/main">
   <p:sldMasterIdLst>
-    <p:sldMasterId id="2147483648" r:id="rId2"/>
+    <p:sldMasterId id="2147483648" r:id="rId1"/>
   </p:sldMasterIdLst>
+  <p:notesMasterIdLst>
+    <p:notesMasterId r:id="rId14"/>
+  </p:notesMasterIdLst>
   <p:sldIdLst>
-    <p:sldId id="256" r:id="rId3"/>
-    <p:sldId id="257" r:id="rId4"/>
-    <p:sldId id="258" r:id="rId5"/>
-    <p:sldId id="259" r:id="rId6"/>
-    <p:sldId id="260" r:id="rId7"/>
-    <p:sldId id="261" r:id="rId8"/>
-    <p:sldId id="262" r:id="rId9"/>
-    <p:sldId id="263" r:id="rId10"/>
+    <p:sldId id="256" r:id="rId2"/>
+    <p:sldId id="257" r:id="rId3"/>
+    <p:sldId id="258" r:id="rId4"/>
+    <p:sldId id="259" r:id="rId5"/>
+    <p:sldId id="260" r:id="rId6"/>
+    <p:sldId id="261" r:id="rId7"/>
+    <p:sldId id="262" r:id="rId8"/>
+    <p:sldId id="264" r:id="rId9"/>
+    <p:sldId id="267" r:id="rId10"/>
+    <p:sldId id="266" r:id="rId11"/>
+    <p:sldId id="268" r:id="rId12"/>
+    <p:sldId id="265" r:id="rId13"/>
   </p:sldIdLst>
   <p:sldSz cx="12192000" cy="6858000"/>
   <p:notesSz cx="7772400" cy="10058400"/>
+  <p:defaultTextStyle>
+    <a:defPPr>
+      <a:defRPr lang="en-US"/>
+    </a:defPPr>
+    <a:lvl1pPr marL="0" algn="l" defTabSz="914400" rtl="0" eaLnBrk="1" latinLnBrk="0" hangingPunct="1">
+      <a:defRPr sz="1800" kern="1200">
+        <a:solidFill>
+          <a:schemeClr val="tx1"/>
+        </a:solidFill>
+        <a:latin typeface="+mn-lt"/>
+        <a:ea typeface="+mn-ea"/>
+        <a:cs typeface="+mn-cs"/>
+      </a:defRPr>
+    </a:lvl1pPr>
+    <a:lvl2pPr marL="457200" algn="l" defTabSz="914400" rtl="0" eaLnBrk="1" latinLnBrk="0" hangingPunct="1">
+      <a:defRPr sz="1800" kern="1200">
+        <a:solidFill>
+          <a:schemeClr val="tx1"/>
+        </a:solidFill>
+        <a:latin typeface="+mn-lt"/>
+        <a:ea typeface="+mn-ea"/>
+        <a:cs typeface="+mn-cs"/>
+      </a:defRPr>
+    </a:lvl2pPr>
+    <a:lvl3pPr marL="914400" algn="l" defTabSz="914400" rtl="0" eaLnBrk="1" latinLnBrk="0" hangingPunct="1">
+      <a:defRPr sz="1800" kern="1200">
+        <a:solidFill>
+          <a:schemeClr val="tx1"/>
+        </a:solidFill>
+        <a:latin typeface="+mn-lt"/>
+        <a:ea typeface="+mn-ea"/>
+        <a:cs typeface="+mn-cs"/>
+      </a:defRPr>
+    </a:lvl3pPr>
+    <a:lvl4pPr marL="1371600" algn="l" defTabSz="914400" rtl="0" eaLnBrk="1" latinLnBrk="0" hangingPunct="1">
+      <a:defRPr sz="1800" kern="1200">
+        <a:solidFill>
+          <a:schemeClr val="tx1"/>
+        </a:solidFill>
+        <a:latin typeface="+mn-lt"/>
+        <a:ea typeface="+mn-ea"/>
+        <a:cs typeface="+mn-cs"/>
+      </a:defRPr>
+    </a:lvl4pPr>
+    <a:lvl5pPr marL="1828800" algn="l" defTabSz="914400" rtl="0" eaLnBrk="1" latinLnBrk="0" hangingPunct="1">
+      <a:defRPr sz="1800" kern="1200">
+        <a:solidFill>
+          <a:schemeClr val="tx1"/>
+        </a:solidFill>
+        <a:latin typeface="+mn-lt"/>
+        <a:ea typeface="+mn-ea"/>
+        <a:cs typeface="+mn-cs"/>
+      </a:defRPr>
+    </a:lvl5pPr>
+    <a:lvl6pPr marL="2286000" algn="l" defTabSz="914400" rtl="0" eaLnBrk="1" latinLnBrk="0" hangingPunct="1">
+      <a:defRPr sz="1800" kern="1200">
+        <a:solidFill>
+          <a:schemeClr val="tx1"/>
+        </a:solidFill>
+        <a:latin typeface="+mn-lt"/>
+        <a:ea typeface="+mn-ea"/>
+        <a:cs typeface="+mn-cs"/>
+      </a:defRPr>
+    </a:lvl6pPr>
+    <a:lvl7pPr marL="2743200" algn="l" defTabSz="914400" rtl="0" eaLnBrk="1" latinLnBrk="0" hangingPunct="1">
+      <a:defRPr sz="1800" kern="1200">
+        <a:solidFill>
+          <a:schemeClr val="tx1"/>
+        </a:solidFill>
+        <a:latin typeface="+mn-lt"/>
+        <a:ea typeface="+mn-ea"/>
+        <a:cs typeface="+mn-cs"/>
+      </a:defRPr>
+    </a:lvl7pPr>
+    <a:lvl8pPr marL="3200400" algn="l" defTabSz="914400" rtl="0" eaLnBrk="1" latinLnBrk="0" hangingPunct="1">
+      <a:defRPr sz="1800" kern="1200">
+        <a:solidFill>
+          <a:schemeClr val="tx1"/>
+        </a:solidFill>
+        <a:latin typeface="+mn-lt"/>
+        <a:ea typeface="+mn-ea"/>
+        <a:cs typeface="+mn-cs"/>
+      </a:defRPr>
+    </a:lvl8pPr>
+    <a:lvl9pPr marL="3657600" algn="l" defTabSz="914400" rtl="0" eaLnBrk="1" latinLnBrk="0" hangingPunct="1">
+      <a:defRPr sz="1800" kern="1200">
+        <a:solidFill>
+          <a:schemeClr val="tx1"/>
+        </a:solidFill>
+        <a:latin typeface="+mn-lt"/>
+        <a:ea typeface="+mn-ea"/>
+        <a:cs typeface="+mn-cs"/>
+      </a:defRPr>
+    </a:lvl9pPr>
+  </p:defaultTextStyle>
 </p:presentation>
 </file>
 
+<file path=ppt/notesMasters/notesMaster1.xml><?xml version="1.0" encoding="utf-8"?>
+<p:notesMaster xmlns:a="http://schemas.openxmlformats.org/drawingml/2006/main" xmlns:r="http://schemas.openxmlformats.org/officeDocument/2006/relationships" xmlns:p="http://schemas.openxmlformats.org/presentationml/2006/main">
+  <p:cSld>
+    <p:bg>
+      <p:bgRef idx="1001">
+        <a:schemeClr val="bg1"/>
+      </p:bgRef>
+    </p:bg>
+    <p:spTree>
+      <p:nvGrpSpPr>
+        <p:cNvPr id="1" name=""/>
+        <p:cNvGrpSpPr/>
+        <p:nvPr/>
+      </p:nvGrpSpPr>
+      <p:grpSpPr>
+        <a:xfrm>
+          <a:off x="0" y="0"/>
+          <a:ext cx="0" cy="0"/>
+          <a:chOff x="0" y="0"/>
+          <a:chExt cx="0" cy="0"/>
+        </a:xfrm>
+      </p:grpSpPr>
+      <p:sp>
+        <p:nvSpPr>
+          <p:cNvPr id="2" name="Header Placeholder 1"/>
+          <p:cNvSpPr>
+            <a:spLocks noGrp="1"/>
+          </p:cNvSpPr>
+          <p:nvPr>
+            <p:ph type="hdr" sz="quarter"/>
+          </p:nvPr>
+        </p:nvSpPr>
+        <p:spPr>
+          <a:xfrm>
+            <a:off x="0" y="0"/>
+            <a:ext cx="3368675" cy="504825"/>
+          </a:xfrm>
+          <a:prstGeom prst="rect">
+            <a:avLst/>
+          </a:prstGeom>
+        </p:spPr>
+        <p:txBody>
+          <a:bodyPr vert="horz" lIns="91440" tIns="45720" rIns="91440" bIns="45720" rtlCol="0"/>
+          <a:lstStyle>
+            <a:lvl1pPr algn="l">
+              <a:defRPr sz="1200"/>
+            </a:lvl1pPr>
+          </a:lstStyle>
+          <a:p>
+            <a:endParaRPr lang="en-US"/>
+          </a:p>
+        </p:txBody>
+      </p:sp>
+      <p:sp>
+        <p:nvSpPr>
+          <p:cNvPr id="3" name="Date Placeholder 2"/>
+          <p:cNvSpPr>
+            <a:spLocks noGrp="1"/>
+          </p:cNvSpPr>
+          <p:nvPr>
+            <p:ph type="dt" idx="1"/>
+          </p:nvPr>
+        </p:nvSpPr>
+        <p:spPr>
+          <a:xfrm>
+            <a:off x="4402138" y="0"/>
+            <a:ext cx="3368675" cy="504825"/>
+          </a:xfrm>
+          <a:prstGeom prst="rect">
+            <a:avLst/>
+          </a:prstGeom>
+        </p:spPr>
+        <p:txBody>
+          <a:bodyPr vert="horz" lIns="91440" tIns="45720" rIns="91440" bIns="45720" rtlCol="0"/>
+          <a:lstStyle>
+            <a:lvl1pPr algn="r">
+              <a:defRPr sz="1200"/>
+            </a:lvl1pPr>
+          </a:lstStyle>
+          <a:p>
+            <a:fld id="{696893A0-4D49-D74E-B6A0-CDDE34D869CC}" type="datetimeFigureOut">
+              <a:rPr lang="en-US" smtClean="0"/>
+              <a:t>11/22/20</a:t>
+            </a:fld>
+            <a:endParaRPr lang="en-US"/>
+          </a:p>
+        </p:txBody>
+      </p:sp>
+      <p:sp>
+        <p:nvSpPr>
+          <p:cNvPr id="4" name="Slide Image Placeholder 3"/>
+          <p:cNvSpPr>
+            <a:spLocks noGrp="1" noRot="1" noChangeAspect="1"/>
+          </p:cNvSpPr>
+          <p:nvPr>
+            <p:ph type="sldImg" idx="2"/>
+          </p:nvPr>
+        </p:nvSpPr>
+        <p:spPr>
+          <a:xfrm>
+            <a:off x="869950" y="1257300"/>
+            <a:ext cx="6032500" cy="3394075"/>
+          </a:xfrm>
+          <a:prstGeom prst="rect">
+            <a:avLst/>
+          </a:prstGeom>
+          <a:noFill/>
+          <a:ln w="12700">
+            <a:solidFill>
+              <a:prstClr val="black"/>
+            </a:solidFill>
+          </a:ln>
+        </p:spPr>
+        <p:txBody>
+          <a:bodyPr vert="horz" lIns="91440" tIns="45720" rIns="91440" bIns="45720" rtlCol="0" anchor="ctr"/>
+          <a:lstStyle/>
+          <a:p>
+            <a:endParaRPr lang="en-US"/>
+          </a:p>
+        </p:txBody>
+      </p:sp>
+      <p:sp>
+        <p:nvSpPr>
+          <p:cNvPr id="5" name="Notes Placeholder 4"/>
+          <p:cNvSpPr>
+            <a:spLocks noGrp="1"/>
+          </p:cNvSpPr>
+          <p:nvPr>
+            <p:ph type="body" sz="quarter" idx="3"/>
+          </p:nvPr>
+        </p:nvSpPr>
+        <p:spPr>
+          <a:xfrm>
+            <a:off x="777875" y="4840288"/>
+            <a:ext cx="6216650" cy="3960812"/>
+          </a:xfrm>
+          <a:prstGeom prst="rect">
+            <a:avLst/>
+          </a:prstGeom>
+        </p:spPr>
+        <p:txBody>
+          <a:bodyPr vert="horz" lIns="91440" tIns="45720" rIns="91440" bIns="45720" rtlCol="0"/>
+          <a:lstStyle/>
+          <a:p>
+            <a:pPr lvl="0"/>
+            <a:r>
+              <a:rPr lang="en-US"/>
+              <a:t>Edit Master text styles</a:t>
+            </a:r>
+          </a:p>
+          <a:p>
+            <a:pPr lvl="1"/>
+            <a:r>
+              <a:rPr lang="en-US"/>
+              <a:t>Second level</a:t>
+            </a:r>
+          </a:p>
+          <a:p>
+            <a:pPr lvl="2"/>
+            <a:r>
+              <a:rPr lang="en-US"/>
+              <a:t>Third level</a:t>
+            </a:r>
+          </a:p>
+          <a:p>
+            <a:pPr lvl="3"/>
+            <a:r>
+              <a:rPr lang="en-US"/>
+              <a:t>Fourth level</a:t>
+            </a:r>
+          </a:p>
+          <a:p>
+            <a:pPr lvl="4"/>
+            <a:r>
+              <a:rPr lang="en-US"/>
+              <a:t>Fifth level</a:t>
+            </a:r>
+          </a:p>
+        </p:txBody>
+      </p:sp>
+      <p:sp>
+        <p:nvSpPr>
+          <p:cNvPr id="6" name="Footer Placeholder 5"/>
+          <p:cNvSpPr>
+            <a:spLocks noGrp="1"/>
+          </p:cNvSpPr>
+          <p:nvPr>
+            <p:ph type="ftr" sz="quarter" idx="4"/>
+          </p:nvPr>
+        </p:nvSpPr>
+        <p:spPr>
+          <a:xfrm>
+            <a:off x="0" y="9553575"/>
+            <a:ext cx="3368675" cy="504825"/>
+          </a:xfrm>
+          <a:prstGeom prst="rect">
+            <a:avLst/>
+          </a:prstGeom>
+        </p:spPr>
+        <p:txBody>
+          <a:bodyPr vert="horz" lIns="91440" tIns="45720" rIns="91440" bIns="45720" rtlCol="0" anchor="b"/>
+          <a:lstStyle>
+            <a:lvl1pPr algn="l">
+              <a:defRPr sz="1200"/>
+            </a:lvl1pPr>
+          </a:lstStyle>
+          <a:p>
+            <a:endParaRPr lang="en-US"/>
+          </a:p>
+        </p:txBody>
+      </p:sp>
+      <p:sp>
+        <p:nvSpPr>
+          <p:cNvPr id="7" name="Slide Number Placeholder 6"/>
+          <p:cNvSpPr>
+            <a:spLocks noGrp="1"/>
+          </p:cNvSpPr>
+          <p:nvPr>
+            <p:ph type="sldNum" sz="quarter" idx="5"/>
+          </p:nvPr>
+        </p:nvSpPr>
+        <p:spPr>
+          <a:xfrm>
+            <a:off x="4402138" y="9553575"/>
+            <a:ext cx="3368675" cy="504825"/>
+          </a:xfrm>
+          <a:prstGeom prst="rect">
+            <a:avLst/>
+          </a:prstGeom>
+        </p:spPr>
+        <p:txBody>
+          <a:bodyPr vert="horz" lIns="91440" tIns="45720" rIns="91440" bIns="45720" rtlCol="0" anchor="b"/>
+          <a:lstStyle>
+            <a:lvl1pPr algn="r">
+              <a:defRPr sz="1200"/>
+            </a:lvl1pPr>
+          </a:lstStyle>
+          <a:p>
+            <a:fld id="{09417B1D-7CC8-7842-95E7-711968958A52}" type="slidenum">
+              <a:rPr lang="en-US" smtClean="0"/>
+              <a:t>‹#›</a:t>
+            </a:fld>
+            <a:endParaRPr lang="en-US"/>
+          </a:p>
+        </p:txBody>
+      </p:sp>
+    </p:spTree>
+    <p:extLst>
+      <p:ext uri="{BB962C8B-B14F-4D97-AF65-F5344CB8AC3E}">
+        <p14:creationId xmlns:p14="http://schemas.microsoft.com/office/powerpoint/2010/main" val="3163786240"/>
+      </p:ext>
+    </p:extLst>
+  </p:cSld>
+  <p:clrMap bg1="lt1" tx1="dk1" bg2="lt2" tx2="dk2" accent1="accent1" accent2="accent2" accent3="accent3" accent4="accent4" accent5="accent5" accent6="accent6" hlink="hlink" folHlink="folHlink"/>
+  <p:notesStyle>
+    <a:lvl1pPr marL="0" algn="l" defTabSz="914400" rtl="0" eaLnBrk="1" latinLnBrk="0" hangingPunct="1">
+      <a:defRPr sz="1200" kern="1200">
+        <a:solidFill>
+          <a:schemeClr val="tx1"/>
+        </a:solidFill>
+        <a:latin typeface="+mn-lt"/>
+        <a:ea typeface="+mn-ea"/>
+        <a:cs typeface="+mn-cs"/>
+      </a:defRPr>
+    </a:lvl1pPr>
+    <a:lvl2pPr marL="457200" algn="l" defTabSz="914400" rtl="0" eaLnBrk="1" latinLnBrk="0" hangingPunct="1">
+      <a:defRPr sz="1200" kern="1200">
+        <a:solidFill>
+          <a:schemeClr val="tx1"/>
+        </a:solidFill>
+        <a:latin typeface="+mn-lt"/>
+        <a:ea typeface="+mn-ea"/>
+        <a:cs typeface="+mn-cs"/>
+      </a:defRPr>
+    </a:lvl2pPr>
+    <a:lvl3pPr marL="914400" algn="l" defTabSz="914400" rtl="0" eaLnBrk="1" latinLnBrk="0" hangingPunct="1">
+      <a:defRPr sz="1200" kern="1200">
+        <a:solidFill>
+          <a:schemeClr val="tx1"/>
+        </a:solidFill>
+        <a:latin typeface="+mn-lt"/>
+        <a:ea typeface="+mn-ea"/>
+        <a:cs typeface="+mn-cs"/>
+      </a:defRPr>
+    </a:lvl3pPr>
+    <a:lvl4pPr marL="1371600" algn="l" defTabSz="914400" rtl="0" eaLnBrk="1" latinLnBrk="0" hangingPunct="1">
+      <a:defRPr sz="1200" kern="1200">
+        <a:solidFill>
+          <a:schemeClr val="tx1"/>
+        </a:solidFill>
+        <a:latin typeface="+mn-lt"/>
+        <a:ea typeface="+mn-ea"/>
+        <a:cs typeface="+mn-cs"/>
+      </a:defRPr>
+    </a:lvl4pPr>
+    <a:lvl5pPr marL="1828800" algn="l" defTabSz="914400" rtl="0" eaLnBrk="1" latinLnBrk="0" hangingPunct="1">
+      <a:defRPr sz="1200" kern="1200">
+        <a:solidFill>
+          <a:schemeClr val="tx1"/>
+        </a:solidFill>
+        <a:latin typeface="+mn-lt"/>
+        <a:ea typeface="+mn-ea"/>
+        <a:cs typeface="+mn-cs"/>
+      </a:defRPr>
+    </a:lvl5pPr>
+    <a:lvl6pPr marL="2286000" algn="l" defTabSz="914400" rtl="0" eaLnBrk="1" latinLnBrk="0" hangingPunct="1">
+      <a:defRPr sz="1200" kern="1200">
+        <a:solidFill>
+          <a:schemeClr val="tx1"/>
+        </a:solidFill>
+        <a:latin typeface="+mn-lt"/>
+        <a:ea typeface="+mn-ea"/>
+        <a:cs typeface="+mn-cs"/>
+      </a:defRPr>
+    </a:lvl6pPr>
+    <a:lvl7pPr marL="2743200" algn="l" defTabSz="914400" rtl="0" eaLnBrk="1" latinLnBrk="0" hangingPunct="1">
+      <a:defRPr sz="1200" kern="1200">
+        <a:solidFill>
+          <a:schemeClr val="tx1"/>
+        </a:solidFill>
+        <a:latin typeface="+mn-lt"/>
+        <a:ea typeface="+mn-ea"/>
+        <a:cs typeface="+mn-cs"/>
+      </a:defRPr>
+    </a:lvl7pPr>
+    <a:lvl8pPr marL="3200400" algn="l" defTabSz="914400" rtl="0" eaLnBrk="1" latinLnBrk="0" hangingPunct="1">
+      <a:defRPr sz="1200" kern="1200">
+        <a:solidFill>
+          <a:schemeClr val="tx1"/>
+        </a:solidFill>
+        <a:latin typeface="+mn-lt"/>
+        <a:ea typeface="+mn-ea"/>
+        <a:cs typeface="+mn-cs"/>
+      </a:defRPr>
+    </a:lvl8pPr>
+    <a:lvl9pPr marL="3657600" algn="l" defTabSz="914400" rtl="0" eaLnBrk="1" latinLnBrk="0" hangingPunct="1">
+      <a:defRPr sz="1200" kern="1200">
+        <a:solidFill>
+          <a:schemeClr val="tx1"/>
+        </a:solidFill>
+        <a:latin typeface="+mn-lt"/>
+        <a:ea typeface="+mn-ea"/>
+        <a:cs typeface="+mn-cs"/>
+      </a:defRPr>
+    </a:lvl9pPr>
+  </p:notesStyle>
+</p:notesMaster>
+</file>
+
+<file path=ppt/notesSlides/notesSlide1.xml><?xml version="1.0" encoding="utf-8"?>
+<p:notes xmlns:a="http://schemas.openxmlformats.org/drawingml/2006/main" xmlns:r="http://schemas.openxmlformats.org/officeDocument/2006/relationships" xmlns:p="http://schemas.openxmlformats.org/presentationml/2006/main">
+  <p:cSld>
+    <p:spTree>
+      <p:nvGrpSpPr>
+        <p:cNvPr id="1" name=""/>
+        <p:cNvGrpSpPr/>
+        <p:nvPr/>
+      </p:nvGrpSpPr>
+      <p:grpSpPr>
+        <a:xfrm>
+          <a:off x="0" y="0"/>
+          <a:ext cx="0" cy="0"/>
+          <a:chOff x="0" y="0"/>
+          <a:chExt cx="0" cy="0"/>
+        </a:xfrm>
+      </p:grpSpPr>
+      <p:sp>
+        <p:nvSpPr>
+          <p:cNvPr id="2" name="Slide Image Placeholder 1"/>
+          <p:cNvSpPr>
+            <a:spLocks noGrp="1" noRot="1" noChangeAspect="1"/>
+          </p:cNvSpPr>
+          <p:nvPr>
+            <p:ph type="sldImg"/>
+          </p:nvPr>
+        </p:nvSpPr>
+        <p:spPr/>
+      </p:sp>
+      <p:sp>
+        <p:nvSpPr>
+          <p:cNvPr id="3" name="Notes Placeholder 2"/>
+          <p:cNvSpPr>
+            <a:spLocks noGrp="1"/>
+          </p:cNvSpPr>
+          <p:nvPr>
+            <p:ph type="body" idx="1"/>
+          </p:nvPr>
+        </p:nvSpPr>
+        <p:spPr/>
+        <p:txBody>
+          <a:bodyPr/>
+          <a:lstStyle/>
+          <a:p>
+            <a:endParaRPr lang="en-US" dirty="0"/>
+          </a:p>
+        </p:txBody>
+      </p:sp>
+      <p:sp>
+        <p:nvSpPr>
+          <p:cNvPr id="4" name="Slide Number Placeholder 3"/>
+          <p:cNvSpPr>
+            <a:spLocks noGrp="1"/>
+          </p:cNvSpPr>
+          <p:nvPr>
+            <p:ph type="sldNum" sz="quarter" idx="5"/>
+          </p:nvPr>
+        </p:nvSpPr>
+        <p:spPr/>
+        <p:txBody>
+          <a:bodyPr/>
+          <a:lstStyle/>
+          <a:p>
+            <a:fld id="{09417B1D-7CC8-7842-95E7-711968958A52}" type="slidenum">
+              <a:rPr lang="en-US" smtClean="0"/>
+              <a:t>5</a:t>
+            </a:fld>
+            <a:endParaRPr lang="en-US"/>
+          </a:p>
+        </p:txBody>
+      </p:sp>
+    </p:spTree>
+    <p:extLst>
+      <p:ext uri="{BB962C8B-B14F-4D97-AF65-F5344CB8AC3E}">
+        <p14:creationId xmlns:p14="http://schemas.microsoft.com/office/powerpoint/2010/main" val="761377515"/>
+      </p:ext>
+    </p:extLst>
+  </p:cSld>
+  <p:clrMapOvr>
+    <a:masterClrMapping/>
+  </p:clrMapOvr>
+</p:notes>
+</file>
+
 <file path=ppt/slideLayouts/slideLayout1.xml><?xml version="1.0" encoding="utf-8"?>
-<p:sldLayout xmlns:a="http://schemas.openxmlformats.org/drawingml/2006/main" xmlns:p="http://schemas.openxmlformats.org/presentationml/2006/main" xmlns:r="http://schemas.openxmlformats.org/officeDocument/2006/relationships" xmlns:p14="http://schemas.microsoft.com/office/powerpoint/2010/main" xmlns:p15="http://schemas.microsoft.com/office/powerpoint/2012/main" xmlns:mc="http://schemas.openxmlformats.org/markup-compatibility/2006" type="blank" preserve="1">
+<p:sldLayout xmlns:a="http://schemas.openxmlformats.org/drawingml/2006/main" xmlns:r="http://schemas.openxmlformats.org/officeDocument/2006/relationships" xmlns:p="http://schemas.openxmlformats.org/presentationml/2006/main" type="blank" preserve="1">
   <p:cSld name="Blank Slide">
     <p:spTree>
       <p:nvGrpSpPr>
@@ -38,11 +573,14 @@
       </p:grpSpPr>
     </p:spTree>
   </p:cSld>
+  <p:clrMapOvr>
+    <a:masterClrMapping/>
+  </p:clrMapOvr>
 </p:sldLayout>
 </file>
 
 <file path=ppt/slideLayouts/slideLayout10.xml><?xml version="1.0" encoding="utf-8"?>
-<p:sldLayout xmlns:a="http://schemas.openxmlformats.org/drawingml/2006/main" xmlns:p="http://schemas.openxmlformats.org/presentationml/2006/main" xmlns:r="http://schemas.openxmlformats.org/officeDocument/2006/relationships" xmlns:p14="http://schemas.microsoft.com/office/powerpoint/2010/main" xmlns:p15="http://schemas.microsoft.com/office/powerpoint/2012/main" xmlns:mc="http://schemas.openxmlformats.org/markup-compatibility/2006" type="objOverTx" preserve="1">
+<p:sldLayout xmlns:a="http://schemas.openxmlformats.org/drawingml/2006/main" xmlns:r="http://schemas.openxmlformats.org/officeDocument/2006/relationships" xmlns:p="http://schemas.openxmlformats.org/presentationml/2006/main" type="objOverTx" preserve="1">
   <p:cSld name="Title, Content over Content">
     <p:spTree>
       <p:nvGrpSpPr>
@@ -78,11 +616,12 @@
           </a:prstGeom>
         </p:spPr>
         <p:txBody>
-          <a:bodyPr lIns="0" rIns="0" tIns="0" bIns="0" anchor="ctr">
+          <a:bodyPr lIns="0" tIns="0" rIns="0" bIns="0" anchor="ctr">
             <a:noAutofit/>
           </a:bodyPr>
-          <a:p>
-            <a:endParaRPr b="0" lang="en-US" sz="1800" spc="-1" strike="noStrike">
+          <a:lstStyle/>
+          <a:p>
+            <a:endParaRPr lang="en-US" sz="1800" b="0" strike="noStrike" spc="-1">
               <a:solidFill>
                 <a:srgbClr val="000000"/>
               </a:solidFill>
@@ -111,11 +650,12 @@
           </a:prstGeom>
         </p:spPr>
         <p:txBody>
-          <a:bodyPr lIns="0" rIns="0" tIns="0" bIns="0">
+          <a:bodyPr lIns="0" tIns="0" rIns="0" bIns="0">
             <a:normAutofit/>
           </a:bodyPr>
-          <a:p>
-            <a:endParaRPr b="0" lang="en-US" sz="2800" spc="-1" strike="noStrike">
+          <a:lstStyle/>
+          <a:p>
+            <a:endParaRPr lang="en-US" sz="2800" b="0" strike="noStrike" spc="-1">
               <a:solidFill>
                 <a:srgbClr val="000000"/>
               </a:solidFill>
@@ -144,11 +684,12 @@
           </a:prstGeom>
         </p:spPr>
         <p:txBody>
-          <a:bodyPr lIns="0" rIns="0" tIns="0" bIns="0">
+          <a:bodyPr lIns="0" tIns="0" rIns="0" bIns="0">
             <a:normAutofit/>
           </a:bodyPr>
-          <a:p>
-            <a:endParaRPr b="0" lang="en-US" sz="2800" spc="-1" strike="noStrike">
+          <a:lstStyle/>
+          <a:p>
+            <a:endParaRPr lang="en-US" sz="2800" b="0" strike="noStrike" spc="-1">
               <a:solidFill>
                 <a:srgbClr val="000000"/>
               </a:solidFill>
@@ -159,11 +700,14 @@
       </p:sp>
     </p:spTree>
   </p:cSld>
+  <p:clrMapOvr>
+    <a:masterClrMapping/>
+  </p:clrMapOvr>
 </p:sldLayout>
 </file>
 
 <file path=ppt/slideLayouts/slideLayout11.xml><?xml version="1.0" encoding="utf-8"?>
-<p:sldLayout xmlns:a="http://schemas.openxmlformats.org/drawingml/2006/main" xmlns:p="http://schemas.openxmlformats.org/presentationml/2006/main" xmlns:r="http://schemas.openxmlformats.org/officeDocument/2006/relationships" xmlns:p14="http://schemas.microsoft.com/office/powerpoint/2010/main" xmlns:p15="http://schemas.microsoft.com/office/powerpoint/2012/main" xmlns:mc="http://schemas.openxmlformats.org/markup-compatibility/2006" type="fourObj" preserve="1">
+<p:sldLayout xmlns:a="http://schemas.openxmlformats.org/drawingml/2006/main" xmlns:r="http://schemas.openxmlformats.org/officeDocument/2006/relationships" xmlns:p="http://schemas.openxmlformats.org/presentationml/2006/main" type="fourObj" preserve="1">
   <p:cSld name="Title, 4 Content">
     <p:spTree>
       <p:nvGrpSpPr>
@@ -199,11 +743,12 @@
           </a:prstGeom>
         </p:spPr>
         <p:txBody>
-          <a:bodyPr lIns="0" rIns="0" tIns="0" bIns="0" anchor="ctr">
+          <a:bodyPr lIns="0" tIns="0" rIns="0" bIns="0" anchor="ctr">
             <a:noAutofit/>
           </a:bodyPr>
-          <a:p>
-            <a:endParaRPr b="0" lang="en-US" sz="1800" spc="-1" strike="noStrike">
+          <a:lstStyle/>
+          <a:p>
+            <a:endParaRPr lang="en-US" sz="1800" b="0" strike="noStrike" spc="-1">
               <a:solidFill>
                 <a:srgbClr val="000000"/>
               </a:solidFill>
@@ -232,11 +777,12 @@
           </a:prstGeom>
         </p:spPr>
         <p:txBody>
-          <a:bodyPr lIns="0" rIns="0" tIns="0" bIns="0">
+          <a:bodyPr lIns="0" tIns="0" rIns="0" bIns="0">
             <a:normAutofit/>
           </a:bodyPr>
-          <a:p>
-            <a:endParaRPr b="0" lang="en-US" sz="2800" spc="-1" strike="noStrike">
+          <a:lstStyle/>
+          <a:p>
+            <a:endParaRPr lang="en-US" sz="2800" b="0" strike="noStrike" spc="-1">
               <a:solidFill>
                 <a:srgbClr val="000000"/>
               </a:solidFill>
@@ -265,11 +811,12 @@
           </a:prstGeom>
         </p:spPr>
         <p:txBody>
-          <a:bodyPr lIns="0" rIns="0" tIns="0" bIns="0">
+          <a:bodyPr lIns="0" tIns="0" rIns="0" bIns="0">
             <a:normAutofit/>
           </a:bodyPr>
-          <a:p>
-            <a:endParaRPr b="0" lang="en-US" sz="2800" spc="-1" strike="noStrike">
+          <a:lstStyle/>
+          <a:p>
+            <a:endParaRPr lang="en-US" sz="2800" b="0" strike="noStrike" spc="-1">
               <a:solidFill>
                 <a:srgbClr val="000000"/>
               </a:solidFill>
@@ -298,11 +845,12 @@
           </a:prstGeom>
         </p:spPr>
         <p:txBody>
-          <a:bodyPr lIns="0" rIns="0" tIns="0" bIns="0">
+          <a:bodyPr lIns="0" tIns="0" rIns="0" bIns="0">
             <a:normAutofit/>
           </a:bodyPr>
-          <a:p>
-            <a:endParaRPr b="0" lang="en-US" sz="2800" spc="-1" strike="noStrike">
+          <a:lstStyle/>
+          <a:p>
+            <a:endParaRPr lang="en-US" sz="2800" b="0" strike="noStrike" spc="-1">
               <a:solidFill>
                 <a:srgbClr val="000000"/>
               </a:solidFill>
@@ -331,11 +879,12 @@
           </a:prstGeom>
         </p:spPr>
         <p:txBody>
-          <a:bodyPr lIns="0" rIns="0" tIns="0" bIns="0">
+          <a:bodyPr lIns="0" tIns="0" rIns="0" bIns="0">
             <a:normAutofit/>
           </a:bodyPr>
-          <a:p>
-            <a:endParaRPr b="0" lang="en-US" sz="2800" spc="-1" strike="noStrike">
+          <a:lstStyle/>
+          <a:p>
+            <a:endParaRPr lang="en-US" sz="2800" b="0" strike="noStrike" spc="-1">
               <a:solidFill>
                 <a:srgbClr val="000000"/>
               </a:solidFill>
@@ -346,11 +895,14 @@
       </p:sp>
     </p:spTree>
   </p:cSld>
+  <p:clrMapOvr>
+    <a:masterClrMapping/>
+  </p:clrMapOvr>
 </p:sldLayout>
 </file>
 
 <file path=ppt/slideLayouts/slideLayout12.xml><?xml version="1.0" encoding="utf-8"?>
-<p:sldLayout xmlns:a="http://schemas.openxmlformats.org/drawingml/2006/main" xmlns:p="http://schemas.openxmlformats.org/presentationml/2006/main" xmlns:r="http://schemas.openxmlformats.org/officeDocument/2006/relationships" xmlns:p14="http://schemas.microsoft.com/office/powerpoint/2010/main" xmlns:p15="http://schemas.microsoft.com/office/powerpoint/2012/main" xmlns:mc="http://schemas.openxmlformats.org/markup-compatibility/2006" type="blank" preserve="1">
+<p:sldLayout xmlns:a="http://schemas.openxmlformats.org/drawingml/2006/main" xmlns:r="http://schemas.openxmlformats.org/officeDocument/2006/relationships" xmlns:p="http://schemas.openxmlformats.org/presentationml/2006/main" type="blank" preserve="1">
   <p:cSld name="Title, 6 Content">
     <p:spTree>
       <p:nvGrpSpPr>
@@ -386,11 +938,12 @@
           </a:prstGeom>
         </p:spPr>
         <p:txBody>
-          <a:bodyPr lIns="0" rIns="0" tIns="0" bIns="0" anchor="ctr">
+          <a:bodyPr lIns="0" tIns="0" rIns="0" bIns="0" anchor="ctr">
             <a:noAutofit/>
           </a:bodyPr>
-          <a:p>
-            <a:endParaRPr b="0" lang="en-US" sz="1800" spc="-1" strike="noStrike">
+          <a:lstStyle/>
+          <a:p>
+            <a:endParaRPr lang="en-US" sz="1800" b="0" strike="noStrike" spc="-1">
               <a:solidFill>
                 <a:srgbClr val="000000"/>
               </a:solidFill>
@@ -419,11 +972,12 @@
           </a:prstGeom>
         </p:spPr>
         <p:txBody>
-          <a:bodyPr lIns="0" rIns="0" tIns="0" bIns="0">
+          <a:bodyPr lIns="0" tIns="0" rIns="0" bIns="0">
             <a:normAutofit/>
           </a:bodyPr>
-          <a:p>
-            <a:endParaRPr b="0" lang="en-US" sz="2800" spc="-1" strike="noStrike">
+          <a:lstStyle/>
+          <a:p>
+            <a:endParaRPr lang="en-US" sz="2800" b="0" strike="noStrike" spc="-1">
               <a:solidFill>
                 <a:srgbClr val="000000"/>
               </a:solidFill>
@@ -452,11 +1006,12 @@
           </a:prstGeom>
         </p:spPr>
         <p:txBody>
-          <a:bodyPr lIns="0" rIns="0" tIns="0" bIns="0">
+          <a:bodyPr lIns="0" tIns="0" rIns="0" bIns="0">
             <a:normAutofit/>
           </a:bodyPr>
-          <a:p>
-            <a:endParaRPr b="0" lang="en-US" sz="2800" spc="-1" strike="noStrike">
+          <a:lstStyle/>
+          <a:p>
+            <a:endParaRPr lang="en-US" sz="2800" b="0" strike="noStrike" spc="-1">
               <a:solidFill>
                 <a:srgbClr val="000000"/>
               </a:solidFill>
@@ -485,11 +1040,12 @@
           </a:prstGeom>
         </p:spPr>
         <p:txBody>
-          <a:bodyPr lIns="0" rIns="0" tIns="0" bIns="0">
+          <a:bodyPr lIns="0" tIns="0" rIns="0" bIns="0">
             <a:normAutofit/>
           </a:bodyPr>
-          <a:p>
-            <a:endParaRPr b="0" lang="en-US" sz="2800" spc="-1" strike="noStrike">
+          <a:lstStyle/>
+          <a:p>
+            <a:endParaRPr lang="en-US" sz="2800" b="0" strike="noStrike" spc="-1">
               <a:solidFill>
                 <a:srgbClr val="000000"/>
               </a:solidFill>
@@ -518,11 +1074,12 @@
           </a:prstGeom>
         </p:spPr>
         <p:txBody>
-          <a:bodyPr lIns="0" rIns="0" tIns="0" bIns="0">
+          <a:bodyPr lIns="0" tIns="0" rIns="0" bIns="0">
             <a:normAutofit/>
           </a:bodyPr>
-          <a:p>
-            <a:endParaRPr b="0" lang="en-US" sz="2800" spc="-1" strike="noStrike">
+          <a:lstStyle/>
+          <a:p>
+            <a:endParaRPr lang="en-US" sz="2800" b="0" strike="noStrike" spc="-1">
               <a:solidFill>
                 <a:srgbClr val="000000"/>
               </a:solidFill>
@@ -551,11 +1108,12 @@
           </a:prstGeom>
         </p:spPr>
         <p:txBody>
-          <a:bodyPr lIns="0" rIns="0" tIns="0" bIns="0">
+          <a:bodyPr lIns="0" tIns="0" rIns="0" bIns="0">
             <a:normAutofit/>
           </a:bodyPr>
-          <a:p>
-            <a:endParaRPr b="0" lang="en-US" sz="2800" spc="-1" strike="noStrike">
+          <a:lstStyle/>
+          <a:p>
+            <a:endParaRPr lang="en-US" sz="2800" b="0" strike="noStrike" spc="-1">
               <a:solidFill>
                 <a:srgbClr val="000000"/>
               </a:solidFill>
@@ -584,11 +1142,12 @@
           </a:prstGeom>
         </p:spPr>
         <p:txBody>
-          <a:bodyPr lIns="0" rIns="0" tIns="0" bIns="0">
+          <a:bodyPr lIns="0" tIns="0" rIns="0" bIns="0">
             <a:normAutofit/>
           </a:bodyPr>
-          <a:p>
-            <a:endParaRPr b="0" lang="en-US" sz="2800" spc="-1" strike="noStrike">
+          <a:lstStyle/>
+          <a:p>
+            <a:endParaRPr lang="en-US" sz="2800" b="0" strike="noStrike" spc="-1">
               <a:solidFill>
                 <a:srgbClr val="000000"/>
               </a:solidFill>
@@ -599,11 +1158,14 @@
       </p:sp>
     </p:spTree>
   </p:cSld>
+  <p:clrMapOvr>
+    <a:masterClrMapping/>
+  </p:clrMapOvr>
 </p:sldLayout>
 </file>
 
 <file path=ppt/slideLayouts/slideLayout2.xml><?xml version="1.0" encoding="utf-8"?>
-<p:sldLayout xmlns:a="http://schemas.openxmlformats.org/drawingml/2006/main" xmlns:p="http://schemas.openxmlformats.org/presentationml/2006/main" xmlns:r="http://schemas.openxmlformats.org/officeDocument/2006/relationships" xmlns:p14="http://schemas.microsoft.com/office/powerpoint/2010/main" xmlns:p15="http://schemas.microsoft.com/office/powerpoint/2012/main" xmlns:mc="http://schemas.openxmlformats.org/markup-compatibility/2006" type="tx" preserve="1">
+<p:sldLayout xmlns:a="http://schemas.openxmlformats.org/drawingml/2006/main" xmlns:r="http://schemas.openxmlformats.org/officeDocument/2006/relationships" xmlns:p="http://schemas.openxmlformats.org/presentationml/2006/main" type="tx" preserve="1">
   <p:cSld name="Title Slide">
     <p:spTree>
       <p:nvGrpSpPr>
@@ -639,11 +1201,12 @@
           </a:prstGeom>
         </p:spPr>
         <p:txBody>
-          <a:bodyPr lIns="0" rIns="0" tIns="0" bIns="0" anchor="ctr">
+          <a:bodyPr lIns="0" tIns="0" rIns="0" bIns="0" anchor="ctr">
             <a:noAutofit/>
           </a:bodyPr>
-          <a:p>
-            <a:endParaRPr b="0" lang="en-US" sz="1800" spc="-1" strike="noStrike">
+          <a:lstStyle/>
+          <a:p>
+            <a:endParaRPr lang="en-US" sz="1800" b="0" strike="noStrike" spc="-1">
               <a:solidFill>
                 <a:srgbClr val="000000"/>
               </a:solidFill>
@@ -672,12 +1235,13 @@
           </a:prstGeom>
         </p:spPr>
         <p:txBody>
-          <a:bodyPr lIns="0" rIns="0" tIns="0" bIns="0" anchor="ctr">
+          <a:bodyPr lIns="0" tIns="0" rIns="0" bIns="0" anchor="ctr">
             <a:noAutofit/>
           </a:bodyPr>
+          <a:lstStyle/>
           <a:p>
             <a:pPr algn="ctr"/>
-            <a:endParaRPr b="0" lang="en-US" sz="3200" spc="-1" strike="noStrike">
+            <a:endParaRPr lang="en-US" sz="3200" b="0" strike="noStrike" spc="-1">
               <a:latin typeface="Arial"/>
             </a:endParaRPr>
           </a:p>
@@ -685,11 +1249,14 @@
       </p:sp>
     </p:spTree>
   </p:cSld>
+  <p:clrMapOvr>
+    <a:masterClrMapping/>
+  </p:clrMapOvr>
 </p:sldLayout>
 </file>
 
 <file path=ppt/slideLayouts/slideLayout3.xml><?xml version="1.0" encoding="utf-8"?>
-<p:sldLayout xmlns:a="http://schemas.openxmlformats.org/drawingml/2006/main" xmlns:p="http://schemas.openxmlformats.org/presentationml/2006/main" xmlns:r="http://schemas.openxmlformats.org/officeDocument/2006/relationships" xmlns:p14="http://schemas.microsoft.com/office/powerpoint/2010/main" xmlns:p15="http://schemas.microsoft.com/office/powerpoint/2012/main" xmlns:mc="http://schemas.openxmlformats.org/markup-compatibility/2006" type="obj" preserve="1">
+<p:sldLayout xmlns:a="http://schemas.openxmlformats.org/drawingml/2006/main" xmlns:r="http://schemas.openxmlformats.org/officeDocument/2006/relationships" xmlns:p="http://schemas.openxmlformats.org/presentationml/2006/main" type="obj" preserve="1">
   <p:cSld name="Title, Content">
     <p:spTree>
       <p:nvGrpSpPr>
@@ -725,11 +1292,12 @@
           </a:prstGeom>
         </p:spPr>
         <p:txBody>
-          <a:bodyPr lIns="0" rIns="0" tIns="0" bIns="0" anchor="ctr">
+          <a:bodyPr lIns="0" tIns="0" rIns="0" bIns="0" anchor="ctr">
             <a:noAutofit/>
           </a:bodyPr>
-          <a:p>
-            <a:endParaRPr b="0" lang="en-US" sz="1800" spc="-1" strike="noStrike">
+          <a:lstStyle/>
+          <a:p>
+            <a:endParaRPr lang="en-US" sz="1800" b="0" strike="noStrike" spc="-1">
               <a:solidFill>
                 <a:srgbClr val="000000"/>
               </a:solidFill>
@@ -758,11 +1326,12 @@
           </a:prstGeom>
         </p:spPr>
         <p:txBody>
-          <a:bodyPr lIns="0" rIns="0" tIns="0" bIns="0">
+          <a:bodyPr lIns="0" tIns="0" rIns="0" bIns="0">
             <a:normAutofit/>
           </a:bodyPr>
-          <a:p>
-            <a:endParaRPr b="0" lang="en-US" sz="2800" spc="-1" strike="noStrike">
+          <a:lstStyle/>
+          <a:p>
+            <a:endParaRPr lang="en-US" sz="2800" b="0" strike="noStrike" spc="-1">
               <a:solidFill>
                 <a:srgbClr val="000000"/>
               </a:solidFill>
@@ -773,11 +1342,14 @@
       </p:sp>
     </p:spTree>
   </p:cSld>
+  <p:clrMapOvr>
+    <a:masterClrMapping/>
+  </p:clrMapOvr>
 </p:sldLayout>
 </file>
 
 <file path=ppt/slideLayouts/slideLayout4.xml><?xml version="1.0" encoding="utf-8"?>
-<p:sldLayout xmlns:a="http://schemas.openxmlformats.org/drawingml/2006/main" xmlns:p="http://schemas.openxmlformats.org/presentationml/2006/main" xmlns:r="http://schemas.openxmlformats.org/officeDocument/2006/relationships" xmlns:p14="http://schemas.microsoft.com/office/powerpoint/2010/main" xmlns:p15="http://schemas.microsoft.com/office/powerpoint/2012/main" xmlns:mc="http://schemas.openxmlformats.org/markup-compatibility/2006" type="twoObj" preserve="1">
+<p:sldLayout xmlns:a="http://schemas.openxmlformats.org/drawingml/2006/main" xmlns:r="http://schemas.openxmlformats.org/officeDocument/2006/relationships" xmlns:p="http://schemas.openxmlformats.org/presentationml/2006/main" type="twoObj" preserve="1">
   <p:cSld name="Title, 2 Content">
     <p:spTree>
       <p:nvGrpSpPr>
@@ -813,11 +1385,12 @@
           </a:prstGeom>
         </p:spPr>
         <p:txBody>
-          <a:bodyPr lIns="0" rIns="0" tIns="0" bIns="0" anchor="ctr">
+          <a:bodyPr lIns="0" tIns="0" rIns="0" bIns="0" anchor="ctr">
             <a:noAutofit/>
           </a:bodyPr>
-          <a:p>
-            <a:endParaRPr b="0" lang="en-US" sz="1800" spc="-1" strike="noStrike">
+          <a:lstStyle/>
+          <a:p>
+            <a:endParaRPr lang="en-US" sz="1800" b="0" strike="noStrike" spc="-1">
               <a:solidFill>
                 <a:srgbClr val="000000"/>
               </a:solidFill>
@@ -846,11 +1419,12 @@
           </a:prstGeom>
         </p:spPr>
         <p:txBody>
-          <a:bodyPr lIns="0" rIns="0" tIns="0" bIns="0">
+          <a:bodyPr lIns="0" tIns="0" rIns="0" bIns="0">
             <a:normAutofit/>
           </a:bodyPr>
-          <a:p>
-            <a:endParaRPr b="0" lang="en-US" sz="2800" spc="-1" strike="noStrike">
+          <a:lstStyle/>
+          <a:p>
+            <a:endParaRPr lang="en-US" sz="2800" b="0" strike="noStrike" spc="-1">
               <a:solidFill>
                 <a:srgbClr val="000000"/>
               </a:solidFill>
@@ -879,11 +1453,12 @@
           </a:prstGeom>
         </p:spPr>
         <p:txBody>
-          <a:bodyPr lIns="0" rIns="0" tIns="0" bIns="0">
+          <a:bodyPr lIns="0" tIns="0" rIns="0" bIns="0">
             <a:normAutofit/>
           </a:bodyPr>
-          <a:p>
-            <a:endParaRPr b="0" lang="en-US" sz="2800" spc="-1" strike="noStrike">
+          <a:lstStyle/>
+          <a:p>
+            <a:endParaRPr lang="en-US" sz="2800" b="0" strike="noStrike" spc="-1">
               <a:solidFill>
                 <a:srgbClr val="000000"/>
               </a:solidFill>
@@ -894,11 +1469,14 @@
       </p:sp>
     </p:spTree>
   </p:cSld>
+  <p:clrMapOvr>
+    <a:masterClrMapping/>
+  </p:clrMapOvr>
 </p:sldLayout>
 </file>
 
 <file path=ppt/slideLayouts/slideLayout5.xml><?xml version="1.0" encoding="utf-8"?>
-<p:sldLayout xmlns:a="http://schemas.openxmlformats.org/drawingml/2006/main" xmlns:p="http://schemas.openxmlformats.org/presentationml/2006/main" xmlns:r="http://schemas.openxmlformats.org/officeDocument/2006/relationships" xmlns:p14="http://schemas.microsoft.com/office/powerpoint/2010/main" xmlns:p15="http://schemas.microsoft.com/office/powerpoint/2012/main" xmlns:mc="http://schemas.openxmlformats.org/markup-compatibility/2006" type="titleOnly" preserve="1">
+<p:sldLayout xmlns:a="http://schemas.openxmlformats.org/drawingml/2006/main" xmlns:r="http://schemas.openxmlformats.org/officeDocument/2006/relationships" xmlns:p="http://schemas.openxmlformats.org/presentationml/2006/main" type="titleOnly" preserve="1">
   <p:cSld name="Title Only">
     <p:spTree>
       <p:nvGrpSpPr>
@@ -934,11 +1512,12 @@
           </a:prstGeom>
         </p:spPr>
         <p:txBody>
-          <a:bodyPr lIns="0" rIns="0" tIns="0" bIns="0" anchor="ctr">
+          <a:bodyPr lIns="0" tIns="0" rIns="0" bIns="0" anchor="ctr">
             <a:noAutofit/>
           </a:bodyPr>
-          <a:p>
-            <a:endParaRPr b="0" lang="en-US" sz="1800" spc="-1" strike="noStrike">
+          <a:lstStyle/>
+          <a:p>
+            <a:endParaRPr lang="en-US" sz="1800" b="0" strike="noStrike" spc="-1">
               <a:solidFill>
                 <a:srgbClr val="000000"/>
               </a:solidFill>
@@ -949,11 +1528,14 @@
       </p:sp>
     </p:spTree>
   </p:cSld>
+  <p:clrMapOvr>
+    <a:masterClrMapping/>
+  </p:clrMapOvr>
 </p:sldLayout>
 </file>
 
 <file path=ppt/slideLayouts/slideLayout6.xml><?xml version="1.0" encoding="utf-8"?>
-<p:sldLayout xmlns:a="http://schemas.openxmlformats.org/drawingml/2006/main" xmlns:p="http://schemas.openxmlformats.org/presentationml/2006/main" xmlns:r="http://schemas.openxmlformats.org/officeDocument/2006/relationships" xmlns:p14="http://schemas.microsoft.com/office/powerpoint/2010/main" xmlns:p15="http://schemas.microsoft.com/office/powerpoint/2012/main" xmlns:mc="http://schemas.openxmlformats.org/markup-compatibility/2006" type="objOnly" preserve="1">
+<p:sldLayout xmlns:a="http://schemas.openxmlformats.org/drawingml/2006/main" xmlns:r="http://schemas.openxmlformats.org/officeDocument/2006/relationships" xmlns:p="http://schemas.openxmlformats.org/presentationml/2006/main" type="objOnly" preserve="1">
   <p:cSld name="Centered Text">
     <p:spTree>
       <p:nvGrpSpPr>
@@ -989,12 +1571,13 @@
           </a:prstGeom>
         </p:spPr>
         <p:txBody>
-          <a:bodyPr lIns="0" rIns="0" tIns="0" bIns="0" anchor="ctr">
+          <a:bodyPr lIns="0" tIns="0" rIns="0" bIns="0" anchor="ctr">
             <a:noAutofit/>
           </a:bodyPr>
+          <a:lstStyle/>
           <a:p>
             <a:pPr algn="ctr"/>
-            <a:endParaRPr b="0" lang="en-US" sz="3200" spc="-1" strike="noStrike">
+            <a:endParaRPr lang="en-US" sz="3200" b="0" strike="noStrike" spc="-1">
               <a:latin typeface="Arial"/>
             </a:endParaRPr>
           </a:p>
@@ -1002,11 +1585,14 @@
       </p:sp>
     </p:spTree>
   </p:cSld>
+  <p:clrMapOvr>
+    <a:masterClrMapping/>
+  </p:clrMapOvr>
 </p:sldLayout>
 </file>
 
 <file path=ppt/slideLayouts/slideLayout7.xml><?xml version="1.0" encoding="utf-8"?>
-<p:sldLayout xmlns:a="http://schemas.openxmlformats.org/drawingml/2006/main" xmlns:p="http://schemas.openxmlformats.org/presentationml/2006/main" xmlns:r="http://schemas.openxmlformats.org/officeDocument/2006/relationships" xmlns:p14="http://schemas.microsoft.com/office/powerpoint/2010/main" xmlns:p15="http://schemas.microsoft.com/office/powerpoint/2012/main" xmlns:mc="http://schemas.openxmlformats.org/markup-compatibility/2006" type="twoObjAndObj" preserve="1">
+<p:sldLayout xmlns:a="http://schemas.openxmlformats.org/drawingml/2006/main" xmlns:r="http://schemas.openxmlformats.org/officeDocument/2006/relationships" xmlns:p="http://schemas.openxmlformats.org/presentationml/2006/main" type="twoObjAndObj" preserve="1">
   <p:cSld name="Title, 2 Content and Content">
     <p:spTree>
       <p:nvGrpSpPr>
@@ -1042,11 +1628,12 @@
           </a:prstGeom>
         </p:spPr>
         <p:txBody>
-          <a:bodyPr lIns="0" rIns="0" tIns="0" bIns="0" anchor="ctr">
+          <a:bodyPr lIns="0" tIns="0" rIns="0" bIns="0" anchor="ctr">
             <a:noAutofit/>
           </a:bodyPr>
-          <a:p>
-            <a:endParaRPr b="0" lang="en-US" sz="1800" spc="-1" strike="noStrike">
+          <a:lstStyle/>
+          <a:p>
+            <a:endParaRPr lang="en-US" sz="1800" b="0" strike="noStrike" spc="-1">
               <a:solidFill>
                 <a:srgbClr val="000000"/>
               </a:solidFill>
@@ -1075,11 +1662,12 @@
           </a:prstGeom>
         </p:spPr>
         <p:txBody>
-          <a:bodyPr lIns="0" rIns="0" tIns="0" bIns="0">
+          <a:bodyPr lIns="0" tIns="0" rIns="0" bIns="0">
             <a:normAutofit/>
           </a:bodyPr>
-          <a:p>
-            <a:endParaRPr b="0" lang="en-US" sz="2800" spc="-1" strike="noStrike">
+          <a:lstStyle/>
+          <a:p>
+            <a:endParaRPr lang="en-US" sz="2800" b="0" strike="noStrike" spc="-1">
               <a:solidFill>
                 <a:srgbClr val="000000"/>
               </a:solidFill>
@@ -1108,11 +1696,12 @@
           </a:prstGeom>
         </p:spPr>
         <p:txBody>
-          <a:bodyPr lIns="0" rIns="0" tIns="0" bIns="0">
+          <a:bodyPr lIns="0" tIns="0" rIns="0" bIns="0">
             <a:normAutofit/>
           </a:bodyPr>
-          <a:p>
-            <a:endParaRPr b="0" lang="en-US" sz="2800" spc="-1" strike="noStrike">
+          <a:lstStyle/>
+          <a:p>
+            <a:endParaRPr lang="en-US" sz="2800" b="0" strike="noStrike" spc="-1">
               <a:solidFill>
                 <a:srgbClr val="000000"/>
               </a:solidFill>
@@ -1141,11 +1730,12 @@
           </a:prstGeom>
         </p:spPr>
         <p:txBody>
-          <a:bodyPr lIns="0" rIns="0" tIns="0" bIns="0">
+          <a:bodyPr lIns="0" tIns="0" rIns="0" bIns="0">
             <a:normAutofit/>
           </a:bodyPr>
-          <a:p>
-            <a:endParaRPr b="0" lang="en-US" sz="2800" spc="-1" strike="noStrike">
+          <a:lstStyle/>
+          <a:p>
+            <a:endParaRPr lang="en-US" sz="2800" b="0" strike="noStrike" spc="-1">
               <a:solidFill>
                 <a:srgbClr val="000000"/>
               </a:solidFill>
@@ -1156,11 +1746,14 @@
       </p:sp>
     </p:spTree>
   </p:cSld>
+  <p:clrMapOvr>
+    <a:masterClrMapping/>
+  </p:clrMapOvr>
 </p:sldLayout>
 </file>
 
 <file path=ppt/slideLayouts/slideLayout8.xml><?xml version="1.0" encoding="utf-8"?>
-<p:sldLayout xmlns:a="http://schemas.openxmlformats.org/drawingml/2006/main" xmlns:p="http://schemas.openxmlformats.org/presentationml/2006/main" xmlns:r="http://schemas.openxmlformats.org/officeDocument/2006/relationships" xmlns:p14="http://schemas.microsoft.com/office/powerpoint/2010/main" xmlns:p15="http://schemas.microsoft.com/office/powerpoint/2012/main" xmlns:mc="http://schemas.openxmlformats.org/markup-compatibility/2006" type="objAndTwoObj" preserve="1">
+<p:sldLayout xmlns:a="http://schemas.openxmlformats.org/drawingml/2006/main" xmlns:r="http://schemas.openxmlformats.org/officeDocument/2006/relationships" xmlns:p="http://schemas.openxmlformats.org/presentationml/2006/main" type="objAndTwoObj" preserve="1">
   <p:cSld name="Title Content and 2 Content">
     <p:spTree>
       <p:nvGrpSpPr>
@@ -1196,11 +1789,12 @@
           </a:prstGeom>
         </p:spPr>
         <p:txBody>
-          <a:bodyPr lIns="0" rIns="0" tIns="0" bIns="0" anchor="ctr">
+          <a:bodyPr lIns="0" tIns="0" rIns="0" bIns="0" anchor="ctr">
             <a:noAutofit/>
           </a:bodyPr>
-          <a:p>
-            <a:endParaRPr b="0" lang="en-US" sz="1800" spc="-1" strike="noStrike">
+          <a:lstStyle/>
+          <a:p>
+            <a:endParaRPr lang="en-US" sz="1800" b="0" strike="noStrike" spc="-1">
               <a:solidFill>
                 <a:srgbClr val="000000"/>
               </a:solidFill>
@@ -1229,11 +1823,12 @@
           </a:prstGeom>
         </p:spPr>
         <p:txBody>
-          <a:bodyPr lIns="0" rIns="0" tIns="0" bIns="0">
+          <a:bodyPr lIns="0" tIns="0" rIns="0" bIns="0">
             <a:normAutofit/>
           </a:bodyPr>
-          <a:p>
-            <a:endParaRPr b="0" lang="en-US" sz="2800" spc="-1" strike="noStrike">
+          <a:lstStyle/>
+          <a:p>
+            <a:endParaRPr lang="en-US" sz="2800" b="0" strike="noStrike" spc="-1">
               <a:solidFill>
                 <a:srgbClr val="000000"/>
               </a:solidFill>
@@ -1262,11 +1857,12 @@
           </a:prstGeom>
         </p:spPr>
         <p:txBody>
-          <a:bodyPr lIns="0" rIns="0" tIns="0" bIns="0">
+          <a:bodyPr lIns="0" tIns="0" rIns="0" bIns="0">
             <a:normAutofit/>
           </a:bodyPr>
-          <a:p>
-            <a:endParaRPr b="0" lang="en-US" sz="2800" spc="-1" strike="noStrike">
+          <a:lstStyle/>
+          <a:p>
+            <a:endParaRPr lang="en-US" sz="2800" b="0" strike="noStrike" spc="-1">
               <a:solidFill>
                 <a:srgbClr val="000000"/>
               </a:solidFill>
@@ -1295,11 +1891,12 @@
           </a:prstGeom>
         </p:spPr>
         <p:txBody>
-          <a:bodyPr lIns="0" rIns="0" tIns="0" bIns="0">
+          <a:bodyPr lIns="0" tIns="0" rIns="0" bIns="0">
             <a:normAutofit/>
           </a:bodyPr>
-          <a:p>
-            <a:endParaRPr b="0" lang="en-US" sz="2800" spc="-1" strike="noStrike">
+          <a:lstStyle/>
+          <a:p>
+            <a:endParaRPr lang="en-US" sz="2800" b="0" strike="noStrike" spc="-1">
               <a:solidFill>
                 <a:srgbClr val="000000"/>
               </a:solidFill>
@@ -1310,11 +1907,14 @@
       </p:sp>
     </p:spTree>
   </p:cSld>
+  <p:clrMapOvr>
+    <a:masterClrMapping/>
+  </p:clrMapOvr>
 </p:sldLayout>
 </file>
 
 <file path=ppt/slideLayouts/slideLayout9.xml><?xml version="1.0" encoding="utf-8"?>
-<p:sldLayout xmlns:a="http://schemas.openxmlformats.org/drawingml/2006/main" xmlns:p="http://schemas.openxmlformats.org/presentationml/2006/main" xmlns:r="http://schemas.openxmlformats.org/officeDocument/2006/relationships" xmlns:p14="http://schemas.microsoft.com/office/powerpoint/2010/main" xmlns:p15="http://schemas.microsoft.com/office/powerpoint/2012/main" xmlns:mc="http://schemas.openxmlformats.org/markup-compatibility/2006" type="twoObjOverTx" preserve="1">
+<p:sldLayout xmlns:a="http://schemas.openxmlformats.org/drawingml/2006/main" xmlns:r="http://schemas.openxmlformats.org/officeDocument/2006/relationships" xmlns:p="http://schemas.openxmlformats.org/presentationml/2006/main" type="twoObjOverTx" preserve="1">
   <p:cSld name="Title, 2 Content over Content">
     <p:spTree>
       <p:nvGrpSpPr>
@@ -1350,11 +1950,12 @@
           </a:prstGeom>
         </p:spPr>
         <p:txBody>
-          <a:bodyPr lIns="0" rIns="0" tIns="0" bIns="0" anchor="ctr">
+          <a:bodyPr lIns="0" tIns="0" rIns="0" bIns="0" anchor="ctr">
             <a:noAutofit/>
           </a:bodyPr>
-          <a:p>
-            <a:endParaRPr b="0" lang="en-US" sz="1800" spc="-1" strike="noStrike">
+          <a:lstStyle/>
+          <a:p>
+            <a:endParaRPr lang="en-US" sz="1800" b="0" strike="noStrike" spc="-1">
               <a:solidFill>
                 <a:srgbClr val="000000"/>
               </a:solidFill>
@@ -1383,11 +1984,12 @@
           </a:prstGeom>
         </p:spPr>
         <p:txBody>
-          <a:bodyPr lIns="0" rIns="0" tIns="0" bIns="0">
+          <a:bodyPr lIns="0" tIns="0" rIns="0" bIns="0">
             <a:normAutofit/>
           </a:bodyPr>
-          <a:p>
-            <a:endParaRPr b="0" lang="en-US" sz="2800" spc="-1" strike="noStrike">
+          <a:lstStyle/>
+          <a:p>
+            <a:endParaRPr lang="en-US" sz="2800" b="0" strike="noStrike" spc="-1">
               <a:solidFill>
                 <a:srgbClr val="000000"/>
               </a:solidFill>
@@ -1416,11 +2018,12 @@
           </a:prstGeom>
         </p:spPr>
         <p:txBody>
-          <a:bodyPr lIns="0" rIns="0" tIns="0" bIns="0">
+          <a:bodyPr lIns="0" tIns="0" rIns="0" bIns="0">
             <a:normAutofit/>
           </a:bodyPr>
-          <a:p>
-            <a:endParaRPr b="0" lang="en-US" sz="2800" spc="-1" strike="noStrike">
+          <a:lstStyle/>
+          <a:p>
+            <a:endParaRPr lang="en-US" sz="2800" b="0" strike="noStrike" spc="-1">
               <a:solidFill>
                 <a:srgbClr val="000000"/>
               </a:solidFill>
@@ -1449,11 +2052,12 @@
           </a:prstGeom>
         </p:spPr>
         <p:txBody>
-          <a:bodyPr lIns="0" rIns="0" tIns="0" bIns="0">
+          <a:bodyPr lIns="0" tIns="0" rIns="0" bIns="0">
             <a:normAutofit/>
           </a:bodyPr>
-          <a:p>
-            <a:endParaRPr b="0" lang="en-US" sz="2800" spc="-1" strike="noStrike">
+          <a:lstStyle/>
+          <a:p>
+            <a:endParaRPr lang="en-US" sz="2800" b="0" strike="noStrike" spc="-1">
               <a:solidFill>
                 <a:srgbClr val="000000"/>
               </a:solidFill>
@@ -1464,17 +2068,21 @@
       </p:sp>
     </p:spTree>
   </p:cSld>
+  <p:clrMapOvr>
+    <a:masterClrMapping/>
+  </p:clrMapOvr>
 </p:sldLayout>
 </file>
 
 <file path=ppt/slideMasters/slideMaster1.xml><?xml version="1.0" encoding="utf-8"?>
-<p:sldMaster xmlns:a="http://schemas.openxmlformats.org/drawingml/2006/main" xmlns:p="http://schemas.openxmlformats.org/presentationml/2006/main" xmlns:r="http://schemas.openxmlformats.org/officeDocument/2006/relationships" xmlns:p14="http://schemas.microsoft.com/office/powerpoint/2010/main" xmlns:p15="http://schemas.microsoft.com/office/powerpoint/2012/main" xmlns:mc="http://schemas.openxmlformats.org/markup-compatibility/2006">
+<p:sldMaster xmlns:a="http://schemas.openxmlformats.org/drawingml/2006/main" xmlns:r="http://schemas.openxmlformats.org/officeDocument/2006/relationships" xmlns:p="http://schemas.openxmlformats.org/presentationml/2006/main">
   <p:cSld>
     <p:bg>
       <p:bgPr>
         <a:solidFill>
-          <a:srgbClr val="ffffff"/>
+          <a:srgbClr val="FFFFFF"/>
         </a:solidFill>
+        <a:effectLst/>
       </p:bgPr>
     </p:bg>
     <p:spTree>
@@ -1493,7 +2101,7 @@
       </p:grpSpPr>
       <p:sp>
         <p:nvSpPr>
-          <p:cNvPr id="0" name="PlaceHolder 1"/>
+          <p:cNvPr id="5" name="PlaceHolder 1"/>
           <p:cNvSpPr>
             <a:spLocks noGrp="1"/>
           </p:cNvSpPr>
@@ -1514,6 +2122,7 @@
           <a:bodyPr anchor="b">
             <a:noAutofit/>
           </a:bodyPr>
+          <a:lstStyle/>
           <a:p>
             <a:pPr algn="ctr">
               <a:lnSpc>
@@ -1521,7 +2130,7 @@
               </a:lnSpc>
             </a:pPr>
             <a:r>
-              <a:rPr b="0" lang="en-US" sz="6000" spc="-1" strike="noStrike">
+              <a:rPr lang="en-US" sz="6000" b="0" strike="noStrike" spc="-1">
                 <a:solidFill>
                   <a:srgbClr val="000000"/>
                 </a:solidFill>
@@ -1529,7 +2138,7 @@
               </a:rPr>
               <a:t>Click to edit Master title style</a:t>
             </a:r>
-            <a:endParaRPr b="0" lang="en-US" sz="6000" spc="-1" strike="noStrike">
+            <a:endParaRPr lang="en-US" sz="6000" b="0" strike="noStrike" spc="-1">
               <a:solidFill>
                 <a:srgbClr val="000000"/>
               </a:solidFill>
@@ -1540,7 +2149,7 @@
       </p:sp>
       <p:sp>
         <p:nvSpPr>
-          <p:cNvPr id="1" name="PlaceHolder 2"/>
+          <p:cNvPr id="6" name="PlaceHolder 2"/>
           <p:cNvSpPr>
             <a:spLocks noGrp="1"/>
           </p:cNvSpPr>
@@ -1561,6 +2170,7 @@
           <a:bodyPr anchor="ctr">
             <a:noAutofit/>
           </a:bodyPr>
+          <a:lstStyle/>
           <a:p>
             <a:pPr>
               <a:lnSpc>
@@ -1568,15 +2178,15 @@
               </a:lnSpc>
             </a:pPr>
             <a:fld id="{D4B4E77F-6F22-40AD-B0F7-D4628769D5E7}" type="datetime">
-              <a:rPr b="0" lang="en-US" sz="1200" spc="-1" strike="noStrike">
+              <a:rPr lang="en-US" sz="1200" b="0" strike="noStrike" spc="-1">
                 <a:solidFill>
-                  <a:srgbClr val="8b8b8b"/>
+                  <a:srgbClr val="8B8B8B"/>
                 </a:solidFill>
                 <a:latin typeface="Calibri"/>
               </a:rPr>
-              <a:t>11/21/20</a:t>
+              <a:t>11/22/20</a:t>
             </a:fld>
-            <a:endParaRPr b="0" lang="en-US" sz="1200" spc="-1" strike="noStrike">
+            <a:endParaRPr lang="en-US" sz="1200" b="0" strike="noStrike" spc="-1">
               <a:latin typeface="Times New Roman"/>
             </a:endParaRPr>
           </a:p>
@@ -1605,8 +2215,9 @@
           <a:bodyPr anchor="ctr">
             <a:noAutofit/>
           </a:bodyPr>
-          <a:p>
-            <a:endParaRPr b="0" lang="en-US" sz="2400" spc="-1" strike="noStrike">
+          <a:lstStyle/>
+          <a:p>
+            <a:endParaRPr lang="en-US" sz="2400" b="0" strike="noStrike" spc="-1">
               <a:latin typeface="Times New Roman"/>
             </a:endParaRPr>
           </a:p>
@@ -1635,6 +2246,7 @@
           <a:bodyPr anchor="ctr">
             <a:noAutofit/>
           </a:bodyPr>
+          <a:lstStyle/>
           <a:p>
             <a:pPr algn="r">
               <a:lnSpc>
@@ -1642,15 +2254,15 @@
               </a:lnSpc>
             </a:pPr>
             <a:fld id="{1F25713F-BBCB-4471-A9AE-2F6B83D6903D}" type="slidenum">
-              <a:rPr b="0" lang="en-US" sz="1200" spc="-1" strike="noStrike">
+              <a:rPr lang="en-US" sz="1200" b="0" strike="noStrike" spc="-1">
                 <a:solidFill>
-                  <a:srgbClr val="8b8b8b"/>
+                  <a:srgbClr val="8B8B8B"/>
                 </a:solidFill>
                 <a:latin typeface="Calibri"/>
               </a:rPr>
-              <a:t>&lt;number&gt;</a:t>
+              <a:t>‹#›</a:t>
             </a:fld>
-            <a:endParaRPr b="0" lang="en-US" sz="1200" spc="-1" strike="noStrike">
+            <a:endParaRPr lang="en-US" sz="1200" b="0" strike="noStrike" spc="-1">
               <a:latin typeface="Times New Roman"/>
             </a:endParaRPr>
           </a:p>
@@ -1676,9 +2288,10 @@
           </a:prstGeom>
         </p:spPr>
         <p:txBody>
-          <a:bodyPr lIns="0" rIns="0" tIns="0" bIns="0">
+          <a:bodyPr lIns="0" tIns="0" rIns="0" bIns="0">
             <a:normAutofit/>
           </a:bodyPr>
+          <a:lstStyle/>
           <a:p>
             <a:pPr marL="432000" indent="-324000">
               <a:spcBef>
@@ -1692,7 +2305,7 @@
               <a:buChar char=""/>
             </a:pPr>
             <a:r>
-              <a:rPr b="0" lang="en-US" sz="2800" spc="-1" strike="noStrike">
+              <a:rPr lang="en-US" sz="2800" b="0" strike="noStrike" spc="-1">
                 <a:solidFill>
                   <a:srgbClr val="000000"/>
                 </a:solidFill>
@@ -1700,15 +2313,9 @@
               </a:rPr>
               <a:t>Click to edit the outline text format</a:t>
             </a:r>
-            <a:endParaRPr b="0" lang="en-US" sz="2800" spc="-1" strike="noStrike">
-              <a:solidFill>
-                <a:srgbClr val="000000"/>
-              </a:solidFill>
-              <a:latin typeface="Calibri"/>
-            </a:endParaRPr>
-          </a:p>
-          <a:p>
-            <a:pPr lvl="1" marL="864000" indent="-324000">
+          </a:p>
+          <a:p>
+            <a:pPr marL="864000" lvl="1" indent="-324000">
               <a:spcBef>
                 <a:spcPts val="1134"/>
               </a:spcBef>
@@ -1720,7 +2327,7 @@
               <a:buChar char=""/>
             </a:pPr>
             <a:r>
-              <a:rPr b="0" lang="en-US" sz="2000" spc="-1" strike="noStrike">
+              <a:rPr lang="en-US" sz="2000" b="0" strike="noStrike" spc="-1">
                 <a:solidFill>
                   <a:srgbClr val="000000"/>
                 </a:solidFill>
@@ -1728,15 +2335,9 @@
               </a:rPr>
               <a:t>Second Outline Level</a:t>
             </a:r>
-            <a:endParaRPr b="0" lang="en-US" sz="2000" spc="-1" strike="noStrike">
-              <a:solidFill>
-                <a:srgbClr val="000000"/>
-              </a:solidFill>
-              <a:latin typeface="Calibri"/>
-            </a:endParaRPr>
-          </a:p>
-          <a:p>
-            <a:pPr lvl="2" marL="1296000" indent="-288000">
+          </a:p>
+          <a:p>
+            <a:pPr marL="1296000" lvl="2" indent="-288000">
               <a:spcBef>
                 <a:spcPts val="850"/>
               </a:spcBef>
@@ -1748,7 +2349,7 @@
               <a:buChar char=""/>
             </a:pPr>
             <a:r>
-              <a:rPr b="0" lang="en-US" sz="1800" spc="-1" strike="noStrike">
+              <a:rPr lang="en-US" sz="1800" b="0" strike="noStrike" spc="-1">
                 <a:solidFill>
                   <a:srgbClr val="000000"/>
                 </a:solidFill>
@@ -1756,15 +2357,9 @@
               </a:rPr>
               <a:t>Third Outline Level</a:t>
             </a:r>
-            <a:endParaRPr b="0" lang="en-US" sz="1800" spc="-1" strike="noStrike">
-              <a:solidFill>
-                <a:srgbClr val="000000"/>
-              </a:solidFill>
-              <a:latin typeface="Calibri"/>
-            </a:endParaRPr>
-          </a:p>
-          <a:p>
-            <a:pPr lvl="3" marL="1728000" indent="-216000">
+          </a:p>
+          <a:p>
+            <a:pPr marL="1728000" lvl="3" indent="-216000">
               <a:spcBef>
                 <a:spcPts val="567"/>
               </a:spcBef>
@@ -1776,7 +2371,7 @@
               <a:buChar char=""/>
             </a:pPr>
             <a:r>
-              <a:rPr b="0" lang="en-US" sz="1800" spc="-1" strike="noStrike">
+              <a:rPr lang="en-US" sz="1800" b="0" strike="noStrike" spc="-1">
                 <a:solidFill>
                   <a:srgbClr val="000000"/>
                 </a:solidFill>
@@ -1784,15 +2379,9 @@
               </a:rPr>
               <a:t>Fourth Outline Level</a:t>
             </a:r>
-            <a:endParaRPr b="0" lang="en-US" sz="1800" spc="-1" strike="noStrike">
-              <a:solidFill>
-                <a:srgbClr val="000000"/>
-              </a:solidFill>
-              <a:latin typeface="Calibri"/>
-            </a:endParaRPr>
-          </a:p>
-          <a:p>
-            <a:pPr lvl="4" marL="2160000" indent="-216000">
+          </a:p>
+          <a:p>
+            <a:pPr marL="2160000" lvl="4" indent="-216000">
               <a:spcBef>
                 <a:spcPts val="283"/>
               </a:spcBef>
@@ -1804,7 +2393,7 @@
               <a:buChar char=""/>
             </a:pPr>
             <a:r>
-              <a:rPr b="0" lang="en-US" sz="2000" spc="-1" strike="noStrike">
+              <a:rPr lang="en-US" sz="2000" b="0" strike="noStrike" spc="-1">
                 <a:solidFill>
                   <a:srgbClr val="000000"/>
                 </a:solidFill>
@@ -1812,15 +2401,9 @@
               </a:rPr>
               <a:t>Fifth Outline Level</a:t>
             </a:r>
-            <a:endParaRPr b="0" lang="en-US" sz="2000" spc="-1" strike="noStrike">
-              <a:solidFill>
-                <a:srgbClr val="000000"/>
-              </a:solidFill>
-              <a:latin typeface="Calibri"/>
-            </a:endParaRPr>
-          </a:p>
-          <a:p>
-            <a:pPr lvl="5" marL="2592000" indent="-216000">
+          </a:p>
+          <a:p>
+            <a:pPr marL="2592000" lvl="5" indent="-216000">
               <a:spcBef>
                 <a:spcPts val="283"/>
               </a:spcBef>
@@ -1832,7 +2415,7 @@
               <a:buChar char=""/>
             </a:pPr>
             <a:r>
-              <a:rPr b="0" lang="en-US" sz="2000" spc="-1" strike="noStrike">
+              <a:rPr lang="en-US" sz="2000" b="0" strike="noStrike" spc="-1">
                 <a:solidFill>
                   <a:srgbClr val="000000"/>
                 </a:solidFill>
@@ -1840,15 +2423,9 @@
               </a:rPr>
               <a:t>Sixth Outline Level</a:t>
             </a:r>
-            <a:endParaRPr b="0" lang="en-US" sz="2000" spc="-1" strike="noStrike">
-              <a:solidFill>
-                <a:srgbClr val="000000"/>
-              </a:solidFill>
-              <a:latin typeface="Calibri"/>
-            </a:endParaRPr>
-          </a:p>
-          <a:p>
-            <a:pPr lvl="6" marL="3024000" indent="-216000">
+          </a:p>
+          <a:p>
+            <a:pPr marL="3024000" lvl="6" indent="-216000">
               <a:spcBef>
                 <a:spcPts val="283"/>
               </a:spcBef>
@@ -1860,7 +2437,7 @@
               <a:buChar char=""/>
             </a:pPr>
             <a:r>
-              <a:rPr b="0" lang="en-US" sz="2000" spc="-1" strike="noStrike">
+              <a:rPr lang="en-US" sz="2000" b="0" strike="noStrike" spc="-1">
                 <a:solidFill>
                   <a:srgbClr val="000000"/>
                 </a:solidFill>
@@ -1868,37 +2445,311 @@
               </a:rPr>
               <a:t>Seventh Outline Level</a:t>
             </a:r>
-            <a:endParaRPr b="0" lang="en-US" sz="2000" spc="-1" strike="noStrike">
-              <a:solidFill>
-                <a:srgbClr val="000000"/>
-              </a:solidFill>
-              <a:latin typeface="Calibri"/>
-            </a:endParaRPr>
           </a:p>
         </p:txBody>
       </p:sp>
     </p:spTree>
   </p:cSld>
-  <p:clrMap bg1="lt1" bg2="lt2" tx1="dk1" tx2="dk2" accent1="accent1" accent2="accent2" accent3="accent3" accent4="accent4" accent5="accent5" accent6="accent6" hlink="hlink" folHlink="folHlink"/>
+  <p:clrMap bg1="lt1" tx1="dk1" bg2="lt2" tx2="dk2" accent1="accent1" accent2="accent2" accent3="accent3" accent4="accent4" accent5="accent5" accent6="accent6" hlink="hlink" folHlink="folHlink"/>
   <p:sldLayoutIdLst>
-    <p:sldLayoutId id="2147483649" r:id="rId2"/>
-    <p:sldLayoutId id="2147483650" r:id="rId3"/>
-    <p:sldLayoutId id="2147483651" r:id="rId4"/>
-    <p:sldLayoutId id="2147483652" r:id="rId5"/>
-    <p:sldLayoutId id="2147483653" r:id="rId6"/>
-    <p:sldLayoutId id="2147483654" r:id="rId7"/>
-    <p:sldLayoutId id="2147483655" r:id="rId8"/>
-    <p:sldLayoutId id="2147483656" r:id="rId9"/>
-    <p:sldLayoutId id="2147483657" r:id="rId10"/>
-    <p:sldLayoutId id="2147483658" r:id="rId11"/>
-    <p:sldLayoutId id="2147483659" r:id="rId12"/>
-    <p:sldLayoutId id="2147483660" r:id="rId13"/>
+    <p:sldLayoutId id="2147483649" r:id="rId1"/>
+    <p:sldLayoutId id="2147483650" r:id="rId2"/>
+    <p:sldLayoutId id="2147483651" r:id="rId3"/>
+    <p:sldLayoutId id="2147483652" r:id="rId4"/>
+    <p:sldLayoutId id="2147483653" r:id="rId5"/>
+    <p:sldLayoutId id="2147483654" r:id="rId6"/>
+    <p:sldLayoutId id="2147483655" r:id="rId7"/>
+    <p:sldLayoutId id="2147483656" r:id="rId8"/>
+    <p:sldLayoutId id="2147483657" r:id="rId9"/>
+    <p:sldLayoutId id="2147483658" r:id="rId10"/>
+    <p:sldLayoutId id="2147483659" r:id="rId11"/>
+    <p:sldLayoutId id="2147483660" r:id="rId12"/>
   </p:sldLayoutIdLst>
+  <p:txStyles>
+    <p:titleStyle>
+      <a:lvl1pPr algn="l" defTabSz="914400" rtl="0" eaLnBrk="1" latinLnBrk="0" hangingPunct="1">
+        <a:lnSpc>
+          <a:spcPct val="90000"/>
+        </a:lnSpc>
+        <a:spcBef>
+          <a:spcPct val="0"/>
+        </a:spcBef>
+        <a:buNone/>
+        <a:defRPr sz="4400" kern="1200">
+          <a:solidFill>
+            <a:schemeClr val="tx1"/>
+          </a:solidFill>
+          <a:latin typeface="+mj-lt"/>
+          <a:ea typeface="+mj-ea"/>
+          <a:cs typeface="+mj-cs"/>
+        </a:defRPr>
+      </a:lvl1pPr>
+    </p:titleStyle>
+    <p:bodyStyle>
+      <a:lvl1pPr marL="228600" indent="-228600" algn="l" defTabSz="914400" rtl="0" eaLnBrk="1" latinLnBrk="0" hangingPunct="1">
+        <a:lnSpc>
+          <a:spcPct val="90000"/>
+        </a:lnSpc>
+        <a:spcBef>
+          <a:spcPts val="1000"/>
+        </a:spcBef>
+        <a:buFont typeface="Arial" panose="020B0604020202020204" pitchFamily="34" charset="0"/>
+        <a:buChar char="•"/>
+        <a:defRPr sz="2800" kern="1200">
+          <a:solidFill>
+            <a:schemeClr val="tx1"/>
+          </a:solidFill>
+          <a:latin typeface="+mn-lt"/>
+          <a:ea typeface="+mn-ea"/>
+          <a:cs typeface="+mn-cs"/>
+        </a:defRPr>
+      </a:lvl1pPr>
+      <a:lvl2pPr marL="685800" indent="-228600" algn="l" defTabSz="914400" rtl="0" eaLnBrk="1" latinLnBrk="0" hangingPunct="1">
+        <a:lnSpc>
+          <a:spcPct val="90000"/>
+        </a:lnSpc>
+        <a:spcBef>
+          <a:spcPts val="500"/>
+        </a:spcBef>
+        <a:buFont typeface="Arial" panose="020B0604020202020204" pitchFamily="34" charset="0"/>
+        <a:buChar char="•"/>
+        <a:defRPr sz="2400" kern="1200">
+          <a:solidFill>
+            <a:schemeClr val="tx1"/>
+          </a:solidFill>
+          <a:latin typeface="+mn-lt"/>
+          <a:ea typeface="+mn-ea"/>
+          <a:cs typeface="+mn-cs"/>
+        </a:defRPr>
+      </a:lvl2pPr>
+      <a:lvl3pPr marL="1143000" indent="-228600" algn="l" defTabSz="914400" rtl="0" eaLnBrk="1" latinLnBrk="0" hangingPunct="1">
+        <a:lnSpc>
+          <a:spcPct val="90000"/>
+        </a:lnSpc>
+        <a:spcBef>
+          <a:spcPts val="500"/>
+        </a:spcBef>
+        <a:buFont typeface="Arial" panose="020B0604020202020204" pitchFamily="34" charset="0"/>
+        <a:buChar char="•"/>
+        <a:defRPr sz="2000" kern="1200">
+          <a:solidFill>
+            <a:schemeClr val="tx1"/>
+          </a:solidFill>
+          <a:latin typeface="+mn-lt"/>
+          <a:ea typeface="+mn-ea"/>
+          <a:cs typeface="+mn-cs"/>
+        </a:defRPr>
+      </a:lvl3pPr>
+      <a:lvl4pPr marL="1600200" indent="-228600" algn="l" defTabSz="914400" rtl="0" eaLnBrk="1" latinLnBrk="0" hangingPunct="1">
+        <a:lnSpc>
+          <a:spcPct val="90000"/>
+        </a:lnSpc>
+        <a:spcBef>
+          <a:spcPts val="500"/>
+        </a:spcBef>
+        <a:buFont typeface="Arial" panose="020B0604020202020204" pitchFamily="34" charset="0"/>
+        <a:buChar char="•"/>
+        <a:defRPr sz="1800" kern="1200">
+          <a:solidFill>
+            <a:schemeClr val="tx1"/>
+          </a:solidFill>
+          <a:latin typeface="+mn-lt"/>
+          <a:ea typeface="+mn-ea"/>
+          <a:cs typeface="+mn-cs"/>
+        </a:defRPr>
+      </a:lvl4pPr>
+      <a:lvl5pPr marL="2057400" indent="-228600" algn="l" defTabSz="914400" rtl="0" eaLnBrk="1" latinLnBrk="0" hangingPunct="1">
+        <a:lnSpc>
+          <a:spcPct val="90000"/>
+        </a:lnSpc>
+        <a:spcBef>
+          <a:spcPts val="500"/>
+        </a:spcBef>
+        <a:buFont typeface="Arial" panose="020B0604020202020204" pitchFamily="34" charset="0"/>
+        <a:buChar char="•"/>
+        <a:defRPr sz="1800" kern="1200">
+          <a:solidFill>
+            <a:schemeClr val="tx1"/>
+          </a:solidFill>
+          <a:latin typeface="+mn-lt"/>
+          <a:ea typeface="+mn-ea"/>
+          <a:cs typeface="+mn-cs"/>
+        </a:defRPr>
+      </a:lvl5pPr>
+      <a:lvl6pPr marL="2514600" indent="-228600" algn="l" defTabSz="914400" rtl="0" eaLnBrk="1" latinLnBrk="0" hangingPunct="1">
+        <a:lnSpc>
+          <a:spcPct val="90000"/>
+        </a:lnSpc>
+        <a:spcBef>
+          <a:spcPts val="500"/>
+        </a:spcBef>
+        <a:buFont typeface="Arial" panose="020B0604020202020204" pitchFamily="34" charset="0"/>
+        <a:buChar char="•"/>
+        <a:defRPr sz="1800" kern="1200">
+          <a:solidFill>
+            <a:schemeClr val="tx1"/>
+          </a:solidFill>
+          <a:latin typeface="+mn-lt"/>
+          <a:ea typeface="+mn-ea"/>
+          <a:cs typeface="+mn-cs"/>
+        </a:defRPr>
+      </a:lvl6pPr>
+      <a:lvl7pPr marL="2971800" indent="-228600" algn="l" defTabSz="914400" rtl="0" eaLnBrk="1" latinLnBrk="0" hangingPunct="1">
+        <a:lnSpc>
+          <a:spcPct val="90000"/>
+        </a:lnSpc>
+        <a:spcBef>
+          <a:spcPts val="500"/>
+        </a:spcBef>
+        <a:buFont typeface="Arial" panose="020B0604020202020204" pitchFamily="34" charset="0"/>
+        <a:buChar char="•"/>
+        <a:defRPr sz="1800" kern="1200">
+          <a:solidFill>
+            <a:schemeClr val="tx1"/>
+          </a:solidFill>
+          <a:latin typeface="+mn-lt"/>
+          <a:ea typeface="+mn-ea"/>
+          <a:cs typeface="+mn-cs"/>
+        </a:defRPr>
+      </a:lvl7pPr>
+      <a:lvl8pPr marL="3429000" indent="-228600" algn="l" defTabSz="914400" rtl="0" eaLnBrk="1" latinLnBrk="0" hangingPunct="1">
+        <a:lnSpc>
+          <a:spcPct val="90000"/>
+        </a:lnSpc>
+        <a:spcBef>
+          <a:spcPts val="500"/>
+        </a:spcBef>
+        <a:buFont typeface="Arial" panose="020B0604020202020204" pitchFamily="34" charset="0"/>
+        <a:buChar char="•"/>
+        <a:defRPr sz="1800" kern="1200">
+          <a:solidFill>
+            <a:schemeClr val="tx1"/>
+          </a:solidFill>
+          <a:latin typeface="+mn-lt"/>
+          <a:ea typeface="+mn-ea"/>
+          <a:cs typeface="+mn-cs"/>
+        </a:defRPr>
+      </a:lvl8pPr>
+      <a:lvl9pPr marL="3886200" indent="-228600" algn="l" defTabSz="914400" rtl="0" eaLnBrk="1" latinLnBrk="0" hangingPunct="1">
+        <a:lnSpc>
+          <a:spcPct val="90000"/>
+        </a:lnSpc>
+        <a:spcBef>
+          <a:spcPts val="500"/>
+        </a:spcBef>
+        <a:buFont typeface="Arial" panose="020B0604020202020204" pitchFamily="34" charset="0"/>
+        <a:buChar char="•"/>
+        <a:defRPr sz="1800" kern="1200">
+          <a:solidFill>
+            <a:schemeClr val="tx1"/>
+          </a:solidFill>
+          <a:latin typeface="+mn-lt"/>
+          <a:ea typeface="+mn-ea"/>
+          <a:cs typeface="+mn-cs"/>
+        </a:defRPr>
+      </a:lvl9pPr>
+    </p:bodyStyle>
+    <p:otherStyle>
+      <a:defPPr>
+        <a:defRPr lang="en-US"/>
+      </a:defPPr>
+      <a:lvl1pPr marL="0" algn="l" defTabSz="914400" rtl="0" eaLnBrk="1" latinLnBrk="0" hangingPunct="1">
+        <a:defRPr sz="1800" kern="1200">
+          <a:solidFill>
+            <a:schemeClr val="tx1"/>
+          </a:solidFill>
+          <a:latin typeface="+mn-lt"/>
+          <a:ea typeface="+mn-ea"/>
+          <a:cs typeface="+mn-cs"/>
+        </a:defRPr>
+      </a:lvl1pPr>
+      <a:lvl2pPr marL="457200" algn="l" defTabSz="914400" rtl="0" eaLnBrk="1" latinLnBrk="0" hangingPunct="1">
+        <a:defRPr sz="1800" kern="1200">
+          <a:solidFill>
+            <a:schemeClr val="tx1"/>
+          </a:solidFill>
+          <a:latin typeface="+mn-lt"/>
+          <a:ea typeface="+mn-ea"/>
+          <a:cs typeface="+mn-cs"/>
+        </a:defRPr>
+      </a:lvl2pPr>
+      <a:lvl3pPr marL="914400" algn="l" defTabSz="914400" rtl="0" eaLnBrk="1" latinLnBrk="0" hangingPunct="1">
+        <a:defRPr sz="1800" kern="1200">
+          <a:solidFill>
+            <a:schemeClr val="tx1"/>
+          </a:solidFill>
+          <a:latin typeface="+mn-lt"/>
+          <a:ea typeface="+mn-ea"/>
+          <a:cs typeface="+mn-cs"/>
+        </a:defRPr>
+      </a:lvl3pPr>
+      <a:lvl4pPr marL="1371600" algn="l" defTabSz="914400" rtl="0" eaLnBrk="1" latinLnBrk="0" hangingPunct="1">
+        <a:defRPr sz="1800" kern="1200">
+          <a:solidFill>
+            <a:schemeClr val="tx1"/>
+          </a:solidFill>
+          <a:latin typeface="+mn-lt"/>
+          <a:ea typeface="+mn-ea"/>
+          <a:cs typeface="+mn-cs"/>
+        </a:defRPr>
+      </a:lvl4pPr>
+      <a:lvl5pPr marL="1828800" algn="l" defTabSz="914400" rtl="0" eaLnBrk="1" latinLnBrk="0" hangingPunct="1">
+        <a:defRPr sz="1800" kern="1200">
+          <a:solidFill>
+            <a:schemeClr val="tx1"/>
+          </a:solidFill>
+          <a:latin typeface="+mn-lt"/>
+          <a:ea typeface="+mn-ea"/>
+          <a:cs typeface="+mn-cs"/>
+        </a:defRPr>
+      </a:lvl5pPr>
+      <a:lvl6pPr marL="2286000" algn="l" defTabSz="914400" rtl="0" eaLnBrk="1" latinLnBrk="0" hangingPunct="1">
+        <a:defRPr sz="1800" kern="1200">
+          <a:solidFill>
+            <a:schemeClr val="tx1"/>
+          </a:solidFill>
+          <a:latin typeface="+mn-lt"/>
+          <a:ea typeface="+mn-ea"/>
+          <a:cs typeface="+mn-cs"/>
+        </a:defRPr>
+      </a:lvl6pPr>
+      <a:lvl7pPr marL="2743200" algn="l" defTabSz="914400" rtl="0" eaLnBrk="1" latinLnBrk="0" hangingPunct="1">
+        <a:defRPr sz="1800" kern="1200">
+          <a:solidFill>
+            <a:schemeClr val="tx1"/>
+          </a:solidFill>
+          <a:latin typeface="+mn-lt"/>
+          <a:ea typeface="+mn-ea"/>
+          <a:cs typeface="+mn-cs"/>
+        </a:defRPr>
+      </a:lvl7pPr>
+      <a:lvl8pPr marL="3200400" algn="l" defTabSz="914400" rtl="0" eaLnBrk="1" latinLnBrk="0" hangingPunct="1">
+        <a:defRPr sz="1800" kern="1200">
+          <a:solidFill>
+            <a:schemeClr val="tx1"/>
+          </a:solidFill>
+          <a:latin typeface="+mn-lt"/>
+          <a:ea typeface="+mn-ea"/>
+          <a:cs typeface="+mn-cs"/>
+        </a:defRPr>
+      </a:lvl8pPr>
+      <a:lvl9pPr marL="3657600" algn="l" defTabSz="914400" rtl="0" eaLnBrk="1" latinLnBrk="0" hangingPunct="1">
+        <a:defRPr sz="1800" kern="1200">
+          <a:solidFill>
+            <a:schemeClr val="tx1"/>
+          </a:solidFill>
+          <a:latin typeface="+mn-lt"/>
+          <a:ea typeface="+mn-ea"/>
+          <a:cs typeface="+mn-cs"/>
+        </a:defRPr>
+      </a:lvl9pPr>
+    </p:otherStyle>
+  </p:txStyles>
 </p:sldMaster>
 </file>
 
 <file path=ppt/slides/slide1.xml><?xml version="1.0" encoding="utf-8"?>
-<p:sld xmlns:a="http://schemas.openxmlformats.org/drawingml/2006/main" xmlns:p="http://schemas.openxmlformats.org/presentationml/2006/main" xmlns:r="http://schemas.openxmlformats.org/officeDocument/2006/relationships" xmlns:p14="http://schemas.microsoft.com/office/powerpoint/2010/main" xmlns:p15="http://schemas.microsoft.com/office/powerpoint/2012/main" xmlns:mc="http://schemas.openxmlformats.org/markup-compatibility/2006">
+<p:sld xmlns:a="http://schemas.openxmlformats.org/drawingml/2006/main" xmlns:r="http://schemas.openxmlformats.org/officeDocument/2006/relationships" xmlns:p="http://schemas.openxmlformats.org/presentationml/2006/main">
   <p:cSld>
     <p:spTree>
       <p:nvGrpSpPr>
@@ -1937,6 +2788,7 @@
           <a:bodyPr anchor="b">
             <a:noAutofit/>
           </a:bodyPr>
+          <a:lstStyle/>
           <a:p>
             <a:pPr algn="ctr">
               <a:lnSpc>
@@ -1944,7 +2796,7 @@
               </a:lnSpc>
             </a:pPr>
             <a:r>
-              <a:rPr b="0" lang="en-US" sz="6000" spc="-1" strike="noStrike">
+              <a:rPr lang="en-US" sz="6000" b="0" strike="noStrike" spc="-1">
                 <a:solidFill>
                   <a:srgbClr val="000000"/>
                 </a:solidFill>
@@ -1954,7 +2806,7 @@
             </a:r>
             <a:br/>
             <a:r>
-              <a:rPr b="0" lang="en-US" sz="6000" spc="-1" strike="noStrike">
+              <a:rPr lang="en-US" sz="6000" b="0" strike="noStrike" spc="-1">
                 <a:solidFill>
                   <a:srgbClr val="000000"/>
                 </a:solidFill>
@@ -1962,7 +2814,7 @@
               </a:rPr>
               <a:t>Programming Model</a:t>
             </a:r>
-            <a:endParaRPr b="0" lang="en-US" sz="6000" spc="-1" strike="noStrike">
+            <a:endParaRPr lang="en-US" sz="6000" b="0" strike="noStrike" spc="-1">
               <a:solidFill>
                 <a:srgbClr val="000000"/>
               </a:solidFill>
@@ -1994,6 +2846,7 @@
           <a:bodyPr>
             <a:normAutofit/>
           </a:bodyPr>
+          <a:lstStyle/>
           <a:p>
             <a:pPr algn="ctr">
               <a:lnSpc>
@@ -2003,11 +2856,11 @@
                 <a:spcPts val="1001"/>
               </a:spcBef>
               <a:tabLst>
-                <a:tab algn="l" pos="0"/>
+                <a:tab pos="0" algn="l"/>
               </a:tabLst>
             </a:pPr>
             <a:r>
-              <a:rPr b="0" lang="en-US" sz="2400" spc="-1" strike="noStrike">
+              <a:rPr lang="en-US" sz="2400" b="0" strike="noStrike" spc="-1">
                 <a:solidFill>
                   <a:srgbClr val="000000"/>
                 </a:solidFill>
@@ -2017,7 +2870,7 @@
             </a:r>
             <a:br/>
             <a:r>
-              <a:rPr b="0" lang="en-US" sz="2400" spc="-1" strike="noStrike">
+              <a:rPr lang="en-US" sz="2400" b="0" strike="noStrike" spc="-1">
                 <a:solidFill>
                   <a:srgbClr val="000000"/>
                 </a:solidFill>
@@ -2025,7 +2878,7 @@
               </a:rPr>
               <a:t>Hunter College, Fall 2020</a:t>
             </a:r>
-            <a:endParaRPr b="0" lang="en-US" sz="2400" spc="-1" strike="noStrike">
+            <a:endParaRPr lang="en-US" sz="2400" b="0" strike="noStrike" spc="-1">
               <a:latin typeface="Arial"/>
             </a:endParaRPr>
           </a:p>
@@ -2038,10 +2891,10 @@
                 <a:spcPts val="1001"/>
               </a:spcBef>
               <a:tabLst>
-                <a:tab algn="l" pos="0"/>
+                <a:tab pos="0" algn="l"/>
               </a:tabLst>
             </a:pPr>
-            <a:endParaRPr b="0" lang="en-US" sz="2400" spc="-1" strike="noStrike">
+            <a:endParaRPr lang="en-US" sz="2400" b="0" strike="noStrike" spc="-1">
               <a:latin typeface="Arial"/>
             </a:endParaRPr>
           </a:p>
@@ -2054,10 +2907,10 @@
                 <a:spcPts val="1001"/>
               </a:spcBef>
               <a:tabLst>
-                <a:tab algn="l" pos="0"/>
+                <a:tab pos="0" algn="l"/>
               </a:tabLst>
             </a:pPr>
-            <a:endParaRPr b="0" lang="en-US" sz="2400" spc="-1" strike="noStrike">
+            <a:endParaRPr lang="en-US" sz="2400" b="0" strike="noStrike" spc="-1">
               <a:latin typeface="Arial"/>
             </a:endParaRPr>
           </a:p>
@@ -2070,11 +2923,11 @@
                 <a:spcPts val="1001"/>
               </a:spcBef>
               <a:tabLst>
-                <a:tab algn="l" pos="0"/>
+                <a:tab pos="0" algn="l"/>
               </a:tabLst>
             </a:pPr>
             <a:r>
-              <a:rPr b="0" lang="en-US" sz="2400" spc="-1" strike="noStrike">
+              <a:rPr lang="en-US" sz="2400" b="0" strike="noStrike" spc="-1">
                 <a:solidFill>
                   <a:srgbClr val="000000"/>
                 </a:solidFill>
@@ -2082,7 +2935,7 @@
               </a:rPr>
               <a:t>Ye Paing, Alex Washburn</a:t>
             </a:r>
-            <a:endParaRPr b="0" lang="en-US" sz="2400" spc="-1" strike="noStrike">
+            <a:endParaRPr lang="en-US" sz="2400" b="0" strike="noStrike" spc="-1">
               <a:latin typeface="Arial"/>
             </a:endParaRPr>
           </a:p>
@@ -2090,19 +2943,14 @@
       </p:sp>
     </p:spTree>
   </p:cSld>
-  <mc:AlternateContent>
-    <mc:Choice Requires="p14">
-      <p:transition spd="slow" p14:dur="2000"/>
-    </mc:Choice>
-    <mc:Fallback>
-      <p:transition spd="slow"/>
-    </mc:Fallback>
-  </mc:AlternateContent>
+  <p:clrMapOvr>
+    <a:masterClrMapping/>
+  </p:clrMapOvr>
 </p:sld>
 </file>
 
-<file path=ppt/slides/slide2.xml><?xml version="1.0" encoding="utf-8"?>
-<p:sld xmlns:a="http://schemas.openxmlformats.org/drawingml/2006/main" xmlns:p="http://schemas.openxmlformats.org/presentationml/2006/main" xmlns:r="http://schemas.openxmlformats.org/officeDocument/2006/relationships" xmlns:p14="http://schemas.microsoft.com/office/powerpoint/2010/main" xmlns:p15="http://schemas.microsoft.com/office/powerpoint/2012/main" xmlns:mc="http://schemas.openxmlformats.org/markup-compatibility/2006">
+<file path=ppt/slides/slide10.xml><?xml version="1.0" encoding="utf-8"?>
+<p:sld xmlns:a="http://schemas.openxmlformats.org/drawingml/2006/main" xmlns:r="http://schemas.openxmlformats.org/officeDocument/2006/relationships" xmlns:p="http://schemas.openxmlformats.org/presentationml/2006/main">
   <p:cSld>
     <p:spTree>
       <p:nvGrpSpPr>
@@ -2120,228 +2968,176 @@
       </p:grpSpPr>
       <p:sp>
         <p:nvSpPr>
-          <p:cNvPr id="43" name="TextShape 1"/>
+          <p:cNvPr id="2" name="Title 1">
+            <a:extLst>
+              <a:ext uri="{FF2B5EF4-FFF2-40B4-BE49-F238E27FC236}">
+                <a16:creationId xmlns:a16="http://schemas.microsoft.com/office/drawing/2014/main" id="{C069173C-FE96-8449-92E9-36016BE62CC6}"/>
+              </a:ext>
+            </a:extLst>
+          </p:cNvPr>
+          <p:cNvSpPr>
+            <a:spLocks noGrp="1"/>
+          </p:cNvSpPr>
+          <p:nvPr>
+            <p:ph type="title"/>
+          </p:nvPr>
+        </p:nvSpPr>
+        <p:spPr>
+          <a:xfrm>
+            <a:off x="1353760" y="101755"/>
+            <a:ext cx="9087413" cy="1408069"/>
+          </a:xfrm>
+        </p:spPr>
+        <p:txBody>
+          <a:bodyPr/>
+          <a:lstStyle/>
+          <a:p>
+            <a:pPr algn="ctr"/>
+            <a:r>
+              <a:rPr lang="en-US" dirty="0" err="1"/>
+              <a:t>akka.actor.ActorSystem</a:t>
+            </a:r>
+            <a:endParaRPr lang="en-US" dirty="0"/>
+          </a:p>
+        </p:txBody>
+      </p:sp>
+      <p:sp>
+        <p:nvSpPr>
+          <p:cNvPr id="4" name="TextBox 3">
+            <a:extLst>
+              <a:ext uri="{FF2B5EF4-FFF2-40B4-BE49-F238E27FC236}">
+                <a16:creationId xmlns:a16="http://schemas.microsoft.com/office/drawing/2014/main" id="{660A604D-FAA4-8045-B01D-E315B3838638}"/>
+              </a:ext>
+            </a:extLst>
+          </p:cNvPr>
           <p:cNvSpPr txBox="1"/>
           <p:nvPr/>
         </p:nvSpPr>
         <p:spPr>
           <a:xfrm>
-            <a:off x="1523880" y="299520"/>
-            <a:ext cx="9143640" cy="980640"/>
+            <a:off x="1010092" y="1509824"/>
+            <a:ext cx="10515601" cy="4893647"/>
           </a:xfrm>
           <a:prstGeom prst="rect">
             <a:avLst/>
           </a:prstGeom>
           <a:noFill/>
-          <a:ln>
-            <a:noFill/>
-          </a:ln>
-        </p:spPr>
-        <p:txBody>
-          <a:bodyPr anchor="b">
-            <a:noAutofit/>
-          </a:bodyPr>
-          <a:p>
-            <a:pPr algn="ctr">
-              <a:lnSpc>
-                <a:spcPct val="90000"/>
-              </a:lnSpc>
-            </a:pPr>
-            <a:r>
-              <a:rPr b="0" lang="en-US" sz="4800" spc="-1" strike="noStrike">
-                <a:solidFill>
-                  <a:srgbClr val="000000"/>
-                </a:solidFill>
-                <a:latin typeface="Calibri Light"/>
+        </p:spPr>
+        <p:txBody>
+          <a:bodyPr wrap="square" rtlCol="0">
+            <a:spAutoFit/>
+          </a:bodyPr>
+          <a:lstStyle/>
+          <a:p>
+            <a:r>
+              <a:rPr lang="en-US" sz="2400" dirty="0">
+                <a:hlinkClick r:id="rId2"/>
               </a:rPr>
-              <a:t>What makes an actor</a:t>
-            </a:r>
-            <a:endParaRPr b="0" lang="en-US" sz="4800" spc="-1" strike="noStrike">
-              <a:solidFill>
-                <a:srgbClr val="000000"/>
-              </a:solidFill>
-              <a:latin typeface="Calibri"/>
-            </a:endParaRPr>
-          </a:p>
-        </p:txBody>
-      </p:sp>
-      <p:sp>
-        <p:nvSpPr>
-          <p:cNvPr id="44" name="TextShape 2"/>
-          <p:cNvSpPr txBox="1"/>
-          <p:nvPr/>
-        </p:nvSpPr>
-        <p:spPr>
-          <a:xfrm>
-            <a:off x="1554480" y="2228760"/>
-            <a:ext cx="9267840" cy="2617560"/>
-          </a:xfrm>
-          <a:prstGeom prst="rect">
-            <a:avLst/>
-          </a:prstGeom>
-          <a:noFill/>
-          <a:ln>
-            <a:noFill/>
-          </a:ln>
-        </p:spPr>
-        <p:txBody>
-          <a:bodyPr>
-            <a:normAutofit/>
-          </a:bodyPr>
-          <a:p>
-            <a:pPr marL="216000" indent="-216000">
-              <a:lnSpc>
-                <a:spcPct val="90000"/>
-              </a:lnSpc>
-              <a:spcBef>
-                <a:spcPts val="1001"/>
-              </a:spcBef>
-              <a:buClr>
-                <a:srgbClr val="000000"/>
-              </a:buClr>
-              <a:buSzPct val="45000"/>
-              <a:buFont typeface="Wingdings" charset="2"/>
-              <a:buChar char=""/>
-              <a:tabLst>
-                <a:tab algn="l" pos="0"/>
-              </a:tabLst>
-            </a:pPr>
-            <a:r>
-              <a:rPr b="0" lang="en-US" sz="2400" spc="-1" strike="noStrike">
-                <a:solidFill>
-                  <a:srgbClr val="000000"/>
-                </a:solidFill>
-                <a:latin typeface="Calibri"/>
-              </a:rPr>
-              <a:t>It has a unique identity</a:t>
-            </a:r>
-            <a:endParaRPr b="0" lang="en-US" sz="2400" spc="-1" strike="noStrike">
-              <a:latin typeface="Arial"/>
-            </a:endParaRPr>
-          </a:p>
-          <a:p>
-            <a:pPr marL="216000" indent="-216000">
-              <a:lnSpc>
-                <a:spcPct val="90000"/>
-              </a:lnSpc>
-              <a:spcBef>
-                <a:spcPts val="1001"/>
-              </a:spcBef>
-              <a:buClr>
-                <a:srgbClr val="000000"/>
-              </a:buClr>
-              <a:buSzPct val="45000"/>
-              <a:buFont typeface="Wingdings" charset="2"/>
-              <a:buChar char=""/>
-              <a:tabLst>
-                <a:tab algn="l" pos="0"/>
-              </a:tabLst>
-            </a:pPr>
-            <a:endParaRPr b="0" lang="en-US" sz="2400" spc="-1" strike="noStrike">
-              <a:latin typeface="Arial"/>
-            </a:endParaRPr>
-          </a:p>
-          <a:p>
-            <a:pPr marL="216000" indent="-216000">
-              <a:lnSpc>
-                <a:spcPct val="90000"/>
-              </a:lnSpc>
-              <a:spcBef>
-                <a:spcPts val="1001"/>
-              </a:spcBef>
-              <a:buClr>
-                <a:srgbClr val="000000"/>
-              </a:buClr>
-              <a:buSzPct val="45000"/>
-              <a:buFont typeface="Wingdings" charset="2"/>
-              <a:buChar char=""/>
-              <a:tabLst>
-                <a:tab algn="l" pos="0"/>
-              </a:tabLst>
-            </a:pPr>
-            <a:r>
-              <a:rPr b="0" lang="en-US" sz="2400" spc="-1" strike="noStrike">
-                <a:solidFill>
-                  <a:srgbClr val="000000"/>
-                </a:solidFill>
-                <a:latin typeface="Calibri"/>
-              </a:rPr>
-              <a:t>It has a defined behavior</a:t>
-            </a:r>
-            <a:endParaRPr b="0" lang="en-US" sz="2400" spc="-1" strike="noStrike">
-              <a:latin typeface="Arial"/>
-            </a:endParaRPr>
-          </a:p>
-          <a:p>
-            <a:pPr marL="216000" indent="-216000">
-              <a:lnSpc>
-                <a:spcPct val="90000"/>
-              </a:lnSpc>
-              <a:spcBef>
-                <a:spcPts val="1001"/>
-              </a:spcBef>
-              <a:buClr>
-                <a:srgbClr val="000000"/>
-              </a:buClr>
-              <a:buSzPct val="45000"/>
-              <a:buFont typeface="Wingdings" charset="2"/>
-              <a:buChar char=""/>
-              <a:tabLst>
-                <a:tab algn="l" pos="0"/>
-              </a:tabLst>
-            </a:pPr>
-            <a:endParaRPr b="0" lang="en-US" sz="2400" spc="-1" strike="noStrike">
-              <a:latin typeface="Arial"/>
-            </a:endParaRPr>
-          </a:p>
-          <a:p>
-            <a:pPr marL="216000" indent="-216000">
-              <a:lnSpc>
-                <a:spcPct val="90000"/>
-              </a:lnSpc>
-              <a:spcBef>
-                <a:spcPts val="1001"/>
-              </a:spcBef>
-              <a:buClr>
-                <a:srgbClr val="000000"/>
-              </a:buClr>
-              <a:buSzPct val="45000"/>
-              <a:buFont typeface="Wingdings" charset="2"/>
-              <a:buChar char=""/>
-              <a:tabLst>
-                <a:tab algn="l" pos="0"/>
-              </a:tabLst>
-            </a:pPr>
-            <a:r>
-              <a:rPr b="0" lang="en-US" sz="2400" spc="-1" strike="noStrike">
-                <a:solidFill>
-                  <a:srgbClr val="000000"/>
-                </a:solidFill>
-                <a:latin typeface="Calibri"/>
-              </a:rPr>
-              <a:t>It communicates via asynchronous messages</a:t>
-            </a:r>
-            <a:endParaRPr b="0" lang="en-US" sz="2400" spc="-1" strike="noStrike">
-              <a:latin typeface="Arial"/>
-            </a:endParaRPr>
+              <a:t>https://doc.akka.io/api/akka/current/akka/actor/ActorSystem.html</a:t>
+            </a:r>
+            <a:endParaRPr lang="en-US" sz="2400" dirty="0"/>
+          </a:p>
+          <a:p>
+            <a:endParaRPr lang="en-US" sz="2400" dirty="0"/>
+          </a:p>
+          <a:p>
+            <a:pPr marL="285750" indent="-285750">
+              <a:buFont typeface="Arial" panose="020B0604020202020204" pitchFamily="34" charset="0"/>
+              <a:buChar char="•"/>
+            </a:pPr>
+            <a:r>
+              <a:rPr lang="en-US" sz="2400" dirty="0"/>
+              <a:t>Organizes actors into a common group/actor hierarchy that shares configurations.</a:t>
+            </a:r>
+            <a:br>
+              <a:rPr lang="en-US" sz="2400" dirty="0"/>
+            </a:br>
+            <a:endParaRPr lang="en-US" sz="2400" dirty="0"/>
+          </a:p>
+          <a:p>
+            <a:pPr marL="285750" indent="-285750">
+              <a:buFont typeface="Arial" panose="020B0604020202020204" pitchFamily="34" charset="0"/>
+              <a:buChar char="•"/>
+            </a:pPr>
+            <a:r>
+              <a:rPr lang="en-US" sz="2400" dirty="0"/>
+              <a:t>Acts as an entry point for creating actors. Creates new actors using `</a:t>
+            </a:r>
+            <a:r>
+              <a:rPr lang="en-US" sz="2400" dirty="0" err="1"/>
+              <a:t>actorOf</a:t>
+            </a:r>
+            <a:r>
+              <a:rPr lang="en-US" sz="2400" dirty="0"/>
+              <a:t>`</a:t>
+            </a:r>
+            <a:br>
+              <a:rPr lang="en-US" sz="2400" dirty="0"/>
+            </a:br>
+            <a:endParaRPr lang="en-US" sz="2400" dirty="0"/>
+          </a:p>
+          <a:p>
+            <a:pPr marL="285750" indent="-285750">
+              <a:buFont typeface="Arial" panose="020B0604020202020204" pitchFamily="34" charset="0"/>
+              <a:buChar char="•"/>
+            </a:pPr>
+            <a:r>
+              <a:rPr lang="en-US" sz="2400" dirty="0"/>
+              <a:t>Contains 3 main actors by default:</a:t>
+            </a:r>
+          </a:p>
+          <a:p>
+            <a:pPr marL="742950" lvl="1" indent="-285750">
+              <a:buFont typeface="Arial" panose="020B0604020202020204" pitchFamily="34" charset="0"/>
+              <a:buChar char="•"/>
+            </a:pPr>
+            <a:r>
+              <a:rPr lang="en-US" sz="2400" dirty="0"/>
+              <a:t>“/” – root guardian actor, represents the root of the actor system hierarchy</a:t>
+            </a:r>
+          </a:p>
+          <a:p>
+            <a:pPr marL="742950" lvl="1" indent="-285750">
+              <a:buFont typeface="Arial" panose="020B0604020202020204" pitchFamily="34" charset="0"/>
+              <a:buChar char="•"/>
+            </a:pPr>
+            <a:r>
+              <a:rPr lang="en-US" sz="2400" dirty="0"/>
+              <a:t>“/user” – parent actor, root of all our user defined actors</a:t>
+            </a:r>
+          </a:p>
+          <a:p>
+            <a:pPr marL="742950" lvl="1" indent="-285750">
+              <a:buFont typeface="Arial" panose="020B0604020202020204" pitchFamily="34" charset="0"/>
+              <a:buChar char="•"/>
+            </a:pPr>
+            <a:r>
+              <a:rPr lang="en-US" sz="2400" dirty="0"/>
+              <a:t>“/system” – system actor, root of all actors defined by </a:t>
+            </a:r>
+            <a:r>
+              <a:rPr lang="en-US" sz="2400" dirty="0" err="1"/>
+              <a:t>Akka</a:t>
+            </a:r>
+            <a:endParaRPr lang="en-US" sz="2400" dirty="0"/>
           </a:p>
         </p:txBody>
       </p:sp>
     </p:spTree>
+    <p:extLst>
+      <p:ext uri="{BB962C8B-B14F-4D97-AF65-F5344CB8AC3E}">
+        <p14:creationId xmlns:p14="http://schemas.microsoft.com/office/powerpoint/2010/main" val="712348411"/>
+      </p:ext>
+    </p:extLst>
   </p:cSld>
-  <mc:AlternateContent>
-    <mc:Choice Requires="p14">
-      <p:transition spd="slow" p14:dur="2000"/>
-    </mc:Choice>
-    <mc:Fallback>
-      <p:transition spd="slow"/>
-    </mc:Fallback>
-  </mc:AlternateContent>
+  <p:clrMapOvr>
+    <a:masterClrMapping/>
+  </p:clrMapOvr>
 </p:sld>
 </file>
 
-<file path=ppt/slides/slide3.xml><?xml version="1.0" encoding="utf-8"?>
-<p:sld xmlns:a="http://schemas.openxmlformats.org/drawingml/2006/main" xmlns:p="http://schemas.openxmlformats.org/presentationml/2006/main" xmlns:r="http://schemas.openxmlformats.org/officeDocument/2006/relationships" xmlns:p14="http://schemas.microsoft.com/office/powerpoint/2010/main" xmlns:p15="http://schemas.microsoft.com/office/powerpoint/2012/main" xmlns:mc="http://schemas.openxmlformats.org/markup-compatibility/2006">
+<file path=ppt/slides/slide11.xml><?xml version="1.0" encoding="utf-8"?>
+<p:sld xmlns:a="http://schemas.openxmlformats.org/drawingml/2006/main" xmlns:r="http://schemas.openxmlformats.org/officeDocument/2006/relationships" xmlns:p="http://schemas.openxmlformats.org/presentationml/2006/main">
   <p:cSld>
     <p:spTree>
       <p:nvGrpSpPr>
@@ -2359,175 +3155,141 @@
       </p:grpSpPr>
       <p:sp>
         <p:nvSpPr>
-          <p:cNvPr id="45" name="TextShape 1"/>
+          <p:cNvPr id="2" name="Title 1">
+            <a:extLst>
+              <a:ext uri="{FF2B5EF4-FFF2-40B4-BE49-F238E27FC236}">
+                <a16:creationId xmlns:a16="http://schemas.microsoft.com/office/drawing/2014/main" id="{C069173C-FE96-8449-92E9-36016BE62CC6}"/>
+              </a:ext>
+            </a:extLst>
+          </p:cNvPr>
+          <p:cNvSpPr>
+            <a:spLocks noGrp="1"/>
+          </p:cNvSpPr>
+          <p:nvPr>
+            <p:ph type="title"/>
+          </p:nvPr>
+        </p:nvSpPr>
+        <p:spPr>
+          <a:xfrm>
+            <a:off x="1353760" y="101755"/>
+            <a:ext cx="9087413" cy="1408069"/>
+          </a:xfrm>
+        </p:spPr>
+        <p:txBody>
+          <a:bodyPr/>
+          <a:lstStyle/>
+          <a:p>
+            <a:pPr algn="ctr"/>
+            <a:r>
+              <a:rPr lang="en-US" dirty="0" err="1"/>
+              <a:t>akka.actor.Props</a:t>
+            </a:r>
+            <a:endParaRPr lang="en-US" dirty="0"/>
+          </a:p>
+        </p:txBody>
+      </p:sp>
+      <p:sp>
+        <p:nvSpPr>
+          <p:cNvPr id="4" name="TextBox 3">
+            <a:extLst>
+              <a:ext uri="{FF2B5EF4-FFF2-40B4-BE49-F238E27FC236}">
+                <a16:creationId xmlns:a16="http://schemas.microsoft.com/office/drawing/2014/main" id="{660A604D-FAA4-8045-B01D-E315B3838638}"/>
+              </a:ext>
+            </a:extLst>
+          </p:cNvPr>
           <p:cNvSpPr txBox="1"/>
           <p:nvPr/>
         </p:nvSpPr>
         <p:spPr>
           <a:xfrm>
-            <a:off x="1523880" y="299520"/>
-            <a:ext cx="9143640" cy="980640"/>
+            <a:off x="1010092" y="1509824"/>
+            <a:ext cx="10515601" cy="3046988"/>
           </a:xfrm>
           <a:prstGeom prst="rect">
             <a:avLst/>
           </a:prstGeom>
           <a:noFill/>
-          <a:ln>
-            <a:noFill/>
-          </a:ln>
-        </p:spPr>
-        <p:txBody>
-          <a:bodyPr anchor="b">
-            <a:noAutofit/>
-          </a:bodyPr>
-          <a:p>
-            <a:pPr algn="ctr">
-              <a:lnSpc>
-                <a:spcPct val="90000"/>
-              </a:lnSpc>
-            </a:pPr>
-            <a:r>
-              <a:rPr b="0" lang="en-US" sz="4800" spc="-1" strike="noStrike">
-                <a:solidFill>
-                  <a:srgbClr val="000000"/>
-                </a:solidFill>
-                <a:latin typeface="Calibri Light"/>
+        </p:spPr>
+        <p:txBody>
+          <a:bodyPr wrap="square" rtlCol="0">
+            <a:spAutoFit/>
+          </a:bodyPr>
+          <a:lstStyle/>
+          <a:p>
+            <a:r>
+              <a:rPr lang="en-US" sz="2400" dirty="0">
+                <a:hlinkClick r:id="rId2"/>
               </a:rPr>
-              <a:t>Unique Identity</a:t>
-            </a:r>
-            <a:endParaRPr b="0" lang="en-US" sz="4800" spc="-1" strike="noStrike">
-              <a:solidFill>
-                <a:srgbClr val="000000"/>
-              </a:solidFill>
-              <a:latin typeface="Calibri"/>
-            </a:endParaRPr>
-          </a:p>
-        </p:txBody>
-      </p:sp>
-      <p:sp>
-        <p:nvSpPr>
-          <p:cNvPr id="46" name="TextShape 2"/>
-          <p:cNvSpPr txBox="1"/>
-          <p:nvPr/>
-        </p:nvSpPr>
-        <p:spPr>
-          <a:xfrm>
-            <a:off x="1554480" y="2228760"/>
-            <a:ext cx="9267840" cy="2617560"/>
-          </a:xfrm>
-          <a:prstGeom prst="rect">
-            <a:avLst/>
-          </a:prstGeom>
-          <a:noFill/>
-          <a:ln>
-            <a:noFill/>
-          </a:ln>
-        </p:spPr>
-        <p:txBody>
-          <a:bodyPr>
-            <a:normAutofit/>
-          </a:bodyPr>
-          <a:p>
-            <a:pPr marL="216000" indent="-216000">
-              <a:lnSpc>
-                <a:spcPct val="90000"/>
-              </a:lnSpc>
-              <a:spcBef>
-                <a:spcPts val="1001"/>
-              </a:spcBef>
-              <a:buClr>
-                <a:srgbClr val="000000"/>
-              </a:buClr>
-              <a:buSzPct val="45000"/>
-              <a:buFont typeface="Wingdings" charset="2"/>
-              <a:buChar char=""/>
-              <a:tabLst>
-                <a:tab algn="l" pos="0"/>
-              </a:tabLst>
-            </a:pPr>
-            <a:r>
-              <a:rPr b="0" lang="en-US" sz="2400" spc="-1" strike="noStrike">
-                <a:solidFill>
-                  <a:srgbClr val="000000"/>
-                </a:solidFill>
-                <a:latin typeface="Calibri"/>
-              </a:rPr>
-              <a:t>Required to know where a message originated</a:t>
-            </a:r>
-            <a:endParaRPr b="0" lang="en-US" sz="2400" spc="-1" strike="noStrike">
-              <a:latin typeface="Arial"/>
-            </a:endParaRPr>
-          </a:p>
-          <a:p>
-            <a:pPr marL="216000" indent="-216000">
-              <a:lnSpc>
-                <a:spcPct val="90000"/>
-              </a:lnSpc>
-              <a:spcBef>
-                <a:spcPts val="1001"/>
-              </a:spcBef>
-              <a:buClr>
-                <a:srgbClr val="000000"/>
-              </a:buClr>
-              <a:buSzPct val="45000"/>
-              <a:buFont typeface="Wingdings" charset="2"/>
-              <a:buChar char=""/>
-              <a:tabLst>
-                <a:tab algn="l" pos="0"/>
-              </a:tabLst>
-            </a:pPr>
-            <a:endParaRPr b="0" lang="en-US" sz="2400" spc="-1" strike="noStrike">
-              <a:latin typeface="Arial"/>
-            </a:endParaRPr>
-          </a:p>
-          <a:p>
-            <a:pPr marL="216000" indent="-216000">
-              <a:lnSpc>
-                <a:spcPct val="90000"/>
-              </a:lnSpc>
-              <a:spcBef>
-                <a:spcPts val="1001"/>
-              </a:spcBef>
-              <a:buClr>
-                <a:srgbClr val="000000"/>
-              </a:buClr>
-              <a:buSzPct val="45000"/>
-              <a:buFont typeface="Wingdings" charset="2"/>
-              <a:buChar char=""/>
-              <a:tabLst>
-                <a:tab algn="l" pos="0"/>
-              </a:tabLst>
-            </a:pPr>
-            <a:r>
-              <a:rPr b="0" lang="en-US" sz="2400" spc="-1" strike="noStrike">
-                <a:solidFill>
-                  <a:srgbClr val="000000"/>
-                </a:solidFill>
-                <a:latin typeface="Calibri"/>
-              </a:rPr>
-              <a:t>Required to know where to send a message</a:t>
-            </a:r>
-            <a:endParaRPr b="0" lang="en-US" sz="2400" spc="-1" strike="noStrike">
-              <a:latin typeface="Arial"/>
-            </a:endParaRPr>
+              <a:t>https://doc.akka.io/api/akka/current/akka/actor/Props.html</a:t>
+            </a:r>
+            <a:endParaRPr lang="en-US" sz="2400" dirty="0"/>
+          </a:p>
+          <a:p>
+            <a:endParaRPr lang="en-US" sz="2400" dirty="0"/>
+          </a:p>
+          <a:p>
+            <a:pPr marL="285750" indent="-285750">
+              <a:buFont typeface="Arial" panose="020B0604020202020204" pitchFamily="34" charset="0"/>
+              <a:buChar char="•"/>
+            </a:pPr>
+            <a:r>
+              <a:rPr lang="en-US" sz="2400" dirty="0"/>
+              <a:t>Used to create a config object in the process of creating an Actor</a:t>
+            </a:r>
+            <a:br>
+              <a:rPr lang="en-US" sz="2400" dirty="0"/>
+            </a:br>
+            <a:endParaRPr lang="en-US" sz="2400" dirty="0"/>
+          </a:p>
+          <a:p>
+            <a:pPr marL="285750" indent="-285750">
+              <a:buFont typeface="Arial" panose="020B0604020202020204" pitchFamily="34" charset="0"/>
+              <a:buChar char="•"/>
+            </a:pPr>
+            <a:r>
+              <a:rPr lang="en-US" sz="2400" dirty="0"/>
+              <a:t>It is immutable, thus making it thread-safe and shareable.</a:t>
+            </a:r>
+            <a:br>
+              <a:rPr lang="en-US" sz="2400" dirty="0"/>
+            </a:br>
+            <a:endParaRPr lang="en-US" sz="2400" dirty="0"/>
+          </a:p>
+          <a:p>
+            <a:pPr marL="285750" indent="-285750">
+              <a:buFont typeface="Arial" panose="020B0604020202020204" pitchFamily="34" charset="0"/>
+              <a:buChar char="•"/>
+            </a:pPr>
+            <a:r>
+              <a:rPr lang="en-US" sz="2400" dirty="0"/>
+              <a:t>Passed along as one of the parameters for creating an Actor via the </a:t>
+            </a:r>
+            <a:r>
+              <a:rPr lang="en-US" sz="2400" dirty="0" err="1"/>
+              <a:t>ActorSystem.actorOf</a:t>
+            </a:r>
+            <a:r>
+              <a:rPr lang="en-US" sz="2400" dirty="0"/>
+              <a:t>() method.</a:t>
+            </a:r>
           </a:p>
         </p:txBody>
       </p:sp>
     </p:spTree>
+    <p:extLst>
+      <p:ext uri="{BB962C8B-B14F-4D97-AF65-F5344CB8AC3E}">
+        <p14:creationId xmlns:p14="http://schemas.microsoft.com/office/powerpoint/2010/main" val="691338431"/>
+      </p:ext>
+    </p:extLst>
   </p:cSld>
-  <mc:AlternateContent>
-    <mc:Choice Requires="p14">
-      <p:transition spd="slow" p14:dur="2000"/>
-    </mc:Choice>
-    <mc:Fallback>
-      <p:transition spd="slow"/>
-    </mc:Fallback>
-  </mc:AlternateContent>
+  <p:clrMapOvr>
+    <a:masterClrMapping/>
+  </p:clrMapOvr>
 </p:sld>
 </file>
 
-<file path=ppt/slides/slide4.xml><?xml version="1.0" encoding="utf-8"?>
-<p:sld xmlns:a="http://schemas.openxmlformats.org/drawingml/2006/main" xmlns:p="http://schemas.openxmlformats.org/presentationml/2006/main" xmlns:r="http://schemas.openxmlformats.org/officeDocument/2006/relationships" xmlns:p14="http://schemas.microsoft.com/office/powerpoint/2010/main" xmlns:p15="http://schemas.microsoft.com/office/powerpoint/2012/main" xmlns:mc="http://schemas.openxmlformats.org/markup-compatibility/2006">
+<file path=ppt/slides/slide12.xml><?xml version="1.0" encoding="utf-8"?>
+<p:sld xmlns:a="http://schemas.openxmlformats.org/drawingml/2006/main" xmlns:r="http://schemas.openxmlformats.org/officeDocument/2006/relationships" xmlns:p="http://schemas.openxmlformats.org/presentationml/2006/main">
   <p:cSld>
     <p:spTree>
       <p:nvGrpSpPr>
@@ -2545,250 +3307,85 @@
       </p:grpSpPr>
       <p:sp>
         <p:nvSpPr>
-          <p:cNvPr id="47" name="TextShape 1"/>
+          <p:cNvPr id="7" name="TextBox 6">
+            <a:extLst>
+              <a:ext uri="{FF2B5EF4-FFF2-40B4-BE49-F238E27FC236}">
+                <a16:creationId xmlns:a16="http://schemas.microsoft.com/office/drawing/2014/main" id="{42BBFFA5-3B27-EC42-B089-2032B7940228}"/>
+              </a:ext>
+            </a:extLst>
+          </p:cNvPr>
           <p:cNvSpPr txBox="1"/>
           <p:nvPr/>
         </p:nvSpPr>
         <p:spPr>
           <a:xfrm>
-            <a:off x="1523880" y="299520"/>
-            <a:ext cx="9143640" cy="980640"/>
+            <a:off x="3817088" y="110772"/>
+            <a:ext cx="4210493" cy="707886"/>
           </a:xfrm>
           <a:prstGeom prst="rect">
             <a:avLst/>
           </a:prstGeom>
           <a:noFill/>
-          <a:ln>
-            <a:noFill/>
-          </a:ln>
-        </p:spPr>
-        <p:txBody>
-          <a:bodyPr anchor="b">
-            <a:noAutofit/>
-          </a:bodyPr>
-          <a:p>
-            <a:pPr algn="ctr">
-              <a:lnSpc>
-                <a:spcPct val="90000"/>
-              </a:lnSpc>
-            </a:pPr>
-            <a:r>
-              <a:rPr b="0" lang="en-US" sz="4800" spc="-1" strike="noStrike">
-                <a:solidFill>
-                  <a:srgbClr val="000000"/>
-                </a:solidFill>
-                <a:latin typeface="Calibri Light"/>
-              </a:rPr>
-              <a:t>Defined Behavior</a:t>
-            </a:r>
-            <a:endParaRPr b="0" lang="en-US" sz="4800" spc="-1" strike="noStrike">
-              <a:solidFill>
-                <a:srgbClr val="000000"/>
-              </a:solidFill>
-              <a:latin typeface="Calibri"/>
-            </a:endParaRPr>
-          </a:p>
-        </p:txBody>
-      </p:sp>
-      <p:sp>
-        <p:nvSpPr>
-          <p:cNvPr id="48" name="TextShape 2"/>
-          <p:cNvSpPr txBox="1"/>
+        </p:spPr>
+        <p:txBody>
+          <a:bodyPr wrap="square" rtlCol="0">
+            <a:spAutoFit/>
+          </a:bodyPr>
+          <a:lstStyle/>
+          <a:p>
+            <a:pPr algn="ctr"/>
+            <a:r>
+              <a:rPr lang="en-US" sz="4000" dirty="0"/>
+              <a:t>Sample Code</a:t>
+            </a:r>
+          </a:p>
+        </p:txBody>
+      </p:sp>
+      <p:pic>
+        <p:nvPicPr>
+          <p:cNvPr id="10" name="Picture 9">
+            <a:extLst>
+              <a:ext uri="{FF2B5EF4-FFF2-40B4-BE49-F238E27FC236}">
+                <a16:creationId xmlns:a16="http://schemas.microsoft.com/office/drawing/2014/main" id="{2654CF50-5849-214D-9924-4BDD51F3F564}"/>
+              </a:ext>
+            </a:extLst>
+          </p:cNvPr>
+          <p:cNvPicPr>
+            <a:picLocks noChangeAspect="1"/>
+          </p:cNvPicPr>
           <p:nvPr/>
-        </p:nvSpPr>
-        <p:spPr>
-          <a:xfrm>
-            <a:off x="1554480" y="2228760"/>
-            <a:ext cx="9267840" cy="2617560"/>
-          </a:xfrm>
-          <a:prstGeom prst="rect">
-            <a:avLst/>
-          </a:prstGeom>
-          <a:noFill/>
-          <a:ln>
-            <a:noFill/>
-          </a:ln>
-        </p:spPr>
-        <p:txBody>
-          <a:bodyPr>
-            <a:normAutofit/>
-          </a:bodyPr>
-          <a:p>
-            <a:pPr marL="216000" indent="-216000">
-              <a:lnSpc>
-                <a:spcPct val="90000"/>
-              </a:lnSpc>
-              <a:spcBef>
-                <a:spcPts val="1001"/>
-              </a:spcBef>
-              <a:buClr>
-                <a:srgbClr val="000000"/>
-              </a:buClr>
-              <a:buSzPct val="45000"/>
-              <a:buFont typeface="Wingdings" charset="2"/>
-              <a:buChar char=""/>
-              <a:tabLst>
-                <a:tab algn="l" pos="0"/>
-              </a:tabLst>
-            </a:pPr>
-            <a:r>
-              <a:rPr b="0" lang="en-US" sz="2400" spc="-1" strike="noStrike">
-                <a:solidFill>
-                  <a:srgbClr val="000000"/>
-                </a:solidFill>
-                <a:latin typeface="Calibri"/>
-              </a:rPr>
-              <a:t>Actors’ behavior defines how they process messages </a:t>
-            </a:r>
-            <a:endParaRPr b="0" lang="en-US" sz="2400" spc="-1" strike="noStrike">
-              <a:latin typeface="Arial"/>
-            </a:endParaRPr>
-          </a:p>
-          <a:p>
-            <a:pPr marL="216000" indent="-216000">
-              <a:lnSpc>
-                <a:spcPct val="90000"/>
-              </a:lnSpc>
-              <a:spcBef>
-                <a:spcPts val="1001"/>
-              </a:spcBef>
-              <a:buClr>
-                <a:srgbClr val="000000"/>
-              </a:buClr>
-              <a:buSzPct val="45000"/>
-              <a:buFont typeface="Wingdings" charset="2"/>
-              <a:buChar char=""/>
-              <a:tabLst>
-                <a:tab algn="l" pos="0"/>
-              </a:tabLst>
-            </a:pPr>
-            <a:endParaRPr b="0" lang="en-US" sz="2400" spc="-1" strike="noStrike">
-              <a:latin typeface="Arial"/>
-            </a:endParaRPr>
-          </a:p>
-          <a:p>
-            <a:pPr marL="216000" indent="-216000">
-              <a:lnSpc>
-                <a:spcPct val="90000"/>
-              </a:lnSpc>
-              <a:spcBef>
-                <a:spcPts val="1001"/>
-              </a:spcBef>
-              <a:buClr>
-                <a:srgbClr val="000000"/>
-              </a:buClr>
-              <a:buSzPct val="45000"/>
-              <a:buFont typeface="Wingdings" charset="2"/>
-              <a:buChar char=""/>
-              <a:tabLst>
-                <a:tab algn="l" pos="0"/>
-              </a:tabLst>
-            </a:pPr>
-            <a:r>
-              <a:rPr b="0" lang="en-US" sz="2400" spc="-1" strike="noStrike">
-                <a:solidFill>
-                  <a:srgbClr val="000000"/>
-                </a:solidFill>
-                <a:latin typeface="Calibri"/>
-              </a:rPr>
-              <a:t>Behavior definition can change in response to a message</a:t>
-            </a:r>
-            <a:endParaRPr b="0" lang="en-US" sz="2400" spc="-1" strike="noStrike">
-              <a:latin typeface="Arial"/>
-            </a:endParaRPr>
-          </a:p>
-          <a:p>
-            <a:pPr marL="216000" indent="-216000">
-              <a:lnSpc>
-                <a:spcPct val="90000"/>
-              </a:lnSpc>
-              <a:spcBef>
-                <a:spcPts val="1001"/>
-              </a:spcBef>
-              <a:buClr>
-                <a:srgbClr val="000000"/>
-              </a:buClr>
-              <a:buSzPct val="45000"/>
-              <a:buFont typeface="Wingdings" charset="2"/>
-              <a:buChar char=""/>
-              <a:tabLst>
-                <a:tab algn="l" pos="0"/>
-              </a:tabLst>
-            </a:pPr>
-            <a:endParaRPr b="0" lang="en-US" sz="2400" spc="-1" strike="noStrike">
-              <a:latin typeface="Arial"/>
-            </a:endParaRPr>
-          </a:p>
-          <a:p>
-            <a:pPr marL="216000" indent="-216000">
-              <a:lnSpc>
-                <a:spcPct val="90000"/>
-              </a:lnSpc>
-              <a:spcBef>
-                <a:spcPts val="1001"/>
-              </a:spcBef>
-              <a:buClr>
-                <a:srgbClr val="000000"/>
-              </a:buClr>
-              <a:buSzPct val="45000"/>
-              <a:buFont typeface="Wingdings" charset="2"/>
-              <a:buChar char=""/>
-              <a:tabLst>
-                <a:tab algn="l" pos="0"/>
-              </a:tabLst>
-            </a:pPr>
-            <a:r>
-              <a:rPr b="0" lang="en-US" sz="2400" spc="-1" strike="noStrike">
-                <a:solidFill>
-                  <a:srgbClr val="000000"/>
-                </a:solidFill>
-                <a:latin typeface="Calibri"/>
-              </a:rPr>
-              <a:t>Actors can create other actors</a:t>
-            </a:r>
-            <a:endParaRPr b="0" lang="en-US" sz="2400" spc="-1" strike="noStrike">
-              <a:latin typeface="Arial"/>
-            </a:endParaRPr>
-          </a:p>
-          <a:p>
-            <a:pPr marL="216000" indent="-216000">
-              <a:lnSpc>
-                <a:spcPct val="90000"/>
-              </a:lnSpc>
-              <a:spcBef>
-                <a:spcPts val="1001"/>
-              </a:spcBef>
-              <a:buClr>
-                <a:srgbClr val="000000"/>
-              </a:buClr>
-              <a:buSzPct val="45000"/>
-              <a:buFont typeface="Wingdings" charset="2"/>
-              <a:buChar char=""/>
-              <a:tabLst>
-                <a:tab algn="l" pos="0"/>
-              </a:tabLst>
-            </a:pPr>
-            <a:endParaRPr b="0" lang="en-US" sz="2400" spc="-1" strike="noStrike">
-              <a:latin typeface="Arial"/>
-            </a:endParaRPr>
-          </a:p>
-        </p:txBody>
-      </p:sp>
+        </p:nvPicPr>
+        <p:blipFill>
+          <a:blip r:embed="rId2"/>
+          <a:stretch>
+            <a:fillRect/>
+          </a:stretch>
+        </p:blipFill>
+        <p:spPr>
+          <a:xfrm>
+            <a:off x="636556" y="818658"/>
+            <a:ext cx="10571556" cy="5933016"/>
+          </a:xfrm>
+          <a:prstGeom prst="rect">
+            <a:avLst/>
+          </a:prstGeom>
+        </p:spPr>
+      </p:pic>
     </p:spTree>
+    <p:extLst>
+      <p:ext uri="{BB962C8B-B14F-4D97-AF65-F5344CB8AC3E}">
+        <p14:creationId xmlns:p14="http://schemas.microsoft.com/office/powerpoint/2010/main" val="2091576818"/>
+      </p:ext>
+    </p:extLst>
   </p:cSld>
-  <mc:AlternateContent>
-    <mc:Choice Requires="p14">
-      <p:transition spd="slow" p14:dur="2000"/>
-    </mc:Choice>
-    <mc:Fallback>
-      <p:transition spd="slow"/>
-    </mc:Fallback>
-  </mc:AlternateContent>
+  <p:clrMapOvr>
+    <a:masterClrMapping/>
+  </p:clrMapOvr>
 </p:sld>
 </file>
 
-<file path=ppt/slides/slide5.xml><?xml version="1.0" encoding="utf-8"?>
-<p:sld xmlns:a="http://schemas.openxmlformats.org/drawingml/2006/main" xmlns:p="http://schemas.openxmlformats.org/presentationml/2006/main" xmlns:r="http://schemas.openxmlformats.org/officeDocument/2006/relationships" xmlns:p14="http://schemas.microsoft.com/office/powerpoint/2010/main" xmlns:p15="http://schemas.microsoft.com/office/powerpoint/2012/main" xmlns:mc="http://schemas.openxmlformats.org/markup-compatibility/2006">
+<file path=ppt/slides/slide2.xml><?xml version="1.0" encoding="utf-8"?>
+<p:sld xmlns:a="http://schemas.openxmlformats.org/drawingml/2006/main" xmlns:r="http://schemas.openxmlformats.org/officeDocument/2006/relationships" xmlns:p="http://schemas.openxmlformats.org/presentationml/2006/main">
   <p:cSld>
     <p:spTree>
       <p:nvGrpSpPr>
@@ -2806,7 +3403,7 @@
       </p:grpSpPr>
       <p:sp>
         <p:nvSpPr>
-          <p:cNvPr id="49" name="TextShape 1"/>
+          <p:cNvPr id="43" name="TextShape 1"/>
           <p:cNvSpPr txBox="1"/>
           <p:nvPr/>
         </p:nvSpPr>
@@ -2827,6 +3424,7 @@
           <a:bodyPr anchor="b">
             <a:noAutofit/>
           </a:bodyPr>
+          <a:lstStyle/>
           <a:p>
             <a:pPr algn="ctr">
               <a:lnSpc>
@@ -2834,15 +3432,15 @@
               </a:lnSpc>
             </a:pPr>
             <a:r>
-              <a:rPr b="0" lang="en-US" sz="4800" spc="-1" strike="noStrike">
+              <a:rPr lang="en-US" sz="4800" b="0" strike="noStrike" spc="-1">
                 <a:solidFill>
                   <a:srgbClr val="000000"/>
                 </a:solidFill>
                 <a:latin typeface="Calibri Light"/>
               </a:rPr>
-              <a:t>Asynchronous Messaging</a:t>
-            </a:r>
-            <a:endParaRPr b="0" lang="en-US" sz="4800" spc="-1" strike="noStrike">
+              <a:t>What makes an actor</a:t>
+            </a:r>
+            <a:endParaRPr lang="en-US" sz="4800" b="0" strike="noStrike" spc="-1">
               <a:solidFill>
                 <a:srgbClr val="000000"/>
               </a:solidFill>
@@ -2853,7 +3451,7 @@
       </p:sp>
       <p:sp>
         <p:nvSpPr>
-          <p:cNvPr id="50" name="TextShape 2"/>
+          <p:cNvPr id="44" name="TextShape 2"/>
           <p:cNvSpPr txBox="1"/>
           <p:nvPr/>
         </p:nvSpPr>
@@ -2874,6 +3472,7 @@
           <a:bodyPr>
             <a:normAutofit/>
           </a:bodyPr>
+          <a:lstStyle/>
           <a:p>
             <a:pPr marL="216000" indent="-216000">
               <a:lnSpc>
@@ -2889,19 +3488,19 @@
               <a:buFont typeface="Wingdings" charset="2"/>
               <a:buChar char=""/>
               <a:tabLst>
-                <a:tab algn="l" pos="0"/>
+                <a:tab pos="0" algn="l"/>
               </a:tabLst>
             </a:pPr>
             <a:r>
-              <a:rPr b="0" lang="en-US" sz="2400" spc="-1" strike="noStrike">
+              <a:rPr lang="en-US" sz="2400" b="0" strike="noStrike" spc="-1">
                 <a:solidFill>
                   <a:srgbClr val="000000"/>
                 </a:solidFill>
                 <a:latin typeface="Calibri"/>
               </a:rPr>
-              <a:t>Non-blocking</a:t>
-            </a:r>
-            <a:endParaRPr b="0" lang="en-US" sz="2400" spc="-1" strike="noStrike">
+              <a:t>It has a unique identity</a:t>
+            </a:r>
+            <a:endParaRPr lang="en-US" sz="2400" b="0" strike="noStrike" spc="-1">
               <a:latin typeface="Arial"/>
             </a:endParaRPr>
           </a:p>
@@ -2920,10 +3519,10 @@
               <a:buFont typeface="Wingdings" charset="2"/>
               <a:buChar char=""/>
               <a:tabLst>
-                <a:tab algn="l" pos="0"/>
+                <a:tab pos="0" algn="l"/>
               </a:tabLst>
             </a:pPr>
-            <a:endParaRPr b="0" lang="en-US" sz="2400" spc="-1" strike="noStrike">
+            <a:endParaRPr lang="en-US" sz="2400" b="0" strike="noStrike" spc="-1">
               <a:latin typeface="Arial"/>
             </a:endParaRPr>
           </a:p>
@@ -2942,19 +3541,19 @@
               <a:buFont typeface="Wingdings" charset="2"/>
               <a:buChar char=""/>
               <a:tabLst>
-                <a:tab algn="l" pos="0"/>
+                <a:tab pos="0" algn="l"/>
               </a:tabLst>
             </a:pPr>
             <a:r>
-              <a:rPr b="0" lang="en-US" sz="2400" spc="-1" strike="noStrike">
+              <a:rPr lang="en-US" sz="2400" b="0" strike="noStrike" spc="-1">
                 <a:solidFill>
                   <a:srgbClr val="000000"/>
                 </a:solidFill>
                 <a:latin typeface="Calibri"/>
               </a:rPr>
-              <a:t>Only uses messaging to communicate</a:t>
-            </a:r>
-            <a:endParaRPr b="0" lang="en-US" sz="2400" spc="-1" strike="noStrike">
+              <a:t>It has a defined behavior</a:t>
+            </a:r>
+            <a:endParaRPr lang="en-US" sz="2400" b="0" strike="noStrike" spc="-1">
               <a:latin typeface="Arial"/>
             </a:endParaRPr>
           </a:p>
@@ -2973,10 +3572,10 @@
               <a:buFont typeface="Wingdings" charset="2"/>
               <a:buChar char=""/>
               <a:tabLst>
-                <a:tab algn="l" pos="0"/>
+                <a:tab pos="0" algn="l"/>
               </a:tabLst>
             </a:pPr>
-            <a:endParaRPr b="0" lang="en-US" sz="2400" spc="-1" strike="noStrike">
+            <a:endParaRPr lang="en-US" sz="2400" b="0" strike="noStrike" spc="-1">
               <a:latin typeface="Arial"/>
             </a:endParaRPr>
           </a:p>
@@ -2995,10 +3594,19 @@
               <a:buFont typeface="Wingdings" charset="2"/>
               <a:buChar char=""/>
               <a:tabLst>
-                <a:tab algn="l" pos="0"/>
+                <a:tab pos="0" algn="l"/>
               </a:tabLst>
             </a:pPr>
-            <a:endParaRPr b="0" lang="en-US" sz="2400" spc="-1" strike="noStrike">
+            <a:r>
+              <a:rPr lang="en-US" sz="2400" b="0" strike="noStrike" spc="-1">
+                <a:solidFill>
+                  <a:srgbClr val="000000"/>
+                </a:solidFill>
+                <a:latin typeface="Calibri"/>
+              </a:rPr>
+              <a:t>It communicates via asynchronous messages</a:t>
+            </a:r>
+            <a:endParaRPr lang="en-US" sz="2400" b="0" strike="noStrike" spc="-1">
               <a:latin typeface="Arial"/>
             </a:endParaRPr>
           </a:p>
@@ -3006,19 +3614,14 @@
       </p:sp>
     </p:spTree>
   </p:cSld>
-  <mc:AlternateContent>
-    <mc:Choice Requires="p14">
-      <p:transition spd="slow" p14:dur="2000"/>
-    </mc:Choice>
-    <mc:Fallback>
-      <p:transition spd="slow"/>
-    </mc:Fallback>
-  </mc:AlternateContent>
+  <p:clrMapOvr>
+    <a:masterClrMapping/>
+  </p:clrMapOvr>
 </p:sld>
 </file>
 
-<file path=ppt/slides/slide6.xml><?xml version="1.0" encoding="utf-8"?>
-<p:sld xmlns:a="http://schemas.openxmlformats.org/drawingml/2006/main" xmlns:p="http://schemas.openxmlformats.org/presentationml/2006/main" xmlns:r="http://schemas.openxmlformats.org/officeDocument/2006/relationships" xmlns:p14="http://schemas.microsoft.com/office/powerpoint/2010/main" xmlns:p15="http://schemas.microsoft.com/office/powerpoint/2012/main" xmlns:mc="http://schemas.openxmlformats.org/markup-compatibility/2006">
+<file path=ppt/slides/slide3.xml><?xml version="1.0" encoding="utf-8"?>
+<p:sld xmlns:a="http://schemas.openxmlformats.org/drawingml/2006/main" xmlns:r="http://schemas.openxmlformats.org/officeDocument/2006/relationships" xmlns:p="http://schemas.openxmlformats.org/presentationml/2006/main">
   <p:cSld>
     <p:spTree>
       <p:nvGrpSpPr>
@@ -3036,7 +3639,7 @@
       </p:grpSpPr>
       <p:sp>
         <p:nvSpPr>
-          <p:cNvPr id="51" name="TextShape 1"/>
+          <p:cNvPr id="45" name="TextShape 1"/>
           <p:cNvSpPr txBox="1"/>
           <p:nvPr/>
         </p:nvSpPr>
@@ -3057,6 +3660,7 @@
           <a:bodyPr anchor="b">
             <a:noAutofit/>
           </a:bodyPr>
+          <a:lstStyle/>
           <a:p>
             <a:pPr algn="ctr">
               <a:lnSpc>
@@ -3064,15 +3668,15 @@
               </a:lnSpc>
             </a:pPr>
             <a:r>
-              <a:rPr b="0" lang="en-US" sz="4800" spc="-1" strike="noStrike">
+              <a:rPr lang="en-US" sz="4800" b="0" strike="noStrike" spc="-1">
                 <a:solidFill>
                   <a:srgbClr val="000000"/>
                 </a:solidFill>
                 <a:latin typeface="Calibri Light"/>
               </a:rPr>
-              <a:t>Where do actors come from</a:t>
-            </a:r>
-            <a:endParaRPr b="0" lang="en-US" sz="4800" spc="-1" strike="noStrike">
+              <a:t>Unique Identity</a:t>
+            </a:r>
+            <a:endParaRPr lang="en-US" sz="4800" b="0" strike="noStrike" spc="-1">
               <a:solidFill>
                 <a:srgbClr val="000000"/>
               </a:solidFill>
@@ -3083,7 +3687,7 @@
       </p:sp>
       <p:sp>
         <p:nvSpPr>
-          <p:cNvPr id="52" name="TextShape 2"/>
+          <p:cNvPr id="46" name="TextShape 2"/>
           <p:cNvSpPr txBox="1"/>
           <p:nvPr/>
         </p:nvSpPr>
@@ -3104,6 +3708,7 @@
           <a:bodyPr>
             <a:normAutofit/>
           </a:bodyPr>
+          <a:lstStyle/>
           <a:p>
             <a:pPr marL="216000" indent="-216000">
               <a:lnSpc>
@@ -3119,19 +3724,19 @@
               <a:buFont typeface="Wingdings" charset="2"/>
               <a:buChar char=""/>
               <a:tabLst>
-                <a:tab algn="l" pos="0"/>
+                <a:tab pos="0" algn="l"/>
               </a:tabLst>
             </a:pPr>
             <a:r>
-              <a:rPr b="0" lang="en-US" sz="2400" spc="-1" strike="noStrike">
+              <a:rPr lang="en-US" sz="2400" b="0" strike="noStrike" spc="-1">
                 <a:solidFill>
                   <a:srgbClr val="000000"/>
                 </a:solidFill>
                 <a:latin typeface="Calibri"/>
               </a:rPr>
-              <a:t>Actors resemble human organization</a:t>
-            </a:r>
-            <a:endParaRPr b="0" lang="en-US" sz="2400" spc="-1" strike="noStrike">
+              <a:t>Required to know where a message originated</a:t>
+            </a:r>
+            <a:endParaRPr lang="en-US" sz="2400" b="0" strike="noStrike" spc="-1">
               <a:latin typeface="Arial"/>
             </a:endParaRPr>
           </a:p>
@@ -3150,10 +3755,10 @@
               <a:buFont typeface="Wingdings" charset="2"/>
               <a:buChar char=""/>
               <a:tabLst>
-                <a:tab algn="l" pos="0"/>
+                <a:tab pos="0" algn="l"/>
               </a:tabLst>
             </a:pPr>
-            <a:endParaRPr b="0" lang="en-US" sz="2400" spc="-1" strike="noStrike">
+            <a:endParaRPr lang="en-US" sz="2400" b="0" strike="noStrike" spc="-1">
               <a:latin typeface="Arial"/>
             </a:endParaRPr>
           </a:p>
@@ -3172,63 +3777,19 @@
               <a:buFont typeface="Wingdings" charset="2"/>
               <a:buChar char=""/>
               <a:tabLst>
-                <a:tab algn="l" pos="0"/>
+                <a:tab pos="0" algn="l"/>
               </a:tabLst>
             </a:pPr>
             <a:r>
-              <a:rPr b="0" lang="en-US" sz="2400" spc="-1" strike="noStrike">
+              <a:rPr lang="en-US" sz="2400" b="0" strike="noStrike" spc="-1">
                 <a:solidFill>
                   <a:srgbClr val="000000"/>
                 </a:solidFill>
                 <a:latin typeface="Calibri"/>
               </a:rPr>
-              <a:t>Actors proposed usage for artificial intelligence</a:t>
-            </a:r>
-            <a:endParaRPr b="0" lang="en-US" sz="2400" spc="-1" strike="noStrike">
-              <a:latin typeface="Arial"/>
-            </a:endParaRPr>
-          </a:p>
-          <a:p>
-            <a:pPr marL="216000" indent="-216000">
-              <a:lnSpc>
-                <a:spcPct val="90000"/>
-              </a:lnSpc>
-              <a:spcBef>
-                <a:spcPts val="1001"/>
-              </a:spcBef>
-              <a:buClr>
-                <a:srgbClr val="000000"/>
-              </a:buClr>
-              <a:buSzPct val="45000"/>
-              <a:buFont typeface="Wingdings" charset="2"/>
-              <a:buChar char=""/>
-              <a:tabLst>
-                <a:tab algn="l" pos="0"/>
-              </a:tabLst>
-            </a:pPr>
-            <a:endParaRPr b="0" lang="en-US" sz="2400" spc="-1" strike="noStrike">
-              <a:latin typeface="Arial"/>
-            </a:endParaRPr>
-          </a:p>
-          <a:p>
-            <a:pPr marL="216000" indent="-216000">
-              <a:lnSpc>
-                <a:spcPct val="90000"/>
-              </a:lnSpc>
-              <a:spcBef>
-                <a:spcPts val="1001"/>
-              </a:spcBef>
-              <a:buClr>
-                <a:srgbClr val="000000"/>
-              </a:buClr>
-              <a:buSzPct val="45000"/>
-              <a:buFont typeface="Wingdings" charset="2"/>
-              <a:buChar char=""/>
-              <a:tabLst>
-                <a:tab algn="l" pos="0"/>
-              </a:tabLst>
-            </a:pPr>
-            <a:endParaRPr b="0" lang="en-US" sz="2400" spc="-1" strike="noStrike">
+              <a:t>Required to know where to send a message</a:t>
+            </a:r>
+            <a:endParaRPr lang="en-US" sz="2400" b="0" strike="noStrike" spc="-1">
               <a:latin typeface="Arial"/>
             </a:endParaRPr>
           </a:p>
@@ -3236,19 +3797,14 @@
       </p:sp>
     </p:spTree>
   </p:cSld>
-  <mc:AlternateContent>
-    <mc:Choice Requires="p14">
-      <p:transition spd="slow" p14:dur="2000"/>
-    </mc:Choice>
-    <mc:Fallback>
-      <p:transition spd="slow"/>
-    </mc:Fallback>
-  </mc:AlternateContent>
+  <p:clrMapOvr>
+    <a:masterClrMapping/>
+  </p:clrMapOvr>
 </p:sld>
 </file>
 
-<file path=ppt/slides/slide7.xml><?xml version="1.0" encoding="utf-8"?>
-<p:sld xmlns:a="http://schemas.openxmlformats.org/drawingml/2006/main" xmlns:p="http://schemas.openxmlformats.org/presentationml/2006/main" xmlns:r="http://schemas.openxmlformats.org/officeDocument/2006/relationships" xmlns:p14="http://schemas.microsoft.com/office/powerpoint/2010/main" xmlns:p15="http://schemas.microsoft.com/office/powerpoint/2012/main" xmlns:mc="http://schemas.openxmlformats.org/markup-compatibility/2006">
+<file path=ppt/slides/slide4.xml><?xml version="1.0" encoding="utf-8"?>
+<p:sld xmlns:a="http://schemas.openxmlformats.org/drawingml/2006/main" xmlns:r="http://schemas.openxmlformats.org/officeDocument/2006/relationships" xmlns:p="http://schemas.openxmlformats.org/presentationml/2006/main">
   <p:cSld>
     <p:spTree>
       <p:nvGrpSpPr>
@@ -3266,7 +3822,7 @@
       </p:grpSpPr>
       <p:sp>
         <p:nvSpPr>
-          <p:cNvPr id="53" name="TextShape 1"/>
+          <p:cNvPr id="47" name="TextShape 1"/>
           <p:cNvSpPr txBox="1"/>
           <p:nvPr/>
         </p:nvSpPr>
@@ -3287,6 +3843,7 @@
           <a:bodyPr anchor="b">
             <a:noAutofit/>
           </a:bodyPr>
+          <a:lstStyle/>
           <a:p>
             <a:pPr algn="ctr">
               <a:lnSpc>
@@ -3294,15 +3851,15 @@
               </a:lnSpc>
             </a:pPr>
             <a:r>
-              <a:rPr b="0" lang="en-US" sz="4800" spc="-1" strike="noStrike">
+              <a:rPr lang="en-US" sz="4800" b="0" strike="noStrike" spc="-1">
                 <a:solidFill>
                   <a:srgbClr val="000000"/>
                 </a:solidFill>
                 <a:latin typeface="Calibri Light"/>
               </a:rPr>
-              <a:t>Why use actors</a:t>
-            </a:r>
-            <a:endParaRPr b="0" lang="en-US" sz="4800" spc="-1" strike="noStrike">
+              <a:t>Defined Behavior</a:t>
+            </a:r>
+            <a:endParaRPr lang="en-US" sz="4800" b="0" strike="noStrike" spc="-1">
               <a:solidFill>
                 <a:srgbClr val="000000"/>
               </a:solidFill>
@@ -3313,14 +3870,14 @@
       </p:sp>
       <p:sp>
         <p:nvSpPr>
-          <p:cNvPr id="54" name="TextShape 2"/>
+          <p:cNvPr id="48" name="TextShape 2"/>
           <p:cNvSpPr txBox="1"/>
           <p:nvPr/>
         </p:nvSpPr>
         <p:spPr>
           <a:xfrm>
-            <a:off x="1554480" y="2286000"/>
-            <a:ext cx="9267840" cy="3749040"/>
+            <a:off x="1554480" y="2228760"/>
+            <a:ext cx="9267840" cy="2617560"/>
           </a:xfrm>
           <a:prstGeom prst="rect">
             <a:avLst/>
@@ -3334,6 +3891,7 @@
           <a:bodyPr>
             <a:normAutofit/>
           </a:bodyPr>
+          <a:lstStyle/>
           <a:p>
             <a:pPr marL="216000" indent="-216000">
               <a:lnSpc>
@@ -3349,19 +3907,19 @@
               <a:buFont typeface="Wingdings" charset="2"/>
               <a:buChar char=""/>
               <a:tabLst>
-                <a:tab algn="l" pos="0"/>
+                <a:tab pos="0" algn="l"/>
               </a:tabLst>
             </a:pPr>
             <a:r>
-              <a:rPr b="0" lang="en-US" sz="2400" spc="-1" strike="noStrike">
+              <a:rPr lang="en-US" sz="2400" b="0" strike="noStrike" spc="-1">
                 <a:solidFill>
                   <a:srgbClr val="000000"/>
                 </a:solidFill>
                 <a:latin typeface="Calibri"/>
               </a:rPr>
-              <a:t>Simple API for multi-threading</a:t>
-            </a:r>
-            <a:endParaRPr b="0" lang="en-US" sz="2400" spc="-1" strike="noStrike">
+              <a:t>Actors’ behavior defines how they process messages </a:t>
+            </a:r>
+            <a:endParaRPr lang="en-US" sz="2400" b="0" strike="noStrike" spc="-1">
               <a:latin typeface="Arial"/>
             </a:endParaRPr>
           </a:p>
@@ -3380,10 +3938,10 @@
               <a:buFont typeface="Wingdings" charset="2"/>
               <a:buChar char=""/>
               <a:tabLst>
-                <a:tab algn="l" pos="0"/>
+                <a:tab pos="0" algn="l"/>
               </a:tabLst>
             </a:pPr>
-            <a:endParaRPr b="0" lang="en-US" sz="2400" spc="-1" strike="noStrike">
+            <a:endParaRPr lang="en-US" sz="2400" b="0" strike="noStrike" spc="-1">
               <a:latin typeface="Arial"/>
             </a:endParaRPr>
           </a:p>
@@ -3402,19 +3960,19 @@
               <a:buFont typeface="Wingdings" charset="2"/>
               <a:buChar char=""/>
               <a:tabLst>
-                <a:tab algn="l" pos="0"/>
+                <a:tab pos="0" algn="l"/>
               </a:tabLst>
             </a:pPr>
             <a:r>
-              <a:rPr b="0" lang="en-US" sz="2400" spc="-1" strike="noStrike">
+              <a:rPr lang="en-US" sz="2400" b="0" strike="noStrike" spc="-1">
                 <a:solidFill>
                   <a:srgbClr val="000000"/>
                 </a:solidFill>
                 <a:latin typeface="Calibri"/>
               </a:rPr>
-              <a:t>Actors are easily created and easily removed</a:t>
-            </a:r>
-            <a:endParaRPr b="0" lang="en-US" sz="2400" spc="-1" strike="noStrike">
+              <a:t>Behavior definition can change in response to a message</a:t>
+            </a:r>
+            <a:endParaRPr lang="en-US" sz="2400" b="0" strike="noStrike" spc="-1">
               <a:latin typeface="Arial"/>
             </a:endParaRPr>
           </a:p>
@@ -3433,10 +3991,10 @@
               <a:buFont typeface="Wingdings" charset="2"/>
               <a:buChar char=""/>
               <a:tabLst>
-                <a:tab algn="l" pos="0"/>
+                <a:tab pos="0" algn="l"/>
               </a:tabLst>
             </a:pPr>
-            <a:endParaRPr b="0" lang="en-US" sz="2400" spc="-1" strike="noStrike">
+            <a:endParaRPr lang="en-US" sz="2400" b="0" strike="noStrike" spc="-1">
               <a:latin typeface="Arial"/>
             </a:endParaRPr>
           </a:p>
@@ -3455,19 +4013,19 @@
               <a:buFont typeface="Wingdings" charset="2"/>
               <a:buChar char=""/>
               <a:tabLst>
-                <a:tab algn="l" pos="0"/>
+                <a:tab pos="0" algn="l"/>
               </a:tabLst>
             </a:pPr>
             <a:r>
-              <a:rPr b="0" lang="en-US" sz="2400" spc="-1" strike="noStrike">
+              <a:rPr lang="en-US" sz="2400" b="0" strike="noStrike" spc="-1">
                 <a:solidFill>
                   <a:srgbClr val="000000"/>
                 </a:solidFill>
                 <a:latin typeface="Calibri"/>
               </a:rPr>
-              <a:t>Automatically handle race conditions</a:t>
-            </a:r>
-            <a:endParaRPr b="0" lang="en-US" sz="2400" spc="-1" strike="noStrike">
+              <a:t>Actors can create other actors</a:t>
+            </a:r>
+            <a:endParaRPr lang="en-US" sz="2400" b="0" strike="noStrike" spc="-1">
               <a:latin typeface="Arial"/>
             </a:endParaRPr>
           </a:p>
@@ -3486,41 +4044,10 @@
               <a:buFont typeface="Wingdings" charset="2"/>
               <a:buChar char=""/>
               <a:tabLst>
-                <a:tab algn="l" pos="0"/>
+                <a:tab pos="0" algn="l"/>
               </a:tabLst>
             </a:pPr>
-            <a:endParaRPr b="0" lang="en-US" sz="2400" spc="-1" strike="noStrike">
-              <a:latin typeface="Arial"/>
-            </a:endParaRPr>
-          </a:p>
-          <a:p>
-            <a:pPr marL="216000" indent="-216000">
-              <a:lnSpc>
-                <a:spcPct val="90000"/>
-              </a:lnSpc>
-              <a:spcBef>
-                <a:spcPts val="1001"/>
-              </a:spcBef>
-              <a:buClr>
-                <a:srgbClr val="000000"/>
-              </a:buClr>
-              <a:buSzPct val="45000"/>
-              <a:buFont typeface="Wingdings" charset="2"/>
-              <a:buChar char=""/>
-              <a:tabLst>
-                <a:tab algn="l" pos="0"/>
-              </a:tabLst>
-            </a:pPr>
-            <a:r>
-              <a:rPr b="0" lang="en-US" sz="2400" spc="-1" strike="noStrike">
-                <a:solidFill>
-                  <a:srgbClr val="000000"/>
-                </a:solidFill>
-                <a:latin typeface="Calibri"/>
-              </a:rPr>
-              <a:t>No tight coupling</a:t>
-            </a:r>
-            <a:endParaRPr b="0" lang="en-US" sz="2400" spc="-1" strike="noStrike">
+            <a:endParaRPr lang="en-US" sz="2400" b="0" strike="noStrike" spc="-1">
               <a:latin typeface="Arial"/>
             </a:endParaRPr>
           </a:p>
@@ -3528,19 +4055,14 @@
       </p:sp>
     </p:spTree>
   </p:cSld>
-  <mc:AlternateContent>
-    <mc:Choice Requires="p14">
-      <p:transition spd="slow" p14:dur="2000"/>
-    </mc:Choice>
-    <mc:Fallback>
-      <p:transition spd="slow"/>
-    </mc:Fallback>
-  </mc:AlternateContent>
+  <p:clrMapOvr>
+    <a:masterClrMapping/>
+  </p:clrMapOvr>
 </p:sld>
 </file>
 
-<file path=ppt/slides/slide8.xml><?xml version="1.0" encoding="utf-8"?>
-<p:sld xmlns:a="http://schemas.openxmlformats.org/drawingml/2006/main" xmlns:p="http://schemas.openxmlformats.org/presentationml/2006/main" xmlns:r="http://schemas.openxmlformats.org/officeDocument/2006/relationships" xmlns:p14="http://schemas.microsoft.com/office/powerpoint/2010/main" xmlns:p15="http://schemas.microsoft.com/office/powerpoint/2012/main" xmlns:mc="http://schemas.openxmlformats.org/markup-compatibility/2006">
+<file path=ppt/slides/slide5.xml><?xml version="1.0" encoding="utf-8"?>
+<p:sld xmlns:a="http://schemas.openxmlformats.org/drawingml/2006/main" xmlns:r="http://schemas.openxmlformats.org/officeDocument/2006/relationships" xmlns:p="http://schemas.openxmlformats.org/presentationml/2006/main">
   <p:cSld>
     <p:spTree>
       <p:nvGrpSpPr>
@@ -3558,14 +4080,14 @@
       </p:grpSpPr>
       <p:sp>
         <p:nvSpPr>
-          <p:cNvPr id="55" name="TextShape 1"/>
+          <p:cNvPr id="49" name="TextShape 1"/>
           <p:cNvSpPr txBox="1"/>
           <p:nvPr/>
         </p:nvSpPr>
         <p:spPr>
           <a:xfrm>
-            <a:off x="1523880" y="173160"/>
-            <a:ext cx="9143640" cy="2387160"/>
+            <a:off x="1523880" y="299520"/>
+            <a:ext cx="9143640" cy="980640"/>
           </a:xfrm>
           <a:prstGeom prst="rect">
             <a:avLst/>
@@ -3576,11 +4098,26 @@
           </a:ln>
         </p:spPr>
         <p:txBody>
-          <a:bodyPr lIns="0" rIns="0" tIns="0" bIns="0" anchor="ctr">
+          <a:bodyPr anchor="b">
             <a:noAutofit/>
           </a:bodyPr>
-          <a:p>
-            <a:endParaRPr b="0" lang="en-US" sz="1800" spc="-1" strike="noStrike">
+          <a:lstStyle/>
+          <a:p>
+            <a:pPr algn="ctr">
+              <a:lnSpc>
+                <a:spcPct val="90000"/>
+              </a:lnSpc>
+            </a:pPr>
+            <a:r>
+              <a:rPr lang="en-US" sz="4800" b="0" strike="noStrike" spc="-1">
+                <a:solidFill>
+                  <a:srgbClr val="000000"/>
+                </a:solidFill>
+                <a:latin typeface="Calibri Light"/>
+              </a:rPr>
+              <a:t>Asynchronous Messaging</a:t>
+            </a:r>
+            <a:endParaRPr lang="en-US" sz="4800" b="0" strike="noStrike" spc="-1">
               <a:solidFill>
                 <a:srgbClr val="000000"/>
               </a:solidFill>
@@ -3591,14 +4128,14 @@
       </p:sp>
       <p:sp>
         <p:nvSpPr>
-          <p:cNvPr id="56" name="TextShape 2"/>
+          <p:cNvPr id="50" name="TextShape 2"/>
           <p:cNvSpPr txBox="1"/>
           <p:nvPr/>
         </p:nvSpPr>
         <p:spPr>
           <a:xfrm>
-            <a:off x="609480" y="1604520"/>
-            <a:ext cx="10972440" cy="3977280"/>
+            <a:off x="1554480" y="2228760"/>
+            <a:ext cx="9267840" cy="2617560"/>
           </a:xfrm>
           <a:prstGeom prst="rect">
             <a:avLst/>
@@ -3609,12 +4146,135 @@
           </a:ln>
         </p:spPr>
         <p:txBody>
-          <a:bodyPr lIns="0" rIns="0" tIns="0" bIns="0" anchor="ctr">
-            <a:noAutofit/>
-          </a:bodyPr>
-          <a:p>
-            <a:pPr algn="ctr"/>
-            <a:endParaRPr b="0" lang="en-US" sz="3200" spc="-1" strike="noStrike">
+          <a:bodyPr>
+            <a:normAutofit/>
+          </a:bodyPr>
+          <a:lstStyle/>
+          <a:p>
+            <a:pPr marL="216000" indent="-216000">
+              <a:lnSpc>
+                <a:spcPct val="90000"/>
+              </a:lnSpc>
+              <a:spcBef>
+                <a:spcPts val="1001"/>
+              </a:spcBef>
+              <a:buClr>
+                <a:srgbClr val="000000"/>
+              </a:buClr>
+              <a:buSzPct val="45000"/>
+              <a:buFont typeface="Wingdings" charset="2"/>
+              <a:buChar char=""/>
+              <a:tabLst>
+                <a:tab pos="0" algn="l"/>
+              </a:tabLst>
+            </a:pPr>
+            <a:r>
+              <a:rPr lang="en-US" sz="2400" b="0" strike="noStrike" spc="-1">
+                <a:solidFill>
+                  <a:srgbClr val="000000"/>
+                </a:solidFill>
+                <a:latin typeface="Calibri"/>
+              </a:rPr>
+              <a:t>Non-blocking</a:t>
+            </a:r>
+            <a:endParaRPr lang="en-US" sz="2400" b="0" strike="noStrike" spc="-1">
+              <a:latin typeface="Arial"/>
+            </a:endParaRPr>
+          </a:p>
+          <a:p>
+            <a:pPr marL="216000" indent="-216000">
+              <a:lnSpc>
+                <a:spcPct val="90000"/>
+              </a:lnSpc>
+              <a:spcBef>
+                <a:spcPts val="1001"/>
+              </a:spcBef>
+              <a:buClr>
+                <a:srgbClr val="000000"/>
+              </a:buClr>
+              <a:buSzPct val="45000"/>
+              <a:buFont typeface="Wingdings" charset="2"/>
+              <a:buChar char=""/>
+              <a:tabLst>
+                <a:tab pos="0" algn="l"/>
+              </a:tabLst>
+            </a:pPr>
+            <a:endParaRPr lang="en-US" sz="2400" b="0" strike="noStrike" spc="-1">
+              <a:latin typeface="Arial"/>
+            </a:endParaRPr>
+          </a:p>
+          <a:p>
+            <a:pPr marL="216000" indent="-216000">
+              <a:lnSpc>
+                <a:spcPct val="90000"/>
+              </a:lnSpc>
+              <a:spcBef>
+                <a:spcPts val="1001"/>
+              </a:spcBef>
+              <a:buClr>
+                <a:srgbClr val="000000"/>
+              </a:buClr>
+              <a:buSzPct val="45000"/>
+              <a:buFont typeface="Wingdings" charset="2"/>
+              <a:buChar char=""/>
+              <a:tabLst>
+                <a:tab pos="0" algn="l"/>
+              </a:tabLst>
+            </a:pPr>
+            <a:r>
+              <a:rPr lang="en-US" sz="2400" b="0" strike="noStrike" spc="-1">
+                <a:solidFill>
+                  <a:srgbClr val="000000"/>
+                </a:solidFill>
+                <a:latin typeface="Calibri"/>
+              </a:rPr>
+              <a:t>Only uses messaging to communicate</a:t>
+            </a:r>
+            <a:endParaRPr lang="en-US" sz="2400" b="0" strike="noStrike" spc="-1">
+              <a:latin typeface="Arial"/>
+            </a:endParaRPr>
+          </a:p>
+          <a:p>
+            <a:pPr marL="216000" indent="-216000">
+              <a:lnSpc>
+                <a:spcPct val="90000"/>
+              </a:lnSpc>
+              <a:spcBef>
+                <a:spcPts val="1001"/>
+              </a:spcBef>
+              <a:buClr>
+                <a:srgbClr val="000000"/>
+              </a:buClr>
+              <a:buSzPct val="45000"/>
+              <a:buFont typeface="Wingdings" charset="2"/>
+              <a:buChar char=""/>
+              <a:tabLst>
+                <a:tab pos="0" algn="l"/>
+              </a:tabLst>
+            </a:pPr>
+            <a:endParaRPr lang="en-US" sz="2400" b="0" strike="noStrike" spc="-1">
+              <a:latin typeface="Arial"/>
+            </a:endParaRPr>
+          </a:p>
+          <a:p>
+            <a:pPr marL="216000" indent="-216000">
+              <a:lnSpc>
+                <a:spcPct val="90000"/>
+              </a:lnSpc>
+              <a:spcBef>
+                <a:spcPts val="1001"/>
+              </a:spcBef>
+              <a:buClr>
+                <a:srgbClr val="000000"/>
+              </a:buClr>
+              <a:buSzPct val="45000"/>
+              <a:buFont typeface="Wingdings" charset="2"/>
+              <a:buChar char=""/>
+              <a:tabLst>
+                <a:tab pos="0" algn="l"/>
+              </a:tabLst>
+            </a:pPr>
+            <a:endParaRPr lang="en-US" sz="2400" b="0" strike="noStrike" spc="-1">
               <a:latin typeface="Arial"/>
             </a:endParaRPr>
           </a:p>
@@ -3622,14 +4282,1239 @@
       </p:sp>
     </p:spTree>
   </p:cSld>
-  <mc:AlternateContent>
-    <mc:Choice Requires="p14">
-      <p:transition spd="slow" p14:dur="2000"/>
-    </mc:Choice>
-    <mc:Fallback>
-      <p:transition spd="slow"/>
-    </mc:Fallback>
-  </mc:AlternateContent>
+  <p:clrMapOvr>
+    <a:masterClrMapping/>
+  </p:clrMapOvr>
+</p:sld>
+</file>
+
+<file path=ppt/slides/slide6.xml><?xml version="1.0" encoding="utf-8"?>
+<p:sld xmlns:a="http://schemas.openxmlformats.org/drawingml/2006/main" xmlns:r="http://schemas.openxmlformats.org/officeDocument/2006/relationships" xmlns:p="http://schemas.openxmlformats.org/presentationml/2006/main">
+  <p:cSld>
+    <p:spTree>
+      <p:nvGrpSpPr>
+        <p:cNvPr id="1" name=""/>
+        <p:cNvGrpSpPr/>
+        <p:nvPr/>
+      </p:nvGrpSpPr>
+      <p:grpSpPr>
+        <a:xfrm>
+          <a:off x="0" y="0"/>
+          <a:ext cx="0" cy="0"/>
+          <a:chOff x="0" y="0"/>
+          <a:chExt cx="0" cy="0"/>
+        </a:xfrm>
+      </p:grpSpPr>
+      <p:sp>
+        <p:nvSpPr>
+          <p:cNvPr id="51" name="TextShape 1"/>
+          <p:cNvSpPr txBox="1"/>
+          <p:nvPr/>
+        </p:nvSpPr>
+        <p:spPr>
+          <a:xfrm>
+            <a:off x="1523880" y="299520"/>
+            <a:ext cx="9143640" cy="980640"/>
+          </a:xfrm>
+          <a:prstGeom prst="rect">
+            <a:avLst/>
+          </a:prstGeom>
+          <a:noFill/>
+          <a:ln>
+            <a:noFill/>
+          </a:ln>
+        </p:spPr>
+        <p:txBody>
+          <a:bodyPr anchor="b">
+            <a:noAutofit/>
+          </a:bodyPr>
+          <a:lstStyle/>
+          <a:p>
+            <a:pPr algn="ctr">
+              <a:lnSpc>
+                <a:spcPct val="90000"/>
+              </a:lnSpc>
+            </a:pPr>
+            <a:r>
+              <a:rPr lang="en-US" sz="4800" b="0" strike="noStrike" spc="-1">
+                <a:solidFill>
+                  <a:srgbClr val="000000"/>
+                </a:solidFill>
+                <a:latin typeface="Calibri Light"/>
+              </a:rPr>
+              <a:t>Where do actors come from</a:t>
+            </a:r>
+            <a:endParaRPr lang="en-US" sz="4800" b="0" strike="noStrike" spc="-1">
+              <a:solidFill>
+                <a:srgbClr val="000000"/>
+              </a:solidFill>
+              <a:latin typeface="Calibri"/>
+            </a:endParaRPr>
+          </a:p>
+        </p:txBody>
+      </p:sp>
+      <p:sp>
+        <p:nvSpPr>
+          <p:cNvPr id="52" name="TextShape 2"/>
+          <p:cNvSpPr txBox="1"/>
+          <p:nvPr/>
+        </p:nvSpPr>
+        <p:spPr>
+          <a:xfrm>
+            <a:off x="1554480" y="2228760"/>
+            <a:ext cx="9267840" cy="2617560"/>
+          </a:xfrm>
+          <a:prstGeom prst="rect">
+            <a:avLst/>
+          </a:prstGeom>
+          <a:noFill/>
+          <a:ln>
+            <a:noFill/>
+          </a:ln>
+        </p:spPr>
+        <p:txBody>
+          <a:bodyPr>
+            <a:normAutofit/>
+          </a:bodyPr>
+          <a:lstStyle/>
+          <a:p>
+            <a:pPr marL="216000" indent="-216000">
+              <a:lnSpc>
+                <a:spcPct val="90000"/>
+              </a:lnSpc>
+              <a:spcBef>
+                <a:spcPts val="1001"/>
+              </a:spcBef>
+              <a:buClr>
+                <a:srgbClr val="000000"/>
+              </a:buClr>
+              <a:buSzPct val="45000"/>
+              <a:buFont typeface="Wingdings" charset="2"/>
+              <a:buChar char=""/>
+              <a:tabLst>
+                <a:tab pos="0" algn="l"/>
+              </a:tabLst>
+            </a:pPr>
+            <a:r>
+              <a:rPr lang="en-US" sz="2400" b="0" strike="noStrike" spc="-1">
+                <a:solidFill>
+                  <a:srgbClr val="000000"/>
+                </a:solidFill>
+                <a:latin typeface="Calibri"/>
+              </a:rPr>
+              <a:t>Actors resemble human organization</a:t>
+            </a:r>
+            <a:endParaRPr lang="en-US" sz="2400" b="0" strike="noStrike" spc="-1">
+              <a:latin typeface="Arial"/>
+            </a:endParaRPr>
+          </a:p>
+          <a:p>
+            <a:pPr marL="216000" indent="-216000">
+              <a:lnSpc>
+                <a:spcPct val="90000"/>
+              </a:lnSpc>
+              <a:spcBef>
+                <a:spcPts val="1001"/>
+              </a:spcBef>
+              <a:buClr>
+                <a:srgbClr val="000000"/>
+              </a:buClr>
+              <a:buSzPct val="45000"/>
+              <a:buFont typeface="Wingdings" charset="2"/>
+              <a:buChar char=""/>
+              <a:tabLst>
+                <a:tab pos="0" algn="l"/>
+              </a:tabLst>
+            </a:pPr>
+            <a:endParaRPr lang="en-US" sz="2400" b="0" strike="noStrike" spc="-1">
+              <a:latin typeface="Arial"/>
+            </a:endParaRPr>
+          </a:p>
+          <a:p>
+            <a:pPr marL="216000" indent="-216000">
+              <a:lnSpc>
+                <a:spcPct val="90000"/>
+              </a:lnSpc>
+              <a:spcBef>
+                <a:spcPts val="1001"/>
+              </a:spcBef>
+              <a:buClr>
+                <a:srgbClr val="000000"/>
+              </a:buClr>
+              <a:buSzPct val="45000"/>
+              <a:buFont typeface="Wingdings" charset="2"/>
+              <a:buChar char=""/>
+              <a:tabLst>
+                <a:tab pos="0" algn="l"/>
+              </a:tabLst>
+            </a:pPr>
+            <a:r>
+              <a:rPr lang="en-US" sz="2400" b="0" strike="noStrike" spc="-1">
+                <a:solidFill>
+                  <a:srgbClr val="000000"/>
+                </a:solidFill>
+                <a:latin typeface="Calibri"/>
+              </a:rPr>
+              <a:t>Actors proposed usage for artificial intelligence</a:t>
+            </a:r>
+            <a:endParaRPr lang="en-US" sz="2400" b="0" strike="noStrike" spc="-1">
+              <a:latin typeface="Arial"/>
+            </a:endParaRPr>
+          </a:p>
+          <a:p>
+            <a:pPr marL="216000" indent="-216000">
+              <a:lnSpc>
+                <a:spcPct val="90000"/>
+              </a:lnSpc>
+              <a:spcBef>
+                <a:spcPts val="1001"/>
+              </a:spcBef>
+              <a:buClr>
+                <a:srgbClr val="000000"/>
+              </a:buClr>
+              <a:buSzPct val="45000"/>
+              <a:buFont typeface="Wingdings" charset="2"/>
+              <a:buChar char=""/>
+              <a:tabLst>
+                <a:tab pos="0" algn="l"/>
+              </a:tabLst>
+            </a:pPr>
+            <a:endParaRPr lang="en-US" sz="2400" b="0" strike="noStrike" spc="-1">
+              <a:latin typeface="Arial"/>
+            </a:endParaRPr>
+          </a:p>
+          <a:p>
+            <a:pPr marL="216000" indent="-216000">
+              <a:lnSpc>
+                <a:spcPct val="90000"/>
+              </a:lnSpc>
+              <a:spcBef>
+                <a:spcPts val="1001"/>
+              </a:spcBef>
+              <a:buClr>
+                <a:srgbClr val="000000"/>
+              </a:buClr>
+              <a:buSzPct val="45000"/>
+              <a:buFont typeface="Wingdings" charset="2"/>
+              <a:buChar char=""/>
+              <a:tabLst>
+                <a:tab pos="0" algn="l"/>
+              </a:tabLst>
+            </a:pPr>
+            <a:endParaRPr lang="en-US" sz="2400" b="0" strike="noStrike" spc="-1">
+              <a:latin typeface="Arial"/>
+            </a:endParaRPr>
+          </a:p>
+        </p:txBody>
+      </p:sp>
+    </p:spTree>
+  </p:cSld>
+  <p:clrMapOvr>
+    <a:masterClrMapping/>
+  </p:clrMapOvr>
+</p:sld>
+</file>
+
+<file path=ppt/slides/slide7.xml><?xml version="1.0" encoding="utf-8"?>
+<p:sld xmlns:a="http://schemas.openxmlformats.org/drawingml/2006/main" xmlns:r="http://schemas.openxmlformats.org/officeDocument/2006/relationships" xmlns:p="http://schemas.openxmlformats.org/presentationml/2006/main">
+  <p:cSld>
+    <p:spTree>
+      <p:nvGrpSpPr>
+        <p:cNvPr id="1" name=""/>
+        <p:cNvGrpSpPr/>
+        <p:nvPr/>
+      </p:nvGrpSpPr>
+      <p:grpSpPr>
+        <a:xfrm>
+          <a:off x="0" y="0"/>
+          <a:ext cx="0" cy="0"/>
+          <a:chOff x="0" y="0"/>
+          <a:chExt cx="0" cy="0"/>
+        </a:xfrm>
+      </p:grpSpPr>
+      <p:sp>
+        <p:nvSpPr>
+          <p:cNvPr id="53" name="TextShape 1"/>
+          <p:cNvSpPr txBox="1"/>
+          <p:nvPr/>
+        </p:nvSpPr>
+        <p:spPr>
+          <a:xfrm>
+            <a:off x="1343127" y="0"/>
+            <a:ext cx="9143640" cy="980640"/>
+          </a:xfrm>
+          <a:prstGeom prst="rect">
+            <a:avLst/>
+          </a:prstGeom>
+          <a:noFill/>
+          <a:ln>
+            <a:noFill/>
+          </a:ln>
+        </p:spPr>
+        <p:txBody>
+          <a:bodyPr anchor="b">
+            <a:noAutofit/>
+          </a:bodyPr>
+          <a:lstStyle/>
+          <a:p>
+            <a:pPr algn="ctr">
+              <a:lnSpc>
+                <a:spcPct val="90000"/>
+              </a:lnSpc>
+            </a:pPr>
+            <a:r>
+              <a:rPr lang="en-US" sz="4800" b="0" strike="noStrike" spc="-1" dirty="0">
+                <a:solidFill>
+                  <a:srgbClr val="000000"/>
+                </a:solidFill>
+                <a:latin typeface="Calibri Light"/>
+              </a:rPr>
+              <a:t>Why use actors</a:t>
+            </a:r>
+            <a:endParaRPr lang="en-US" sz="4800" b="0" strike="noStrike" spc="-1" dirty="0">
+              <a:solidFill>
+                <a:srgbClr val="000000"/>
+              </a:solidFill>
+              <a:latin typeface="Calibri"/>
+            </a:endParaRPr>
+          </a:p>
+        </p:txBody>
+      </p:sp>
+      <p:sp>
+        <p:nvSpPr>
+          <p:cNvPr id="54" name="TextShape 2"/>
+          <p:cNvSpPr txBox="1"/>
+          <p:nvPr/>
+        </p:nvSpPr>
+        <p:spPr>
+          <a:xfrm>
+            <a:off x="406164" y="2700669"/>
+            <a:ext cx="4942013" cy="3593805"/>
+          </a:xfrm>
+          <a:prstGeom prst="rect">
+            <a:avLst/>
+          </a:prstGeom>
+          <a:noFill/>
+          <a:ln>
+            <a:noFill/>
+          </a:ln>
+        </p:spPr>
+        <p:txBody>
+          <a:bodyPr>
+            <a:normAutofit lnSpcReduction="10000"/>
+          </a:bodyPr>
+          <a:lstStyle/>
+          <a:p>
+            <a:pPr marL="216000" indent="-216000">
+              <a:lnSpc>
+                <a:spcPct val="90000"/>
+              </a:lnSpc>
+              <a:spcBef>
+                <a:spcPts val="1001"/>
+              </a:spcBef>
+              <a:buClr>
+                <a:srgbClr val="000000"/>
+              </a:buClr>
+              <a:buSzPct val="45000"/>
+              <a:buFont typeface="Wingdings" charset="2"/>
+              <a:buChar char=""/>
+              <a:tabLst>
+                <a:tab pos="0" algn="l"/>
+              </a:tabLst>
+            </a:pPr>
+            <a:r>
+              <a:rPr lang="en-US" sz="2400" b="0" strike="noStrike" spc="-1" dirty="0">
+                <a:solidFill>
+                  <a:srgbClr val="000000"/>
+                </a:solidFill>
+                <a:latin typeface="Calibri"/>
+              </a:rPr>
+              <a:t>Simple API for multi-threading</a:t>
+            </a:r>
+            <a:endParaRPr lang="en-US" sz="2400" b="0" strike="noStrike" spc="-1" dirty="0">
+              <a:latin typeface="Arial"/>
+            </a:endParaRPr>
+          </a:p>
+          <a:p>
+            <a:pPr>
+              <a:lnSpc>
+                <a:spcPct val="90000"/>
+              </a:lnSpc>
+              <a:spcBef>
+                <a:spcPts val="1001"/>
+              </a:spcBef>
+              <a:buClr>
+                <a:srgbClr val="000000"/>
+              </a:buClr>
+              <a:buSzPct val="45000"/>
+              <a:tabLst>
+                <a:tab pos="0" algn="l"/>
+              </a:tabLst>
+            </a:pPr>
+            <a:endParaRPr lang="en-US" sz="2400" b="0" strike="noStrike" spc="-1" dirty="0">
+              <a:latin typeface="Arial"/>
+            </a:endParaRPr>
+          </a:p>
+          <a:p>
+            <a:pPr marL="216000" indent="-216000">
+              <a:lnSpc>
+                <a:spcPct val="90000"/>
+              </a:lnSpc>
+              <a:spcBef>
+                <a:spcPts val="1001"/>
+              </a:spcBef>
+              <a:buClr>
+                <a:srgbClr val="000000"/>
+              </a:buClr>
+              <a:buSzPct val="45000"/>
+              <a:buFont typeface="Wingdings" charset="2"/>
+              <a:buChar char=""/>
+              <a:tabLst>
+                <a:tab pos="0" algn="l"/>
+              </a:tabLst>
+            </a:pPr>
+            <a:r>
+              <a:rPr lang="en-US" sz="2400" b="0" strike="noStrike" spc="-1" dirty="0">
+                <a:solidFill>
+                  <a:srgbClr val="000000"/>
+                </a:solidFill>
+                <a:latin typeface="Calibri"/>
+              </a:rPr>
+              <a:t>Actors are easily created and easily removed</a:t>
+            </a:r>
+            <a:endParaRPr lang="en-US" sz="2400" b="0" strike="noStrike" spc="-1" dirty="0">
+              <a:latin typeface="Arial"/>
+            </a:endParaRPr>
+          </a:p>
+          <a:p>
+            <a:pPr marL="216000" indent="-216000">
+              <a:lnSpc>
+                <a:spcPct val="90000"/>
+              </a:lnSpc>
+              <a:spcBef>
+                <a:spcPts val="1001"/>
+              </a:spcBef>
+              <a:buClr>
+                <a:srgbClr val="000000"/>
+              </a:buClr>
+              <a:buSzPct val="45000"/>
+              <a:buFont typeface="Wingdings" charset="2"/>
+              <a:buChar char=""/>
+              <a:tabLst>
+                <a:tab pos="0" algn="l"/>
+              </a:tabLst>
+            </a:pPr>
+            <a:endParaRPr lang="en-US" sz="2400" b="0" strike="noStrike" spc="-1" dirty="0">
+              <a:latin typeface="Arial"/>
+            </a:endParaRPr>
+          </a:p>
+          <a:p>
+            <a:pPr marL="216000" indent="-216000">
+              <a:lnSpc>
+                <a:spcPct val="90000"/>
+              </a:lnSpc>
+              <a:spcBef>
+                <a:spcPts val="1001"/>
+              </a:spcBef>
+              <a:buClr>
+                <a:srgbClr val="000000"/>
+              </a:buClr>
+              <a:buSzPct val="45000"/>
+              <a:buFont typeface="Wingdings" charset="2"/>
+              <a:buChar char=""/>
+              <a:tabLst>
+                <a:tab pos="0" algn="l"/>
+              </a:tabLst>
+            </a:pPr>
+            <a:r>
+              <a:rPr lang="en-US" sz="2400" b="0" strike="noStrike" spc="-1" dirty="0">
+                <a:solidFill>
+                  <a:srgbClr val="000000"/>
+                </a:solidFill>
+                <a:latin typeface="Calibri"/>
+              </a:rPr>
+              <a:t>Automatically handle race conditions</a:t>
+            </a:r>
+            <a:endParaRPr lang="en-US" sz="2400" b="0" strike="noStrike" spc="-1" dirty="0">
+              <a:latin typeface="Arial"/>
+            </a:endParaRPr>
+          </a:p>
+          <a:p>
+            <a:pPr marL="216000" indent="-216000">
+              <a:lnSpc>
+                <a:spcPct val="90000"/>
+              </a:lnSpc>
+              <a:spcBef>
+                <a:spcPts val="1001"/>
+              </a:spcBef>
+              <a:buClr>
+                <a:srgbClr val="000000"/>
+              </a:buClr>
+              <a:buSzPct val="45000"/>
+              <a:buFont typeface="Wingdings" charset="2"/>
+              <a:buChar char=""/>
+              <a:tabLst>
+                <a:tab pos="0" algn="l"/>
+              </a:tabLst>
+            </a:pPr>
+            <a:endParaRPr lang="en-US" sz="2400" b="0" strike="noStrike" spc="-1" dirty="0">
+              <a:latin typeface="Arial"/>
+            </a:endParaRPr>
+          </a:p>
+          <a:p>
+            <a:pPr marL="216000" indent="-216000">
+              <a:lnSpc>
+                <a:spcPct val="90000"/>
+              </a:lnSpc>
+              <a:spcBef>
+                <a:spcPts val="1001"/>
+              </a:spcBef>
+              <a:buClr>
+                <a:srgbClr val="000000"/>
+              </a:buClr>
+              <a:buSzPct val="45000"/>
+              <a:buFont typeface="Wingdings" charset="2"/>
+              <a:buChar char=""/>
+              <a:tabLst>
+                <a:tab pos="0" algn="l"/>
+              </a:tabLst>
+            </a:pPr>
+            <a:r>
+              <a:rPr lang="en-US" sz="2400" b="0" strike="noStrike" spc="-1" dirty="0">
+                <a:solidFill>
+                  <a:srgbClr val="000000"/>
+                </a:solidFill>
+                <a:latin typeface="Calibri"/>
+              </a:rPr>
+              <a:t>No tight coupling</a:t>
+            </a:r>
+            <a:endParaRPr lang="en-US" sz="2400" b="0" strike="noStrike" spc="-1" dirty="0">
+              <a:latin typeface="Arial"/>
+            </a:endParaRPr>
+          </a:p>
+        </p:txBody>
+      </p:sp>
+      <p:sp>
+        <p:nvSpPr>
+          <p:cNvPr id="4" name="TextShape 2">
+            <a:extLst>
+              <a:ext uri="{FF2B5EF4-FFF2-40B4-BE49-F238E27FC236}">
+                <a16:creationId xmlns:a16="http://schemas.microsoft.com/office/drawing/2014/main" id="{A6365CDA-4443-5C46-8084-099D8FA565DF}"/>
+              </a:ext>
+            </a:extLst>
+          </p:cNvPr>
+          <p:cNvSpPr txBox="1"/>
+          <p:nvPr/>
+        </p:nvSpPr>
+        <p:spPr>
+          <a:xfrm>
+            <a:off x="6523430" y="2700669"/>
+            <a:ext cx="4942013" cy="3593805"/>
+          </a:xfrm>
+          <a:prstGeom prst="rect">
+            <a:avLst/>
+          </a:prstGeom>
+          <a:noFill/>
+          <a:ln>
+            <a:noFill/>
+          </a:ln>
+        </p:spPr>
+        <p:txBody>
+          <a:bodyPr>
+            <a:normAutofit/>
+          </a:bodyPr>
+          <a:lstStyle/>
+          <a:p>
+            <a:pPr marL="216000" indent="-216000">
+              <a:lnSpc>
+                <a:spcPct val="90000"/>
+              </a:lnSpc>
+              <a:spcBef>
+                <a:spcPts val="1001"/>
+              </a:spcBef>
+              <a:buClr>
+                <a:srgbClr val="000000"/>
+              </a:buClr>
+              <a:buSzPct val="45000"/>
+              <a:buFont typeface="Wingdings" charset="2"/>
+              <a:buChar char=""/>
+              <a:tabLst>
+                <a:tab pos="0" algn="l"/>
+              </a:tabLst>
+            </a:pPr>
+            <a:r>
+              <a:rPr lang="en-US" sz="2400" b="0" strike="noStrike" spc="-1" dirty="0">
+                <a:solidFill>
+                  <a:srgbClr val="000000"/>
+                </a:solidFill>
+                <a:latin typeface="Calibri"/>
+              </a:rPr>
+              <a:t>Actors are susceptible to deadlocks</a:t>
+            </a:r>
+            <a:endParaRPr lang="en-US" sz="2400" b="0" strike="noStrike" spc="-1" dirty="0">
+              <a:latin typeface="Arial"/>
+            </a:endParaRPr>
+          </a:p>
+          <a:p>
+            <a:pPr>
+              <a:lnSpc>
+                <a:spcPct val="90000"/>
+              </a:lnSpc>
+              <a:spcBef>
+                <a:spcPts val="1001"/>
+              </a:spcBef>
+              <a:buClr>
+                <a:srgbClr val="000000"/>
+              </a:buClr>
+              <a:buSzPct val="45000"/>
+              <a:tabLst>
+                <a:tab pos="0" algn="l"/>
+              </a:tabLst>
+            </a:pPr>
+            <a:endParaRPr lang="en-US" sz="2400" b="0" strike="noStrike" spc="-1" dirty="0">
+              <a:latin typeface="Arial"/>
+            </a:endParaRPr>
+          </a:p>
+          <a:p>
+            <a:pPr marL="216000" indent="-216000">
+              <a:lnSpc>
+                <a:spcPct val="90000"/>
+              </a:lnSpc>
+              <a:spcBef>
+                <a:spcPts val="1001"/>
+              </a:spcBef>
+              <a:buClr>
+                <a:srgbClr val="000000"/>
+              </a:buClr>
+              <a:buSzPct val="45000"/>
+              <a:buFont typeface="Wingdings" charset="2"/>
+              <a:buChar char=""/>
+              <a:tabLst>
+                <a:tab pos="0" algn="l"/>
+              </a:tabLst>
+            </a:pPr>
+            <a:r>
+              <a:rPr lang="en-US" sz="2400" b="0" strike="noStrike" spc="-1" dirty="0">
+                <a:solidFill>
+                  <a:srgbClr val="000000"/>
+                </a:solidFill>
+                <a:latin typeface="Calibri"/>
+              </a:rPr>
+              <a:t>Actor’s mailbox can overflow</a:t>
+            </a:r>
+            <a:br>
+              <a:rPr lang="en-US" sz="2400" b="0" strike="noStrike" spc="-1" dirty="0">
+                <a:solidFill>
+                  <a:srgbClr val="000000"/>
+                </a:solidFill>
+                <a:latin typeface="Calibri"/>
+              </a:rPr>
+            </a:br>
+            <a:endParaRPr lang="en-US" sz="2400" b="0" strike="noStrike" spc="-1" dirty="0">
+              <a:solidFill>
+                <a:srgbClr val="000000"/>
+              </a:solidFill>
+              <a:latin typeface="Calibri"/>
+            </a:endParaRPr>
+          </a:p>
+          <a:p>
+            <a:pPr marL="216000" indent="-216000">
+              <a:lnSpc>
+                <a:spcPct val="90000"/>
+              </a:lnSpc>
+              <a:spcBef>
+                <a:spcPts val="1001"/>
+              </a:spcBef>
+              <a:buClr>
+                <a:srgbClr val="000000"/>
+              </a:buClr>
+              <a:buSzPct val="45000"/>
+              <a:buFont typeface="Wingdings" charset="2"/>
+              <a:buChar char=""/>
+              <a:tabLst>
+                <a:tab pos="0" algn="l"/>
+              </a:tabLst>
+            </a:pPr>
+            <a:r>
+              <a:rPr lang="en-US" sz="2400" spc="-1" dirty="0">
+                <a:solidFill>
+                  <a:srgbClr val="000000"/>
+                </a:solidFill>
+                <a:latin typeface="Calibri"/>
+              </a:rPr>
+              <a:t>Requires developer to be more diligent in handling multi-threading challenges</a:t>
+            </a:r>
+            <a:endParaRPr lang="en-US" sz="2400" b="0" strike="noStrike" spc="-1" dirty="0">
+              <a:latin typeface="Arial"/>
+            </a:endParaRPr>
+          </a:p>
+        </p:txBody>
+      </p:sp>
+      <p:sp>
+        <p:nvSpPr>
+          <p:cNvPr id="5" name="TextShape 1">
+            <a:extLst>
+              <a:ext uri="{FF2B5EF4-FFF2-40B4-BE49-F238E27FC236}">
+                <a16:creationId xmlns:a16="http://schemas.microsoft.com/office/drawing/2014/main" id="{AAE3EF12-965A-9D48-996A-50A44CF7AD97}"/>
+              </a:ext>
+            </a:extLst>
+          </p:cNvPr>
+          <p:cNvSpPr txBox="1"/>
+          <p:nvPr/>
+        </p:nvSpPr>
+        <p:spPr>
+          <a:xfrm>
+            <a:off x="406164" y="1287761"/>
+            <a:ext cx="4607562" cy="1105787"/>
+          </a:xfrm>
+          <a:prstGeom prst="rect">
+            <a:avLst/>
+          </a:prstGeom>
+          <a:noFill/>
+          <a:ln>
+            <a:noFill/>
+          </a:ln>
+        </p:spPr>
+        <p:txBody>
+          <a:bodyPr anchor="b">
+            <a:noAutofit/>
+          </a:bodyPr>
+          <a:lstStyle/>
+          <a:p>
+            <a:pPr algn="ctr">
+              <a:lnSpc>
+                <a:spcPct val="90000"/>
+              </a:lnSpc>
+            </a:pPr>
+            <a:r>
+              <a:rPr lang="en-US" sz="4800" b="0" strike="noStrike" spc="-1" dirty="0">
+                <a:solidFill>
+                  <a:srgbClr val="000000"/>
+                </a:solidFill>
+                <a:latin typeface="Calibri Light"/>
+              </a:rPr>
+              <a:t>PROS</a:t>
+            </a:r>
+            <a:endParaRPr lang="en-US" sz="4800" b="0" strike="noStrike" spc="-1" dirty="0">
+              <a:solidFill>
+                <a:srgbClr val="000000"/>
+              </a:solidFill>
+              <a:latin typeface="Calibri"/>
+            </a:endParaRPr>
+          </a:p>
+        </p:txBody>
+      </p:sp>
+      <p:sp>
+        <p:nvSpPr>
+          <p:cNvPr id="6" name="TextShape 1">
+            <a:extLst>
+              <a:ext uri="{FF2B5EF4-FFF2-40B4-BE49-F238E27FC236}">
+                <a16:creationId xmlns:a16="http://schemas.microsoft.com/office/drawing/2014/main" id="{687FCAFB-040E-FD4A-92FD-B36DBE084954}"/>
+              </a:ext>
+            </a:extLst>
+          </p:cNvPr>
+          <p:cNvSpPr txBox="1"/>
+          <p:nvPr/>
+        </p:nvSpPr>
+        <p:spPr>
+          <a:xfrm>
+            <a:off x="6857881" y="1287761"/>
+            <a:ext cx="4607562" cy="1105787"/>
+          </a:xfrm>
+          <a:prstGeom prst="rect">
+            <a:avLst/>
+          </a:prstGeom>
+          <a:noFill/>
+          <a:ln>
+            <a:noFill/>
+          </a:ln>
+        </p:spPr>
+        <p:txBody>
+          <a:bodyPr anchor="b">
+            <a:noAutofit/>
+          </a:bodyPr>
+          <a:lstStyle/>
+          <a:p>
+            <a:pPr algn="ctr">
+              <a:lnSpc>
+                <a:spcPct val="90000"/>
+              </a:lnSpc>
+            </a:pPr>
+            <a:r>
+              <a:rPr lang="en-US" sz="4800" b="0" strike="noStrike" spc="-1" dirty="0">
+                <a:solidFill>
+                  <a:srgbClr val="000000"/>
+                </a:solidFill>
+                <a:latin typeface="Calibri Light"/>
+              </a:rPr>
+              <a:t>CONS</a:t>
+            </a:r>
+            <a:endParaRPr lang="en-US" sz="4800" b="0" strike="noStrike" spc="-1" dirty="0">
+              <a:solidFill>
+                <a:srgbClr val="000000"/>
+              </a:solidFill>
+              <a:latin typeface="Calibri"/>
+            </a:endParaRPr>
+          </a:p>
+        </p:txBody>
+      </p:sp>
+    </p:spTree>
+  </p:cSld>
+  <p:clrMapOvr>
+    <a:masterClrMapping/>
+  </p:clrMapOvr>
+</p:sld>
+</file>
+
+<file path=ppt/slides/slide8.xml><?xml version="1.0" encoding="utf-8"?>
+<p:sld xmlns:a="http://schemas.openxmlformats.org/drawingml/2006/main" xmlns:r="http://schemas.openxmlformats.org/officeDocument/2006/relationships" xmlns:p="http://schemas.openxmlformats.org/presentationml/2006/main">
+  <p:cSld>
+    <p:spTree>
+      <p:nvGrpSpPr>
+        <p:cNvPr id="1" name=""/>
+        <p:cNvGrpSpPr/>
+        <p:nvPr/>
+      </p:nvGrpSpPr>
+      <p:grpSpPr>
+        <a:xfrm>
+          <a:off x="0" y="0"/>
+          <a:ext cx="0" cy="0"/>
+          <a:chOff x="0" y="0"/>
+          <a:chExt cx="0" cy="0"/>
+        </a:xfrm>
+      </p:grpSpPr>
+      <p:sp>
+        <p:nvSpPr>
+          <p:cNvPr id="41" name="TextShape 1"/>
+          <p:cNvSpPr txBox="1"/>
+          <p:nvPr/>
+        </p:nvSpPr>
+        <p:spPr>
+          <a:xfrm>
+            <a:off x="1523880" y="510363"/>
+            <a:ext cx="9143640" cy="1308700"/>
+          </a:xfrm>
+          <a:prstGeom prst="rect">
+            <a:avLst/>
+          </a:prstGeom>
+          <a:noFill/>
+          <a:ln>
+            <a:noFill/>
+          </a:ln>
+        </p:spPr>
+        <p:txBody>
+          <a:bodyPr anchor="b">
+            <a:noAutofit/>
+          </a:bodyPr>
+          <a:lstStyle/>
+          <a:p>
+            <a:pPr algn="ctr">
+              <a:lnSpc>
+                <a:spcPct val="90000"/>
+              </a:lnSpc>
+            </a:pPr>
+            <a:r>
+              <a:rPr lang="en-US" sz="6000" b="0" strike="noStrike" spc="-1" dirty="0">
+                <a:solidFill>
+                  <a:srgbClr val="000000"/>
+                </a:solidFill>
+                <a:latin typeface="Calibri Light"/>
+              </a:rPr>
+              <a:t>Example / Demo</a:t>
+            </a:r>
+            <a:endParaRPr lang="en-US" sz="6000" b="0" strike="noStrike" spc="-1" dirty="0">
+              <a:solidFill>
+                <a:srgbClr val="000000"/>
+              </a:solidFill>
+              <a:latin typeface="Calibri"/>
+            </a:endParaRPr>
+          </a:p>
+        </p:txBody>
+      </p:sp>
+      <p:sp>
+        <p:nvSpPr>
+          <p:cNvPr id="42" name="TextShape 2"/>
+          <p:cNvSpPr txBox="1"/>
+          <p:nvPr/>
+        </p:nvSpPr>
+        <p:spPr>
+          <a:xfrm>
+            <a:off x="1461780" y="2443095"/>
+            <a:ext cx="9267840" cy="2617560"/>
+          </a:xfrm>
+          <a:prstGeom prst="rect">
+            <a:avLst/>
+          </a:prstGeom>
+          <a:noFill/>
+          <a:ln>
+            <a:noFill/>
+          </a:ln>
+        </p:spPr>
+        <p:txBody>
+          <a:bodyPr>
+            <a:normAutofit/>
+          </a:bodyPr>
+          <a:lstStyle/>
+          <a:p>
+            <a:pPr algn="ctr">
+              <a:lnSpc>
+                <a:spcPct val="90000"/>
+              </a:lnSpc>
+              <a:spcBef>
+                <a:spcPts val="1001"/>
+              </a:spcBef>
+              <a:tabLst>
+                <a:tab pos="0" algn="l"/>
+              </a:tabLst>
+            </a:pPr>
+            <a:r>
+              <a:rPr lang="en-US" sz="2400" b="0" strike="noStrike" spc="-1" dirty="0">
+                <a:solidFill>
+                  <a:srgbClr val="000000"/>
+                </a:solidFill>
+                <a:latin typeface="Calibri"/>
+              </a:rPr>
+              <a:t>Using </a:t>
+            </a:r>
+            <a:r>
+              <a:rPr lang="en-US" sz="2400" b="0" strike="noStrike" spc="-1" dirty="0" err="1">
+                <a:solidFill>
+                  <a:srgbClr val="000000"/>
+                </a:solidFill>
+                <a:latin typeface="Calibri"/>
+              </a:rPr>
+              <a:t>Akka</a:t>
+            </a:r>
+            <a:r>
+              <a:rPr lang="en-US" sz="2400" b="0" strike="noStrike" spc="-1" dirty="0">
+                <a:solidFill>
+                  <a:srgbClr val="000000"/>
+                </a:solidFill>
+                <a:latin typeface="Calibri"/>
+              </a:rPr>
+              <a:t> Actor Framework</a:t>
+            </a:r>
+            <a:br>
+              <a:rPr lang="en-US" sz="2400" b="0" strike="noStrike" spc="-1" dirty="0">
+                <a:solidFill>
+                  <a:srgbClr val="000000"/>
+                </a:solidFill>
+                <a:latin typeface="Calibri"/>
+              </a:rPr>
+            </a:br>
+            <a:r>
+              <a:rPr lang="en-US" sz="2400" b="0" strike="noStrike" spc="-1" dirty="0">
+                <a:solidFill>
+                  <a:srgbClr val="000000"/>
+                </a:solidFill>
+                <a:latin typeface="Calibri"/>
+                <a:hlinkClick r:id="rId2"/>
+              </a:rPr>
+              <a:t>https://akka.io/</a:t>
+            </a:r>
+            <a:br>
+              <a:rPr lang="en-US" sz="2400" b="0" strike="noStrike" spc="-1" dirty="0">
+                <a:solidFill>
+                  <a:srgbClr val="000000"/>
+                </a:solidFill>
+                <a:latin typeface="Calibri"/>
+              </a:rPr>
+            </a:br>
+            <a:br>
+              <a:rPr lang="en-US" sz="2400" b="0" strike="noStrike" spc="-1" dirty="0">
+                <a:solidFill>
+                  <a:srgbClr val="000000"/>
+                </a:solidFill>
+                <a:latin typeface="Calibri"/>
+              </a:rPr>
+            </a:br>
+            <a:r>
+              <a:rPr lang="en-US" sz="2400" b="0" strike="noStrike" spc="-1" dirty="0">
+                <a:solidFill>
+                  <a:srgbClr val="000000"/>
+                </a:solidFill>
+                <a:latin typeface="Calibri"/>
+                <a:hlinkClick r:id="rId3"/>
+              </a:rPr>
+              <a:t>https://developer.lightbend.com/guides/akka-quickstart-scala/</a:t>
+            </a:r>
+            <a:endParaRPr lang="en-US" sz="2400" b="0" strike="noStrike" spc="-1" dirty="0">
+              <a:solidFill>
+                <a:srgbClr val="000000"/>
+              </a:solidFill>
+              <a:latin typeface="Calibri"/>
+            </a:endParaRPr>
+          </a:p>
+          <a:p>
+            <a:pPr algn="ctr">
+              <a:lnSpc>
+                <a:spcPct val="90000"/>
+              </a:lnSpc>
+              <a:spcBef>
+                <a:spcPts val="1001"/>
+              </a:spcBef>
+              <a:tabLst>
+                <a:tab pos="0" algn="l"/>
+              </a:tabLst>
+            </a:pPr>
+            <a:endParaRPr lang="en-US" sz="2400" b="0" strike="noStrike" spc="-1" dirty="0">
+              <a:solidFill>
+                <a:srgbClr val="000000"/>
+              </a:solidFill>
+              <a:latin typeface="Calibri"/>
+            </a:endParaRPr>
+          </a:p>
+          <a:p>
+            <a:pPr algn="ctr">
+              <a:lnSpc>
+                <a:spcPct val="90000"/>
+              </a:lnSpc>
+              <a:spcBef>
+                <a:spcPts val="1001"/>
+              </a:spcBef>
+              <a:tabLst>
+                <a:tab pos="0" algn="l"/>
+              </a:tabLst>
+            </a:pPr>
+            <a:endParaRPr lang="en-US" sz="2400" spc="-1" dirty="0">
+              <a:solidFill>
+                <a:srgbClr val="000000"/>
+              </a:solidFill>
+              <a:latin typeface="Calibri"/>
+            </a:endParaRPr>
+          </a:p>
+          <a:p>
+            <a:pPr algn="ctr">
+              <a:lnSpc>
+                <a:spcPct val="90000"/>
+              </a:lnSpc>
+              <a:spcBef>
+                <a:spcPts val="1001"/>
+              </a:spcBef>
+              <a:tabLst>
+                <a:tab pos="0" algn="l"/>
+              </a:tabLst>
+            </a:pPr>
+            <a:endParaRPr lang="en-US" sz="2400" b="0" strike="noStrike" spc="-1" dirty="0">
+              <a:latin typeface="Arial"/>
+            </a:endParaRPr>
+          </a:p>
+        </p:txBody>
+      </p:sp>
+      <p:pic>
+        <p:nvPicPr>
+          <p:cNvPr id="2" name="Picture 1">
+            <a:extLst>
+              <a:ext uri="{FF2B5EF4-FFF2-40B4-BE49-F238E27FC236}">
+                <a16:creationId xmlns:a16="http://schemas.microsoft.com/office/drawing/2014/main" id="{AF25919B-00A9-7D4D-898A-D47F5D46872C}"/>
+              </a:ext>
+            </a:extLst>
+          </p:cNvPr>
+          <p:cNvPicPr>
+            <a:picLocks noChangeAspect="1"/>
+          </p:cNvPicPr>
+          <p:nvPr/>
+        </p:nvPicPr>
+        <p:blipFill>
+          <a:blip r:embed="rId4"/>
+          <a:stretch>
+            <a:fillRect/>
+          </a:stretch>
+        </p:blipFill>
+        <p:spPr>
+          <a:xfrm>
+            <a:off x="4190700" y="4547889"/>
+            <a:ext cx="3810000" cy="1562100"/>
+          </a:xfrm>
+          <a:prstGeom prst="rect">
+            <a:avLst/>
+          </a:prstGeom>
+        </p:spPr>
+      </p:pic>
+    </p:spTree>
+    <p:extLst>
+      <p:ext uri="{BB962C8B-B14F-4D97-AF65-F5344CB8AC3E}">
+        <p14:creationId xmlns:p14="http://schemas.microsoft.com/office/powerpoint/2010/main" val="2283818632"/>
+      </p:ext>
+    </p:extLst>
+  </p:cSld>
+  <p:clrMapOvr>
+    <a:masterClrMapping/>
+  </p:clrMapOvr>
+</p:sld>
+</file>
+
+<file path=ppt/slides/slide9.xml><?xml version="1.0" encoding="utf-8"?>
+<p:sld xmlns:a="http://schemas.openxmlformats.org/drawingml/2006/main" xmlns:r="http://schemas.openxmlformats.org/officeDocument/2006/relationships" xmlns:p="http://schemas.openxmlformats.org/presentationml/2006/main">
+  <p:cSld>
+    <p:spTree>
+      <p:nvGrpSpPr>
+        <p:cNvPr id="1" name=""/>
+        <p:cNvGrpSpPr/>
+        <p:nvPr/>
+      </p:nvGrpSpPr>
+      <p:grpSpPr>
+        <a:xfrm>
+          <a:off x="0" y="0"/>
+          <a:ext cx="0" cy="0"/>
+          <a:chOff x="0" y="0"/>
+          <a:chExt cx="0" cy="0"/>
+        </a:xfrm>
+      </p:grpSpPr>
+      <p:sp>
+        <p:nvSpPr>
+          <p:cNvPr id="2" name="Title 1">
+            <a:extLst>
+              <a:ext uri="{FF2B5EF4-FFF2-40B4-BE49-F238E27FC236}">
+                <a16:creationId xmlns:a16="http://schemas.microsoft.com/office/drawing/2014/main" id="{C069173C-FE96-8449-92E9-36016BE62CC6}"/>
+              </a:ext>
+            </a:extLst>
+          </p:cNvPr>
+          <p:cNvSpPr>
+            <a:spLocks noGrp="1"/>
+          </p:cNvSpPr>
+          <p:nvPr>
+            <p:ph type="title"/>
+          </p:nvPr>
+        </p:nvSpPr>
+        <p:spPr>
+          <a:xfrm>
+            <a:off x="1353760" y="101755"/>
+            <a:ext cx="9087413" cy="1408069"/>
+          </a:xfrm>
+        </p:spPr>
+        <p:txBody>
+          <a:bodyPr/>
+          <a:lstStyle/>
+          <a:p>
+            <a:pPr algn="ctr"/>
+            <a:r>
+              <a:rPr lang="en-US" dirty="0" err="1"/>
+              <a:t>akka.actor.Actor</a:t>
+            </a:r>
+            <a:endParaRPr lang="en-US" dirty="0"/>
+          </a:p>
+        </p:txBody>
+      </p:sp>
+      <p:sp>
+        <p:nvSpPr>
+          <p:cNvPr id="4" name="TextBox 3">
+            <a:extLst>
+              <a:ext uri="{FF2B5EF4-FFF2-40B4-BE49-F238E27FC236}">
+                <a16:creationId xmlns:a16="http://schemas.microsoft.com/office/drawing/2014/main" id="{660A604D-FAA4-8045-B01D-E315B3838638}"/>
+              </a:ext>
+            </a:extLst>
+          </p:cNvPr>
+          <p:cNvSpPr txBox="1"/>
+          <p:nvPr/>
+        </p:nvSpPr>
+        <p:spPr>
+          <a:xfrm>
+            <a:off x="1010092" y="1509824"/>
+            <a:ext cx="10515601" cy="4524315"/>
+          </a:xfrm>
+          <a:prstGeom prst="rect">
+            <a:avLst/>
+          </a:prstGeom>
+          <a:noFill/>
+        </p:spPr>
+        <p:txBody>
+          <a:bodyPr wrap="square" rtlCol="0">
+            <a:spAutoFit/>
+          </a:bodyPr>
+          <a:lstStyle/>
+          <a:p>
+            <a:r>
+              <a:rPr lang="en-US" sz="2400" dirty="0">
+                <a:hlinkClick r:id="rId2"/>
+              </a:rPr>
+              <a:t>https://doc.akka.io/api/akka/current/akka/actor/Actor.html</a:t>
+            </a:r>
+            <a:br>
+              <a:rPr lang="en-US" sz="2400" dirty="0"/>
+            </a:br>
+            <a:endParaRPr lang="en-US" sz="2400" dirty="0"/>
+          </a:p>
+          <a:p>
+            <a:pPr marL="285750" indent="-285750">
+              <a:buFont typeface="Arial" panose="020B0604020202020204" pitchFamily="34" charset="0"/>
+              <a:buChar char="•"/>
+            </a:pPr>
+            <a:r>
+              <a:rPr lang="en-US" sz="2400" dirty="0"/>
+              <a:t>Actor base trait, intended to be extended by user defined actor classes.</a:t>
+            </a:r>
+            <a:br>
+              <a:rPr lang="en-US" sz="2400" dirty="0"/>
+            </a:br>
+            <a:endParaRPr lang="en-US" sz="2400" dirty="0"/>
+          </a:p>
+          <a:p>
+            <a:pPr marL="285750" indent="-285750">
+              <a:buFont typeface="Arial" panose="020B0604020202020204" pitchFamily="34" charset="0"/>
+              <a:buChar char="•"/>
+            </a:pPr>
+            <a:r>
+              <a:rPr lang="en-US" sz="2400" dirty="0"/>
+              <a:t>Extended actor classes need to defined the `receive` method to determine how the actor will handle incoming messages</a:t>
+            </a:r>
+            <a:br>
+              <a:rPr lang="en-US" sz="2400" dirty="0"/>
+            </a:br>
+            <a:endParaRPr lang="en-US" sz="2400" dirty="0"/>
+          </a:p>
+          <a:p>
+            <a:pPr marL="285750" indent="-285750">
+              <a:buFont typeface="Arial" panose="020B0604020202020204" pitchFamily="34" charset="0"/>
+              <a:buChar char="•"/>
+            </a:pPr>
+            <a:r>
+              <a:rPr lang="en-US" sz="2400" dirty="0"/>
+              <a:t>Contains useful `self` member variable that holds an `</a:t>
+            </a:r>
+            <a:r>
+              <a:rPr lang="en-US" sz="2400" dirty="0" err="1"/>
+              <a:t>ActorRef</a:t>
+            </a:r>
+            <a:r>
+              <a:rPr lang="en-US" sz="2400" dirty="0"/>
+              <a:t>`, a context/reference to the actor that can be passed by message to other actors.</a:t>
+            </a:r>
+            <a:br>
+              <a:rPr lang="en-US" sz="2400" dirty="0"/>
+            </a:br>
+            <a:endParaRPr lang="en-US" sz="2400" dirty="0"/>
+          </a:p>
+          <a:p>
+            <a:pPr marL="285750" indent="-285750">
+              <a:buFont typeface="Arial" panose="020B0604020202020204" pitchFamily="34" charset="0"/>
+              <a:buChar char="•"/>
+            </a:pPr>
+            <a:r>
+              <a:rPr lang="en-US" sz="2400" dirty="0"/>
+              <a:t>Not to be confused with </a:t>
+            </a:r>
+            <a:r>
+              <a:rPr lang="en-US" sz="2400" dirty="0" err="1"/>
+              <a:t>scala.actor.actor</a:t>
+            </a:r>
+            <a:r>
+              <a:rPr lang="en-US" sz="2400" dirty="0"/>
+              <a:t> (deprecated).</a:t>
+            </a:r>
+          </a:p>
+        </p:txBody>
+      </p:sp>
+    </p:spTree>
+    <p:extLst>
+      <p:ext uri="{BB962C8B-B14F-4D97-AF65-F5344CB8AC3E}">
+        <p14:creationId xmlns:p14="http://schemas.microsoft.com/office/powerpoint/2010/main" val="2274528628"/>
+      </p:ext>
+    </p:extLst>
+  </p:cSld>
+  <p:clrMapOvr>
+    <a:masterClrMapping/>
+  </p:clrMapOvr>
 </p:sld>
 </file>
 
@@ -3644,34 +5529,34 @@
         <a:sysClr val="window" lastClr="FFFFFF"/>
       </a:lt1>
       <a:dk2>
-        <a:srgbClr val="44546a"/>
+        <a:srgbClr val="44546A"/>
       </a:dk2>
       <a:lt2>
-        <a:srgbClr val="e7e6e6"/>
+        <a:srgbClr val="E7E6E6"/>
       </a:lt2>
       <a:accent1>
-        <a:srgbClr val="4472c4"/>
+        <a:srgbClr val="4472C4"/>
       </a:accent1>
       <a:accent2>
-        <a:srgbClr val="ed7d31"/>
+        <a:srgbClr val="ED7D31"/>
       </a:accent2>
       <a:accent3>
-        <a:srgbClr val="a5a5a5"/>
+        <a:srgbClr val="A5A5A5"/>
       </a:accent3>
       <a:accent4>
-        <a:srgbClr val="ffc000"/>
+        <a:srgbClr val="FFC000"/>
       </a:accent4>
       <a:accent5>
-        <a:srgbClr val="5b9bd5"/>
+        <a:srgbClr val="5B9BD5"/>
       </a:accent5>
       <a:accent6>
-        <a:srgbClr val="70ad47"/>
+        <a:srgbClr val="70AD47"/>
       </a:accent6>
       <a:hlink>
-        <a:srgbClr val="0563c1"/>
+        <a:srgbClr val="0563C1"/>
       </a:hlink>
       <a:folHlink>
-        <a:srgbClr val="954f72"/>
+        <a:srgbClr val="954F72"/>
       </a:folHlink>
     </a:clrScheme>
     <a:fontScheme name="Office">
@@ -3856,5 +5741,302 @@
       </a:bgFillStyleLst>
     </a:fmtScheme>
   </a:themeElements>
+  <a:objectDefaults/>
+  <a:extraClrSchemeLst/>
+</a:theme>
+</file>
+
+<file path=ppt/theme/theme2.xml><?xml version="1.0" encoding="utf-8"?>
+<a:theme xmlns:a="http://schemas.openxmlformats.org/drawingml/2006/main" name="Office Theme">
+  <a:themeElements>
+    <a:clrScheme name="Office">
+      <a:dk1>
+        <a:sysClr val="windowText" lastClr="000000"/>
+      </a:dk1>
+      <a:lt1>
+        <a:sysClr val="window" lastClr="FFFFFF"/>
+      </a:lt1>
+      <a:dk2>
+        <a:srgbClr val="44546A"/>
+      </a:dk2>
+      <a:lt2>
+        <a:srgbClr val="E7E6E6"/>
+      </a:lt2>
+      <a:accent1>
+        <a:srgbClr val="4472C4"/>
+      </a:accent1>
+      <a:accent2>
+        <a:srgbClr val="ED7D31"/>
+      </a:accent2>
+      <a:accent3>
+        <a:srgbClr val="A5A5A5"/>
+      </a:accent3>
+      <a:accent4>
+        <a:srgbClr val="FFC000"/>
+      </a:accent4>
+      <a:accent5>
+        <a:srgbClr val="5B9BD5"/>
+      </a:accent5>
+      <a:accent6>
+        <a:srgbClr val="70AD47"/>
+      </a:accent6>
+      <a:hlink>
+        <a:srgbClr val="0563C1"/>
+      </a:hlink>
+      <a:folHlink>
+        <a:srgbClr val="954F72"/>
+      </a:folHlink>
+    </a:clrScheme>
+    <a:fontScheme name="Office">
+      <a:majorFont>
+        <a:latin typeface="Calibri Light" panose="020F0302020204030204"/>
+        <a:ea typeface=""/>
+        <a:cs typeface=""/>
+        <a:font script="Jpan" typeface="游ゴシック Light"/>
+        <a:font script="Hang" typeface="맑은 고딕"/>
+        <a:font script="Hans" typeface="等线 Light"/>
+        <a:font script="Hant" typeface="新細明體"/>
+        <a:font script="Arab" typeface="Times New Roman"/>
+        <a:font script="Hebr" typeface="Times New Roman"/>
+        <a:font script="Thai" typeface="Angsana New"/>
+        <a:font script="Ethi" typeface="Nyala"/>
+        <a:font script="Beng" typeface="Vrinda"/>
+        <a:font script="Gujr" typeface="Shruti"/>
+        <a:font script="Khmr" typeface="MoolBoran"/>
+        <a:font script="Knda" typeface="Tunga"/>
+        <a:font script="Guru" typeface="Raavi"/>
+        <a:font script="Cans" typeface="Euphemia"/>
+        <a:font script="Cher" typeface="Plantagenet Cherokee"/>
+        <a:font script="Yiii" typeface="Microsoft Yi Baiti"/>
+        <a:font script="Tibt" typeface="Microsoft Himalaya"/>
+        <a:font script="Thaa" typeface="MV Boli"/>
+        <a:font script="Deva" typeface="Mangal"/>
+        <a:font script="Telu" typeface="Gautami"/>
+        <a:font script="Taml" typeface="Latha"/>
+        <a:font script="Syrc" typeface="Estrangelo Edessa"/>
+        <a:font script="Orya" typeface="Kalinga"/>
+        <a:font script="Mlym" typeface="Kartika"/>
+        <a:font script="Laoo" typeface="DokChampa"/>
+        <a:font script="Sinh" typeface="Iskoola Pota"/>
+        <a:font script="Mong" typeface="Mongolian Baiti"/>
+        <a:font script="Viet" typeface="Times New Roman"/>
+        <a:font script="Uigh" typeface="Microsoft Uighur"/>
+        <a:font script="Geor" typeface="Sylfaen"/>
+        <a:font script="Armn" typeface="Arial"/>
+        <a:font script="Bugi" typeface="Leelawadee UI"/>
+        <a:font script="Bopo" typeface="Microsoft JhengHei"/>
+        <a:font script="Java" typeface="Javanese Text"/>
+        <a:font script="Lisu" typeface="Segoe UI"/>
+        <a:font script="Mymr" typeface="Myanmar Text"/>
+        <a:font script="Nkoo" typeface="Ebrima"/>
+        <a:font script="Olck" typeface="Nirmala UI"/>
+        <a:font script="Osma" typeface="Ebrima"/>
+        <a:font script="Phag" typeface="Phagspa"/>
+        <a:font script="Syrn" typeface="Estrangelo Edessa"/>
+        <a:font script="Syrj" typeface="Estrangelo Edessa"/>
+        <a:font script="Syre" typeface="Estrangelo Edessa"/>
+        <a:font script="Sora" typeface="Nirmala UI"/>
+        <a:font script="Tale" typeface="Microsoft Tai Le"/>
+        <a:font script="Talu" typeface="Microsoft New Tai Lue"/>
+        <a:font script="Tfng" typeface="Ebrima"/>
+      </a:majorFont>
+      <a:minorFont>
+        <a:latin typeface="Calibri" panose="020F0502020204030204"/>
+        <a:ea typeface=""/>
+        <a:cs typeface=""/>
+        <a:font script="Jpan" typeface="游ゴシック"/>
+        <a:font script="Hang" typeface="맑은 고딕"/>
+        <a:font script="Hans" typeface="等线"/>
+        <a:font script="Hant" typeface="新細明體"/>
+        <a:font script="Arab" typeface="Arial"/>
+        <a:font script="Hebr" typeface="Arial"/>
+        <a:font script="Thai" typeface="Cordia New"/>
+        <a:font script="Ethi" typeface="Nyala"/>
+        <a:font script="Beng" typeface="Vrinda"/>
+        <a:font script="Gujr" typeface="Shruti"/>
+        <a:font script="Khmr" typeface="DaunPenh"/>
+        <a:font script="Knda" typeface="Tunga"/>
+        <a:font script="Guru" typeface="Raavi"/>
+        <a:font script="Cans" typeface="Euphemia"/>
+        <a:font script="Cher" typeface="Plantagenet Cherokee"/>
+        <a:font script="Yiii" typeface="Microsoft Yi Baiti"/>
+        <a:font script="Tibt" typeface="Microsoft Himalaya"/>
+        <a:font script="Thaa" typeface="MV Boli"/>
+        <a:font script="Deva" typeface="Mangal"/>
+        <a:font script="Telu" typeface="Gautami"/>
+        <a:font script="Taml" typeface="Latha"/>
+        <a:font script="Syrc" typeface="Estrangelo Edessa"/>
+        <a:font script="Orya" typeface="Kalinga"/>
+        <a:font script="Mlym" typeface="Kartika"/>
+        <a:font script="Laoo" typeface="DokChampa"/>
+        <a:font script="Sinh" typeface="Iskoola Pota"/>
+        <a:font script="Mong" typeface="Mongolian Baiti"/>
+        <a:font script="Viet" typeface="Arial"/>
+        <a:font script="Uigh" typeface="Microsoft Uighur"/>
+        <a:font script="Geor" typeface="Sylfaen"/>
+        <a:font script="Armn" typeface="Arial"/>
+        <a:font script="Bugi" typeface="Leelawadee UI"/>
+        <a:font script="Bopo" typeface="Microsoft JhengHei"/>
+        <a:font script="Java" typeface="Javanese Text"/>
+        <a:font script="Lisu" typeface="Segoe UI"/>
+        <a:font script="Mymr" typeface="Myanmar Text"/>
+        <a:font script="Nkoo" typeface="Ebrima"/>
+        <a:font script="Olck" typeface="Nirmala UI"/>
+        <a:font script="Osma" typeface="Ebrima"/>
+        <a:font script="Phag" typeface="Phagspa"/>
+        <a:font script="Syrn" typeface="Estrangelo Edessa"/>
+        <a:font script="Syrj" typeface="Estrangelo Edessa"/>
+        <a:font script="Syre" typeface="Estrangelo Edessa"/>
+        <a:font script="Sora" typeface="Nirmala UI"/>
+        <a:font script="Tale" typeface="Microsoft Tai Le"/>
+        <a:font script="Talu" typeface="Microsoft New Tai Lue"/>
+        <a:font script="Tfng" typeface="Ebrima"/>
+      </a:minorFont>
+    </a:fontScheme>
+    <a:fmtScheme name="Office">
+      <a:fillStyleLst>
+        <a:solidFill>
+          <a:schemeClr val="phClr"/>
+        </a:solidFill>
+        <a:gradFill rotWithShape="1">
+          <a:gsLst>
+            <a:gs pos="0">
+              <a:schemeClr val="phClr">
+                <a:lumMod val="110000"/>
+                <a:satMod val="105000"/>
+                <a:tint val="67000"/>
+              </a:schemeClr>
+            </a:gs>
+            <a:gs pos="50000">
+              <a:schemeClr val="phClr">
+                <a:lumMod val="105000"/>
+                <a:satMod val="103000"/>
+                <a:tint val="73000"/>
+              </a:schemeClr>
+            </a:gs>
+            <a:gs pos="100000">
+              <a:schemeClr val="phClr">
+                <a:lumMod val="105000"/>
+                <a:satMod val="109000"/>
+                <a:tint val="81000"/>
+              </a:schemeClr>
+            </a:gs>
+          </a:gsLst>
+          <a:lin ang="5400000" scaled="0"/>
+        </a:gradFill>
+        <a:gradFill rotWithShape="1">
+          <a:gsLst>
+            <a:gs pos="0">
+              <a:schemeClr val="phClr">
+                <a:satMod val="103000"/>
+                <a:lumMod val="102000"/>
+                <a:tint val="94000"/>
+              </a:schemeClr>
+            </a:gs>
+            <a:gs pos="50000">
+              <a:schemeClr val="phClr">
+                <a:satMod val="110000"/>
+                <a:lumMod val="100000"/>
+                <a:shade val="100000"/>
+              </a:schemeClr>
+            </a:gs>
+            <a:gs pos="100000">
+              <a:schemeClr val="phClr">
+                <a:lumMod val="99000"/>
+                <a:satMod val="120000"/>
+                <a:shade val="78000"/>
+              </a:schemeClr>
+            </a:gs>
+          </a:gsLst>
+          <a:lin ang="5400000" scaled="0"/>
+        </a:gradFill>
+      </a:fillStyleLst>
+      <a:lnStyleLst>
+        <a:ln w="6350" cap="flat" cmpd="sng" algn="ctr">
+          <a:solidFill>
+            <a:schemeClr val="phClr"/>
+          </a:solidFill>
+          <a:prstDash val="solid"/>
+          <a:miter lim="800000"/>
+        </a:ln>
+        <a:ln w="12700" cap="flat" cmpd="sng" algn="ctr">
+          <a:solidFill>
+            <a:schemeClr val="phClr"/>
+          </a:solidFill>
+          <a:prstDash val="solid"/>
+          <a:miter lim="800000"/>
+        </a:ln>
+        <a:ln w="19050" cap="flat" cmpd="sng" algn="ctr">
+          <a:solidFill>
+            <a:schemeClr val="phClr"/>
+          </a:solidFill>
+          <a:prstDash val="solid"/>
+          <a:miter lim="800000"/>
+        </a:ln>
+      </a:lnStyleLst>
+      <a:effectStyleLst>
+        <a:effectStyle>
+          <a:effectLst/>
+        </a:effectStyle>
+        <a:effectStyle>
+          <a:effectLst/>
+        </a:effectStyle>
+        <a:effectStyle>
+          <a:effectLst>
+            <a:outerShdw blurRad="57150" dist="19050" dir="5400000" algn="ctr" rotWithShape="0">
+              <a:srgbClr val="000000">
+                <a:alpha val="63000"/>
+              </a:srgbClr>
+            </a:outerShdw>
+          </a:effectLst>
+        </a:effectStyle>
+      </a:effectStyleLst>
+      <a:bgFillStyleLst>
+        <a:solidFill>
+          <a:schemeClr val="phClr"/>
+        </a:solidFill>
+        <a:solidFill>
+          <a:schemeClr val="phClr">
+            <a:tint val="95000"/>
+            <a:satMod val="170000"/>
+          </a:schemeClr>
+        </a:solidFill>
+        <a:gradFill rotWithShape="1">
+          <a:gsLst>
+            <a:gs pos="0">
+              <a:schemeClr val="phClr">
+                <a:tint val="93000"/>
+                <a:satMod val="150000"/>
+                <a:shade val="98000"/>
+                <a:lumMod val="102000"/>
+              </a:schemeClr>
+            </a:gs>
+            <a:gs pos="50000">
+              <a:schemeClr val="phClr">
+                <a:tint val="98000"/>
+                <a:satMod val="130000"/>
+                <a:shade val="90000"/>
+                <a:lumMod val="103000"/>
+              </a:schemeClr>
+            </a:gs>
+            <a:gs pos="100000">
+              <a:schemeClr val="phClr">
+                <a:shade val="63000"/>
+                <a:satMod val="120000"/>
+              </a:schemeClr>
+            </a:gs>
+          </a:gsLst>
+          <a:lin ang="5400000" scaled="0"/>
+        </a:gradFill>
+      </a:bgFillStyleLst>
+    </a:fmtScheme>
+  </a:themeElements>
+  <a:objectDefaults/>
+  <a:extraClrSchemeLst/>
+  <a:extLst>
+    <a:ext uri="{05A4C25C-085E-4340-85A3-A5531E510DB2}">
+      <thm15:themeFamily xmlns:thm15="http://schemas.microsoft.com/office/thememl/2012/main" name="Office Theme" id="{62F939B6-93AF-4DB8-9C6B-D6C7DFDC589F}" vid="{4A3C46E8-61CC-4603-A589-7422A47A8E4A}"/>
+    </a:ext>
+  </a:extLst>
 </a:theme>
 </file>
--- a/CSCI795_FA20_Presentation_Paing_Washburn.pptx
+++ b/CSCI795_FA20_Presentation_Paing_Washburn.pptx
@@ -5,7 +5,7 @@
     <p:sldMasterId id="2147483648" r:id="rId1"/>
   </p:sldMasterIdLst>
   <p:notesMasterIdLst>
-    <p:notesMasterId r:id="rId14"/>
+    <p:notesMasterId r:id="rId15"/>
   </p:notesMasterIdLst>
   <p:sldIdLst>
     <p:sldId id="256" r:id="rId2"/>
@@ -20,6 +20,7 @@
     <p:sldId id="266" r:id="rId11"/>
     <p:sldId id="268" r:id="rId12"/>
     <p:sldId id="265" r:id="rId13"/>
+    <p:sldId id="269" r:id="rId14"/>
   </p:sldIdLst>
   <p:sldSz cx="12192000" cy="6858000"/>
   <p:notesSz cx="7772400" cy="10058400"/>
@@ -118,6 +119,11 @@
       </a:defRPr>
     </a:lvl9pPr>
   </p:defaultTextStyle>
+  <p:extLst>
+    <p:ext uri="{EFAFB233-063F-42B5-8137-9DF3F51BA10A}">
+      <p15:sldGuideLst xmlns:p15="http://schemas.microsoft.com/office/powerpoint/2012/main"/>
+    </p:ext>
+  </p:extLst>
 </p:presentation>
 </file>
 
@@ -203,7 +209,7 @@
           <a:p>
             <a:fld id="{696893A0-4D49-D74E-B6A0-CDDE34D869CC}" type="datetimeFigureOut">
               <a:rPr lang="en-US" smtClean="0"/>
-              <a:t>11/22/20</a:t>
+              <a:t>11/24/20</a:t>
             </a:fld>
             <a:endParaRPr lang="en-US"/>
           </a:p>
@@ -535,6 +541,174 @@
           <a:p>
             <a:fld id="{09417B1D-7CC8-7842-95E7-711968958A52}" type="slidenum">
               <a:rPr lang="en-US" smtClean="0"/>
+              <a:t>1</a:t>
+            </a:fld>
+            <a:endParaRPr lang="en-US"/>
+          </a:p>
+        </p:txBody>
+      </p:sp>
+    </p:spTree>
+    <p:extLst>
+      <p:ext uri="{BB962C8B-B14F-4D97-AF65-F5344CB8AC3E}">
+        <p14:creationId xmlns:p14="http://schemas.microsoft.com/office/powerpoint/2010/main" val="945659808"/>
+      </p:ext>
+    </p:extLst>
+  </p:cSld>
+  <p:clrMapOvr>
+    <a:masterClrMapping/>
+  </p:clrMapOvr>
+</p:notes>
+</file>
+
+<file path=ppt/notesSlides/notesSlide2.xml><?xml version="1.0" encoding="utf-8"?>
+<p:notes xmlns:a="http://schemas.openxmlformats.org/drawingml/2006/main" xmlns:r="http://schemas.openxmlformats.org/officeDocument/2006/relationships" xmlns:p="http://schemas.openxmlformats.org/presentationml/2006/main">
+  <p:cSld>
+    <p:spTree>
+      <p:nvGrpSpPr>
+        <p:cNvPr id="1" name=""/>
+        <p:cNvGrpSpPr/>
+        <p:nvPr/>
+      </p:nvGrpSpPr>
+      <p:grpSpPr>
+        <a:xfrm>
+          <a:off x="0" y="0"/>
+          <a:ext cx="0" cy="0"/>
+          <a:chOff x="0" y="0"/>
+          <a:chExt cx="0" cy="0"/>
+        </a:xfrm>
+      </p:grpSpPr>
+      <p:sp>
+        <p:nvSpPr>
+          <p:cNvPr id="2" name="Slide Image Placeholder 1"/>
+          <p:cNvSpPr>
+            <a:spLocks noGrp="1" noRot="1" noChangeAspect="1"/>
+          </p:cNvSpPr>
+          <p:nvPr>
+            <p:ph type="sldImg"/>
+          </p:nvPr>
+        </p:nvSpPr>
+        <p:spPr/>
+      </p:sp>
+      <p:sp>
+        <p:nvSpPr>
+          <p:cNvPr id="3" name="Notes Placeholder 2"/>
+          <p:cNvSpPr>
+            <a:spLocks noGrp="1"/>
+          </p:cNvSpPr>
+          <p:nvPr>
+            <p:ph type="body" idx="1"/>
+          </p:nvPr>
+        </p:nvSpPr>
+        <p:spPr/>
+        <p:txBody>
+          <a:bodyPr/>
+          <a:lstStyle/>
+          <a:p>
+            <a:endParaRPr lang="en-US" dirty="0"/>
+          </a:p>
+        </p:txBody>
+      </p:sp>
+      <p:sp>
+        <p:nvSpPr>
+          <p:cNvPr id="4" name="Slide Number Placeholder 3"/>
+          <p:cNvSpPr>
+            <a:spLocks noGrp="1"/>
+          </p:cNvSpPr>
+          <p:nvPr>
+            <p:ph type="sldNum" sz="quarter" idx="5"/>
+          </p:nvPr>
+        </p:nvSpPr>
+        <p:spPr/>
+        <p:txBody>
+          <a:bodyPr/>
+          <a:lstStyle/>
+          <a:p>
+            <a:fld id="{09417B1D-7CC8-7842-95E7-711968958A52}" type="slidenum">
+              <a:rPr lang="en-US" smtClean="0"/>
+              <a:t>2</a:t>
+            </a:fld>
+            <a:endParaRPr lang="en-US"/>
+          </a:p>
+        </p:txBody>
+      </p:sp>
+    </p:spTree>
+    <p:extLst>
+      <p:ext uri="{BB962C8B-B14F-4D97-AF65-F5344CB8AC3E}">
+        <p14:creationId xmlns:p14="http://schemas.microsoft.com/office/powerpoint/2010/main" val="2898967759"/>
+      </p:ext>
+    </p:extLst>
+  </p:cSld>
+  <p:clrMapOvr>
+    <a:masterClrMapping/>
+  </p:clrMapOvr>
+</p:notes>
+</file>
+
+<file path=ppt/notesSlides/notesSlide3.xml><?xml version="1.0" encoding="utf-8"?>
+<p:notes xmlns:a="http://schemas.openxmlformats.org/drawingml/2006/main" xmlns:r="http://schemas.openxmlformats.org/officeDocument/2006/relationships" xmlns:p="http://schemas.openxmlformats.org/presentationml/2006/main">
+  <p:cSld>
+    <p:spTree>
+      <p:nvGrpSpPr>
+        <p:cNvPr id="1" name=""/>
+        <p:cNvGrpSpPr/>
+        <p:nvPr/>
+      </p:nvGrpSpPr>
+      <p:grpSpPr>
+        <a:xfrm>
+          <a:off x="0" y="0"/>
+          <a:ext cx="0" cy="0"/>
+          <a:chOff x="0" y="0"/>
+          <a:chExt cx="0" cy="0"/>
+        </a:xfrm>
+      </p:grpSpPr>
+      <p:sp>
+        <p:nvSpPr>
+          <p:cNvPr id="2" name="Slide Image Placeholder 1"/>
+          <p:cNvSpPr>
+            <a:spLocks noGrp="1" noRot="1" noChangeAspect="1"/>
+          </p:cNvSpPr>
+          <p:nvPr>
+            <p:ph type="sldImg"/>
+          </p:nvPr>
+        </p:nvSpPr>
+        <p:spPr/>
+      </p:sp>
+      <p:sp>
+        <p:nvSpPr>
+          <p:cNvPr id="3" name="Notes Placeholder 2"/>
+          <p:cNvSpPr>
+            <a:spLocks noGrp="1"/>
+          </p:cNvSpPr>
+          <p:nvPr>
+            <p:ph type="body" idx="1"/>
+          </p:nvPr>
+        </p:nvSpPr>
+        <p:spPr/>
+        <p:txBody>
+          <a:bodyPr/>
+          <a:lstStyle/>
+          <a:p>
+            <a:endParaRPr lang="en-US" dirty="0"/>
+          </a:p>
+        </p:txBody>
+      </p:sp>
+      <p:sp>
+        <p:nvSpPr>
+          <p:cNvPr id="4" name="Slide Number Placeholder 3"/>
+          <p:cNvSpPr>
+            <a:spLocks noGrp="1"/>
+          </p:cNvSpPr>
+          <p:nvPr>
+            <p:ph type="sldNum" sz="quarter" idx="5"/>
+          </p:nvPr>
+        </p:nvSpPr>
+        <p:spPr/>
+        <p:txBody>
+          <a:bodyPr/>
+          <a:lstStyle/>
+          <a:p>
+            <a:fld id="{09417B1D-7CC8-7842-95E7-711968958A52}" type="slidenum">
+              <a:rPr lang="en-US" smtClean="0"/>
               <a:t>5</a:t>
             </a:fld>
             <a:endParaRPr lang="en-US"/>
@@ -2184,7 +2358,7 @@
                 </a:solidFill>
                 <a:latin typeface="Calibri"/>
               </a:rPr>
-              <a:t>11/22/20</a:t>
+              <a:t>11/24/20</a:t>
             </a:fld>
             <a:endParaRPr lang="en-US" sz="1200" b="0" strike="noStrike" spc="-1">
               <a:latin typeface="Times New Roman"/>
@@ -2751,6 +2925,40 @@
 <file path=ppt/slides/slide1.xml><?xml version="1.0" encoding="utf-8"?>
 <p:sld xmlns:a="http://schemas.openxmlformats.org/drawingml/2006/main" xmlns:r="http://schemas.openxmlformats.org/officeDocument/2006/relationships" xmlns:p="http://schemas.openxmlformats.org/presentationml/2006/main">
   <p:cSld>
+    <p:bg>
+      <p:bgPr>
+        <a:gradFill>
+          <a:gsLst>
+            <a:gs pos="24000">
+              <a:schemeClr val="accent1">
+                <a:lumMod val="5000"/>
+                <a:lumOff val="95000"/>
+              </a:schemeClr>
+            </a:gs>
+            <a:gs pos="72000">
+              <a:schemeClr val="accent1">
+                <a:lumMod val="45000"/>
+                <a:lumOff val="55000"/>
+              </a:schemeClr>
+            </a:gs>
+            <a:gs pos="83000">
+              <a:schemeClr val="accent1">
+                <a:lumMod val="45000"/>
+                <a:lumOff val="55000"/>
+              </a:schemeClr>
+            </a:gs>
+            <a:gs pos="100000">
+              <a:schemeClr val="accent1">
+                <a:lumMod val="30000"/>
+                <a:lumOff val="70000"/>
+              </a:schemeClr>
+            </a:gs>
+          </a:gsLst>
+          <a:lin ang="5400000" scaled="1"/>
+        </a:gradFill>
+        <a:effectLst/>
+      </p:bgPr>
+    </p:bg>
     <p:spTree>
       <p:nvGrpSpPr>
         <p:cNvPr id="1" name=""/>
@@ -2952,6 +3160,40 @@
 <file path=ppt/slides/slide10.xml><?xml version="1.0" encoding="utf-8"?>
 <p:sld xmlns:a="http://schemas.openxmlformats.org/drawingml/2006/main" xmlns:r="http://schemas.openxmlformats.org/officeDocument/2006/relationships" xmlns:p="http://schemas.openxmlformats.org/presentationml/2006/main">
   <p:cSld>
+    <p:bg>
+      <p:bgPr>
+        <a:gradFill>
+          <a:gsLst>
+            <a:gs pos="24000">
+              <a:schemeClr val="accent1">
+                <a:lumMod val="5000"/>
+                <a:lumOff val="95000"/>
+              </a:schemeClr>
+            </a:gs>
+            <a:gs pos="72000">
+              <a:schemeClr val="accent1">
+                <a:lumMod val="45000"/>
+                <a:lumOff val="55000"/>
+              </a:schemeClr>
+            </a:gs>
+            <a:gs pos="83000">
+              <a:schemeClr val="accent1">
+                <a:lumMod val="45000"/>
+                <a:lumOff val="55000"/>
+              </a:schemeClr>
+            </a:gs>
+            <a:gs pos="100000">
+              <a:schemeClr val="accent1">
+                <a:lumMod val="30000"/>
+                <a:lumOff val="70000"/>
+              </a:schemeClr>
+            </a:gs>
+          </a:gsLst>
+          <a:lin ang="5400000" scaled="1"/>
+        </a:gradFill>
+        <a:effectLst/>
+      </p:bgPr>
+    </p:bg>
     <p:spTree>
       <p:nvGrpSpPr>
         <p:cNvPr id="1" name=""/>
@@ -3139,6 +3381,40 @@
 <file path=ppt/slides/slide11.xml><?xml version="1.0" encoding="utf-8"?>
 <p:sld xmlns:a="http://schemas.openxmlformats.org/drawingml/2006/main" xmlns:r="http://schemas.openxmlformats.org/officeDocument/2006/relationships" xmlns:p="http://schemas.openxmlformats.org/presentationml/2006/main">
   <p:cSld>
+    <p:bg>
+      <p:bgPr>
+        <a:gradFill>
+          <a:gsLst>
+            <a:gs pos="24000">
+              <a:schemeClr val="accent1">
+                <a:lumMod val="5000"/>
+                <a:lumOff val="95000"/>
+              </a:schemeClr>
+            </a:gs>
+            <a:gs pos="72000">
+              <a:schemeClr val="accent1">
+                <a:lumMod val="45000"/>
+                <a:lumOff val="55000"/>
+              </a:schemeClr>
+            </a:gs>
+            <a:gs pos="83000">
+              <a:schemeClr val="accent1">
+                <a:lumMod val="45000"/>
+                <a:lumOff val="55000"/>
+              </a:schemeClr>
+            </a:gs>
+            <a:gs pos="100000">
+              <a:schemeClr val="accent1">
+                <a:lumMod val="30000"/>
+                <a:lumOff val="70000"/>
+              </a:schemeClr>
+            </a:gs>
+          </a:gsLst>
+          <a:lin ang="5400000" scaled="1"/>
+        </a:gradFill>
+        <a:effectLst/>
+      </p:bgPr>
+    </p:bg>
     <p:spTree>
       <p:nvGrpSpPr>
         <p:cNvPr id="1" name=""/>
@@ -3291,6 +3567,40 @@
 <file path=ppt/slides/slide12.xml><?xml version="1.0" encoding="utf-8"?>
 <p:sld xmlns:a="http://schemas.openxmlformats.org/drawingml/2006/main" xmlns:r="http://schemas.openxmlformats.org/officeDocument/2006/relationships" xmlns:p="http://schemas.openxmlformats.org/presentationml/2006/main">
   <p:cSld>
+    <p:bg>
+      <p:bgPr>
+        <a:gradFill>
+          <a:gsLst>
+            <a:gs pos="24000">
+              <a:schemeClr val="accent1">
+                <a:lumMod val="5000"/>
+                <a:lumOff val="95000"/>
+              </a:schemeClr>
+            </a:gs>
+            <a:gs pos="72000">
+              <a:schemeClr val="accent1">
+                <a:lumMod val="45000"/>
+                <a:lumOff val="55000"/>
+              </a:schemeClr>
+            </a:gs>
+            <a:gs pos="83000">
+              <a:schemeClr val="accent1">
+                <a:lumMod val="45000"/>
+                <a:lumOff val="55000"/>
+              </a:schemeClr>
+            </a:gs>
+            <a:gs pos="100000">
+              <a:schemeClr val="accent1">
+                <a:lumMod val="30000"/>
+                <a:lumOff val="70000"/>
+              </a:schemeClr>
+            </a:gs>
+          </a:gsLst>
+          <a:lin ang="5400000" scaled="1"/>
+        </a:gradFill>
+        <a:effectLst/>
+      </p:bgPr>
+    </p:bg>
     <p:spTree>
       <p:nvGrpSpPr>
         <p:cNvPr id="1" name=""/>
@@ -3384,7 +3694,7 @@
 </p:sld>
 </file>
 
-<file path=ppt/slides/slide2.xml><?xml version="1.0" encoding="utf-8"?>
+<file path=ppt/slides/slide13.xml><?xml version="1.0" encoding="utf-8"?>
 <p:sld xmlns:a="http://schemas.openxmlformats.org/drawingml/2006/main" xmlns:r="http://schemas.openxmlformats.org/officeDocument/2006/relationships" xmlns:p="http://schemas.openxmlformats.org/presentationml/2006/main">
   <p:cSld>
     <p:spTree>
@@ -3403,216 +3713,44 @@
       </p:grpSpPr>
       <p:sp>
         <p:nvSpPr>
-          <p:cNvPr id="43" name="TextShape 1"/>
-          <p:cNvSpPr txBox="1"/>
-          <p:nvPr/>
-        </p:nvSpPr>
-        <p:spPr>
-          <a:xfrm>
-            <a:off x="1523880" y="299520"/>
-            <a:ext cx="9143640" cy="980640"/>
-          </a:xfrm>
-          <a:prstGeom prst="rect">
-            <a:avLst/>
-          </a:prstGeom>
-          <a:noFill/>
-          <a:ln>
-            <a:noFill/>
-          </a:ln>
-        </p:spPr>
-        <p:txBody>
-          <a:bodyPr anchor="b">
-            <a:noAutofit/>
-          </a:bodyPr>
-          <a:lstStyle/>
-          <a:p>
-            <a:pPr algn="ctr">
-              <a:lnSpc>
-                <a:spcPct val="90000"/>
-              </a:lnSpc>
-            </a:pPr>
-            <a:r>
-              <a:rPr lang="en-US" sz="4800" b="0" strike="noStrike" spc="-1">
-                <a:solidFill>
-                  <a:srgbClr val="000000"/>
-                </a:solidFill>
-                <a:latin typeface="Calibri Light"/>
-              </a:rPr>
-              <a:t>What makes an actor</a:t>
-            </a:r>
-            <a:endParaRPr lang="en-US" sz="4800" b="0" strike="noStrike" spc="-1">
-              <a:solidFill>
-                <a:srgbClr val="000000"/>
-              </a:solidFill>
-              <a:latin typeface="Calibri"/>
-            </a:endParaRPr>
-          </a:p>
-        </p:txBody>
-      </p:sp>
-      <p:sp>
-        <p:nvSpPr>
-          <p:cNvPr id="44" name="TextShape 2"/>
-          <p:cNvSpPr txBox="1"/>
-          <p:nvPr/>
-        </p:nvSpPr>
-        <p:spPr>
-          <a:xfrm>
-            <a:off x="1554480" y="2228760"/>
-            <a:ext cx="9267840" cy="2617560"/>
-          </a:xfrm>
-          <a:prstGeom prst="rect">
-            <a:avLst/>
-          </a:prstGeom>
-          <a:noFill/>
-          <a:ln>
-            <a:noFill/>
-          </a:ln>
-        </p:spPr>
-        <p:txBody>
-          <a:bodyPr>
-            <a:normAutofit/>
-          </a:bodyPr>
-          <a:lstStyle/>
-          <a:p>
-            <a:pPr marL="216000" indent="-216000">
-              <a:lnSpc>
-                <a:spcPct val="90000"/>
-              </a:lnSpc>
-              <a:spcBef>
-                <a:spcPts val="1001"/>
-              </a:spcBef>
-              <a:buClr>
-                <a:srgbClr val="000000"/>
-              </a:buClr>
-              <a:buSzPct val="45000"/>
-              <a:buFont typeface="Wingdings" charset="2"/>
-              <a:buChar char=""/>
-              <a:tabLst>
-                <a:tab pos="0" algn="l"/>
-              </a:tabLst>
-            </a:pPr>
-            <a:r>
-              <a:rPr lang="en-US" sz="2400" b="0" strike="noStrike" spc="-1">
-                <a:solidFill>
-                  <a:srgbClr val="000000"/>
-                </a:solidFill>
-                <a:latin typeface="Calibri"/>
-              </a:rPr>
-              <a:t>It has a unique identity</a:t>
-            </a:r>
-            <a:endParaRPr lang="en-US" sz="2400" b="0" strike="noStrike" spc="-1">
-              <a:latin typeface="Arial"/>
-            </a:endParaRPr>
-          </a:p>
-          <a:p>
-            <a:pPr marL="216000" indent="-216000">
-              <a:lnSpc>
-                <a:spcPct val="90000"/>
-              </a:lnSpc>
-              <a:spcBef>
-                <a:spcPts val="1001"/>
-              </a:spcBef>
-              <a:buClr>
-                <a:srgbClr val="000000"/>
-              </a:buClr>
-              <a:buSzPct val="45000"/>
-              <a:buFont typeface="Wingdings" charset="2"/>
-              <a:buChar char=""/>
-              <a:tabLst>
-                <a:tab pos="0" algn="l"/>
-              </a:tabLst>
-            </a:pPr>
-            <a:endParaRPr lang="en-US" sz="2400" b="0" strike="noStrike" spc="-1">
-              <a:latin typeface="Arial"/>
-            </a:endParaRPr>
-          </a:p>
-          <a:p>
-            <a:pPr marL="216000" indent="-216000">
-              <a:lnSpc>
-                <a:spcPct val="90000"/>
-              </a:lnSpc>
-              <a:spcBef>
-                <a:spcPts val="1001"/>
-              </a:spcBef>
-              <a:buClr>
-                <a:srgbClr val="000000"/>
-              </a:buClr>
-              <a:buSzPct val="45000"/>
-              <a:buFont typeface="Wingdings" charset="2"/>
-              <a:buChar char=""/>
-              <a:tabLst>
-                <a:tab pos="0" algn="l"/>
-              </a:tabLst>
-            </a:pPr>
-            <a:r>
-              <a:rPr lang="en-US" sz="2400" b="0" strike="noStrike" spc="-1">
-                <a:solidFill>
-                  <a:srgbClr val="000000"/>
-                </a:solidFill>
-                <a:latin typeface="Calibri"/>
-              </a:rPr>
-              <a:t>It has a defined behavior</a:t>
-            </a:r>
-            <a:endParaRPr lang="en-US" sz="2400" b="0" strike="noStrike" spc="-1">
-              <a:latin typeface="Arial"/>
-            </a:endParaRPr>
-          </a:p>
-          <a:p>
-            <a:pPr marL="216000" indent="-216000">
-              <a:lnSpc>
-                <a:spcPct val="90000"/>
-              </a:lnSpc>
-              <a:spcBef>
-                <a:spcPts val="1001"/>
-              </a:spcBef>
-              <a:buClr>
-                <a:srgbClr val="000000"/>
-              </a:buClr>
-              <a:buSzPct val="45000"/>
-              <a:buFont typeface="Wingdings" charset="2"/>
-              <a:buChar char=""/>
-              <a:tabLst>
-                <a:tab pos="0" algn="l"/>
-              </a:tabLst>
-            </a:pPr>
-            <a:endParaRPr lang="en-US" sz="2400" b="0" strike="noStrike" spc="-1">
-              <a:latin typeface="Arial"/>
-            </a:endParaRPr>
-          </a:p>
-          <a:p>
-            <a:pPr marL="216000" indent="-216000">
-              <a:lnSpc>
-                <a:spcPct val="90000"/>
-              </a:lnSpc>
-              <a:spcBef>
-                <a:spcPts val="1001"/>
-              </a:spcBef>
-              <a:buClr>
-                <a:srgbClr val="000000"/>
-              </a:buClr>
-              <a:buSzPct val="45000"/>
-              <a:buFont typeface="Wingdings" charset="2"/>
-              <a:buChar char=""/>
-              <a:tabLst>
-                <a:tab pos="0" algn="l"/>
-              </a:tabLst>
-            </a:pPr>
-            <a:r>
-              <a:rPr lang="en-US" sz="2400" b="0" strike="noStrike" spc="-1">
-                <a:solidFill>
-                  <a:srgbClr val="000000"/>
-                </a:solidFill>
-                <a:latin typeface="Calibri"/>
-              </a:rPr>
-              <a:t>It communicates via asynchronous messages</a:t>
-            </a:r>
-            <a:endParaRPr lang="en-US" sz="2400" b="0" strike="noStrike" spc="-1">
-              <a:latin typeface="Arial"/>
-            </a:endParaRPr>
+          <p:cNvPr id="2" name="Title 1">
+            <a:extLst>
+              <a:ext uri="{FF2B5EF4-FFF2-40B4-BE49-F238E27FC236}">
+                <a16:creationId xmlns:a16="http://schemas.microsoft.com/office/drawing/2014/main" id="{C069173C-FE96-8449-92E9-36016BE62CC6}"/>
+              </a:ext>
+            </a:extLst>
+          </p:cNvPr>
+          <p:cNvSpPr>
+            <a:spLocks noGrp="1"/>
+          </p:cNvSpPr>
+          <p:nvPr>
+            <p:ph type="title"/>
+          </p:nvPr>
+        </p:nvSpPr>
+        <p:spPr>
+          <a:xfrm>
+            <a:off x="1413137" y="2595573"/>
+            <a:ext cx="9087413" cy="1408069"/>
+          </a:xfrm>
+        </p:spPr>
+        <p:txBody>
+          <a:bodyPr/>
+          <a:lstStyle/>
+          <a:p>
+            <a:pPr algn="ctr"/>
+            <a:r>
+              <a:rPr lang="en-US" dirty="0"/>
+              <a:t>Questions?</a:t>
+            </a:r>
           </a:p>
         </p:txBody>
       </p:sp>
     </p:spTree>
+    <p:extLst>
+      <p:ext uri="{BB962C8B-B14F-4D97-AF65-F5344CB8AC3E}">
+        <p14:creationId xmlns:p14="http://schemas.microsoft.com/office/powerpoint/2010/main" val="2271935361"/>
+      </p:ext>
+    </p:extLst>
   </p:cSld>
   <p:clrMapOvr>
     <a:masterClrMapping/>
@@ -3620,9 +3758,43 @@
 </p:sld>
 </file>
 
-<file path=ppt/slides/slide3.xml><?xml version="1.0" encoding="utf-8"?>
+<file path=ppt/slides/slide2.xml><?xml version="1.0" encoding="utf-8"?>
 <p:sld xmlns:a="http://schemas.openxmlformats.org/drawingml/2006/main" xmlns:r="http://schemas.openxmlformats.org/officeDocument/2006/relationships" xmlns:p="http://schemas.openxmlformats.org/presentationml/2006/main">
   <p:cSld>
+    <p:bg>
+      <p:bgPr>
+        <a:gradFill>
+          <a:gsLst>
+            <a:gs pos="24000">
+              <a:schemeClr val="accent1">
+                <a:lumMod val="5000"/>
+                <a:lumOff val="95000"/>
+              </a:schemeClr>
+            </a:gs>
+            <a:gs pos="72000">
+              <a:schemeClr val="accent1">
+                <a:lumMod val="45000"/>
+                <a:lumOff val="55000"/>
+              </a:schemeClr>
+            </a:gs>
+            <a:gs pos="83000">
+              <a:schemeClr val="accent1">
+                <a:lumMod val="45000"/>
+                <a:lumOff val="55000"/>
+              </a:schemeClr>
+            </a:gs>
+            <a:gs pos="100000">
+              <a:schemeClr val="accent1">
+                <a:lumMod val="30000"/>
+                <a:lumOff val="70000"/>
+              </a:schemeClr>
+            </a:gs>
+          </a:gsLst>
+          <a:lin ang="5400000" scaled="1"/>
+        </a:gradFill>
+        <a:effectLst/>
+      </p:bgPr>
+    </p:bg>
     <p:spTree>
       <p:nvGrpSpPr>
         <p:cNvPr id="1" name=""/>
@@ -3639,7 +3811,7 @@
       </p:grpSpPr>
       <p:sp>
         <p:nvSpPr>
-          <p:cNvPr id="45" name="TextShape 1"/>
+          <p:cNvPr id="43" name="TextShape 1"/>
           <p:cNvSpPr txBox="1"/>
           <p:nvPr/>
         </p:nvSpPr>
@@ -3674,7 +3846,7 @@
                 </a:solidFill>
                 <a:latin typeface="Calibri Light"/>
               </a:rPr>
-              <a:t>Unique Identity</a:t>
+              <a:t>What makes an actor</a:t>
             </a:r>
             <a:endParaRPr lang="en-US" sz="4800" b="0" strike="noStrike" spc="-1">
               <a:solidFill>
@@ -3687,7 +3859,7 @@
       </p:sp>
       <p:sp>
         <p:nvSpPr>
-          <p:cNvPr id="46" name="TextShape 2"/>
+          <p:cNvPr id="44" name="TextShape 2"/>
           <p:cNvSpPr txBox="1"/>
           <p:nvPr/>
         </p:nvSpPr>
@@ -3728,15 +3900,15 @@
               </a:tabLst>
             </a:pPr>
             <a:r>
-              <a:rPr lang="en-US" sz="2400" b="0" strike="noStrike" spc="-1">
+              <a:rPr lang="en-US" sz="2400" b="0" strike="noStrike" spc="-1" dirty="0">
                 <a:solidFill>
                   <a:srgbClr val="000000"/>
                 </a:solidFill>
                 <a:latin typeface="Calibri"/>
               </a:rPr>
-              <a:t>Required to know where a message originated</a:t>
-            </a:r>
-            <a:endParaRPr lang="en-US" sz="2400" b="0" strike="noStrike" spc="-1">
+              <a:t>It has a unique identity</a:t>
+            </a:r>
+            <a:endParaRPr lang="en-US" sz="2400" b="0" strike="noStrike" spc="-1" dirty="0">
               <a:latin typeface="Arial"/>
             </a:endParaRPr>
           </a:p>
@@ -3758,7 +3930,7 @@
                 <a:tab pos="0" algn="l"/>
               </a:tabLst>
             </a:pPr>
-            <a:endParaRPr lang="en-US" sz="2400" b="0" strike="noStrike" spc="-1">
+            <a:endParaRPr lang="en-US" sz="2400" b="0" strike="noStrike" spc="-1" dirty="0">
               <a:latin typeface="Arial"/>
             </a:endParaRPr>
           </a:p>
@@ -3781,15 +3953,68 @@
               </a:tabLst>
             </a:pPr>
             <a:r>
-              <a:rPr lang="en-US" sz="2400" b="0" strike="noStrike" spc="-1">
+              <a:rPr lang="en-US" sz="2400" b="0" strike="noStrike" spc="-1" dirty="0">
                 <a:solidFill>
                   <a:srgbClr val="000000"/>
                 </a:solidFill>
                 <a:latin typeface="Calibri"/>
               </a:rPr>
-              <a:t>Required to know where to send a message</a:t>
-            </a:r>
-            <a:endParaRPr lang="en-US" sz="2400" b="0" strike="noStrike" spc="-1">
+              <a:t>It has a defined behavior</a:t>
+            </a:r>
+            <a:endParaRPr lang="en-US" sz="2400" b="0" strike="noStrike" spc="-1" dirty="0">
+              <a:latin typeface="Arial"/>
+            </a:endParaRPr>
+          </a:p>
+          <a:p>
+            <a:pPr marL="216000" indent="-216000">
+              <a:lnSpc>
+                <a:spcPct val="90000"/>
+              </a:lnSpc>
+              <a:spcBef>
+                <a:spcPts val="1001"/>
+              </a:spcBef>
+              <a:buClr>
+                <a:srgbClr val="000000"/>
+              </a:buClr>
+              <a:buSzPct val="45000"/>
+              <a:buFont typeface="Wingdings" charset="2"/>
+              <a:buChar char=""/>
+              <a:tabLst>
+                <a:tab pos="0" algn="l"/>
+              </a:tabLst>
+            </a:pPr>
+            <a:endParaRPr lang="en-US" sz="2400" b="0" strike="noStrike" spc="-1" dirty="0">
+              <a:latin typeface="Arial"/>
+            </a:endParaRPr>
+          </a:p>
+          <a:p>
+            <a:pPr marL="216000" indent="-216000">
+              <a:lnSpc>
+                <a:spcPct val="90000"/>
+              </a:lnSpc>
+              <a:spcBef>
+                <a:spcPts val="1001"/>
+              </a:spcBef>
+              <a:buClr>
+                <a:srgbClr val="000000"/>
+              </a:buClr>
+              <a:buSzPct val="45000"/>
+              <a:buFont typeface="Wingdings" charset="2"/>
+              <a:buChar char=""/>
+              <a:tabLst>
+                <a:tab pos="0" algn="l"/>
+              </a:tabLst>
+            </a:pPr>
+            <a:r>
+              <a:rPr lang="en-US" sz="2400" b="0" strike="noStrike" spc="-1" dirty="0">
+                <a:solidFill>
+                  <a:srgbClr val="000000"/>
+                </a:solidFill>
+                <a:latin typeface="Calibri"/>
+              </a:rPr>
+              <a:t>It communicates via asynchronous messages</a:t>
+            </a:r>
+            <a:endParaRPr lang="en-US" sz="2400" b="0" strike="noStrike" spc="-1" dirty="0">
               <a:latin typeface="Arial"/>
             </a:endParaRPr>
           </a:p>
@@ -3803,9 +4028,43 @@
 </p:sld>
 </file>
 
-<file path=ppt/slides/slide4.xml><?xml version="1.0" encoding="utf-8"?>
+<file path=ppt/slides/slide3.xml><?xml version="1.0" encoding="utf-8"?>
 <p:sld xmlns:a="http://schemas.openxmlformats.org/drawingml/2006/main" xmlns:r="http://schemas.openxmlformats.org/officeDocument/2006/relationships" xmlns:p="http://schemas.openxmlformats.org/presentationml/2006/main">
   <p:cSld>
+    <p:bg>
+      <p:bgPr>
+        <a:gradFill>
+          <a:gsLst>
+            <a:gs pos="24000">
+              <a:schemeClr val="accent1">
+                <a:lumMod val="5000"/>
+                <a:lumOff val="95000"/>
+              </a:schemeClr>
+            </a:gs>
+            <a:gs pos="72000">
+              <a:schemeClr val="accent1">
+                <a:lumMod val="45000"/>
+                <a:lumOff val="55000"/>
+              </a:schemeClr>
+            </a:gs>
+            <a:gs pos="83000">
+              <a:schemeClr val="accent1">
+                <a:lumMod val="45000"/>
+                <a:lumOff val="55000"/>
+              </a:schemeClr>
+            </a:gs>
+            <a:gs pos="100000">
+              <a:schemeClr val="accent1">
+                <a:lumMod val="30000"/>
+                <a:lumOff val="70000"/>
+              </a:schemeClr>
+            </a:gs>
+          </a:gsLst>
+          <a:lin ang="5400000" scaled="1"/>
+        </a:gradFill>
+        <a:effectLst/>
+      </p:bgPr>
+    </p:bg>
     <p:spTree>
       <p:nvGrpSpPr>
         <p:cNvPr id="1" name=""/>
@@ -3822,7 +4081,7 @@
       </p:grpSpPr>
       <p:sp>
         <p:nvSpPr>
-          <p:cNvPr id="47" name="TextShape 1"/>
+          <p:cNvPr id="45" name="TextShape 1"/>
           <p:cNvSpPr txBox="1"/>
           <p:nvPr/>
         </p:nvSpPr>
@@ -3857,7 +4116,7 @@
                 </a:solidFill>
                 <a:latin typeface="Calibri Light"/>
               </a:rPr>
-              <a:t>Defined Behavior</a:t>
+              <a:t>Unique Identity</a:t>
             </a:r>
             <a:endParaRPr lang="en-US" sz="4800" b="0" strike="noStrike" spc="-1">
               <a:solidFill>
@@ -3870,7 +4129,7 @@
       </p:sp>
       <p:sp>
         <p:nvSpPr>
-          <p:cNvPr id="48" name="TextShape 2"/>
+          <p:cNvPr id="46" name="TextShape 2"/>
           <p:cNvSpPr txBox="1"/>
           <p:nvPr/>
         </p:nvSpPr>
@@ -3917,7 +4176,7 @@
                 </a:solidFill>
                 <a:latin typeface="Calibri"/>
               </a:rPr>
-              <a:t>Actors’ behavior defines how they process messages </a:t>
+              <a:t>Required to know where a message originated</a:t>
             </a:r>
             <a:endParaRPr lang="en-US" sz="2400" b="0" strike="noStrike" spc="-1">
               <a:latin typeface="Arial"/>
@@ -3970,83 +4229,8 @@
                 </a:solidFill>
                 <a:latin typeface="Calibri"/>
               </a:rPr>
-              <a:t>Behavior definition can change in response to a message</a:t>
-            </a:r>
-            <a:endParaRPr lang="en-US" sz="2400" b="0" strike="noStrike" spc="-1">
-              <a:latin typeface="Arial"/>
-            </a:endParaRPr>
-          </a:p>
-          <a:p>
-            <a:pPr marL="216000" indent="-216000">
-              <a:lnSpc>
-                <a:spcPct val="90000"/>
-              </a:lnSpc>
-              <a:spcBef>
-                <a:spcPts val="1001"/>
-              </a:spcBef>
-              <a:buClr>
-                <a:srgbClr val="000000"/>
-              </a:buClr>
-              <a:buSzPct val="45000"/>
-              <a:buFont typeface="Wingdings" charset="2"/>
-              <a:buChar char=""/>
-              <a:tabLst>
-                <a:tab pos="0" algn="l"/>
-              </a:tabLst>
-            </a:pPr>
-            <a:endParaRPr lang="en-US" sz="2400" b="0" strike="noStrike" spc="-1">
-              <a:latin typeface="Arial"/>
-            </a:endParaRPr>
-          </a:p>
-          <a:p>
-            <a:pPr marL="216000" indent="-216000">
-              <a:lnSpc>
-                <a:spcPct val="90000"/>
-              </a:lnSpc>
-              <a:spcBef>
-                <a:spcPts val="1001"/>
-              </a:spcBef>
-              <a:buClr>
-                <a:srgbClr val="000000"/>
-              </a:buClr>
-              <a:buSzPct val="45000"/>
-              <a:buFont typeface="Wingdings" charset="2"/>
-              <a:buChar char=""/>
-              <a:tabLst>
-                <a:tab pos="0" algn="l"/>
-              </a:tabLst>
-            </a:pPr>
-            <a:r>
-              <a:rPr lang="en-US" sz="2400" b="0" strike="noStrike" spc="-1">
-                <a:solidFill>
-                  <a:srgbClr val="000000"/>
-                </a:solidFill>
-                <a:latin typeface="Calibri"/>
-              </a:rPr>
-              <a:t>Actors can create other actors</a:t>
-            </a:r>
-            <a:endParaRPr lang="en-US" sz="2400" b="0" strike="noStrike" spc="-1">
-              <a:latin typeface="Arial"/>
-            </a:endParaRPr>
-          </a:p>
-          <a:p>
-            <a:pPr marL="216000" indent="-216000">
-              <a:lnSpc>
-                <a:spcPct val="90000"/>
-              </a:lnSpc>
-              <a:spcBef>
-                <a:spcPts val="1001"/>
-              </a:spcBef>
-              <a:buClr>
-                <a:srgbClr val="000000"/>
-              </a:buClr>
-              <a:buSzPct val="45000"/>
-              <a:buFont typeface="Wingdings" charset="2"/>
-              <a:buChar char=""/>
-              <a:tabLst>
-                <a:tab pos="0" algn="l"/>
-              </a:tabLst>
-            </a:pPr>
+              <a:t>Required to know where to send a message</a:t>
+            </a:r>
             <a:endParaRPr lang="en-US" sz="2400" b="0" strike="noStrike" spc="-1">
               <a:latin typeface="Arial"/>
             </a:endParaRPr>
@@ -4061,9 +4245,43 @@
 </p:sld>
 </file>
 
-<file path=ppt/slides/slide5.xml><?xml version="1.0" encoding="utf-8"?>
+<file path=ppt/slides/slide4.xml><?xml version="1.0" encoding="utf-8"?>
 <p:sld xmlns:a="http://schemas.openxmlformats.org/drawingml/2006/main" xmlns:r="http://schemas.openxmlformats.org/officeDocument/2006/relationships" xmlns:p="http://schemas.openxmlformats.org/presentationml/2006/main">
   <p:cSld>
+    <p:bg>
+      <p:bgPr>
+        <a:gradFill>
+          <a:gsLst>
+            <a:gs pos="24000">
+              <a:schemeClr val="accent1">
+                <a:lumMod val="5000"/>
+                <a:lumOff val="95000"/>
+              </a:schemeClr>
+            </a:gs>
+            <a:gs pos="72000">
+              <a:schemeClr val="accent1">
+                <a:lumMod val="45000"/>
+                <a:lumOff val="55000"/>
+              </a:schemeClr>
+            </a:gs>
+            <a:gs pos="83000">
+              <a:schemeClr val="accent1">
+                <a:lumMod val="45000"/>
+                <a:lumOff val="55000"/>
+              </a:schemeClr>
+            </a:gs>
+            <a:gs pos="100000">
+              <a:schemeClr val="accent1">
+                <a:lumMod val="30000"/>
+                <a:lumOff val="70000"/>
+              </a:schemeClr>
+            </a:gs>
+          </a:gsLst>
+          <a:lin ang="5400000" scaled="1"/>
+        </a:gradFill>
+        <a:effectLst/>
+      </p:bgPr>
+    </p:bg>
     <p:spTree>
       <p:nvGrpSpPr>
         <p:cNvPr id="1" name=""/>
@@ -4080,7 +4298,7 @@
       </p:grpSpPr>
       <p:sp>
         <p:nvSpPr>
-          <p:cNvPr id="49" name="TextShape 1"/>
+          <p:cNvPr id="47" name="TextShape 1"/>
           <p:cNvSpPr txBox="1"/>
           <p:nvPr/>
         </p:nvSpPr>
@@ -4115,7 +4333,7 @@
                 </a:solidFill>
                 <a:latin typeface="Calibri Light"/>
               </a:rPr>
-              <a:t>Asynchronous Messaging</a:t>
+              <a:t>Defined Behavior</a:t>
             </a:r>
             <a:endParaRPr lang="en-US" sz="4800" b="0" strike="noStrike" spc="-1">
               <a:solidFill>
@@ -4128,7 +4346,7 @@
       </p:sp>
       <p:sp>
         <p:nvSpPr>
-          <p:cNvPr id="50" name="TextShape 2"/>
+          <p:cNvPr id="48" name="TextShape 2"/>
           <p:cNvSpPr txBox="1"/>
           <p:nvPr/>
         </p:nvSpPr>
@@ -4175,7 +4393,7 @@
                 </a:solidFill>
                 <a:latin typeface="Calibri"/>
               </a:rPr>
-              <a:t>Non-blocking</a:t>
+              <a:t>Actors’ behavior defines how they process messages </a:t>
             </a:r>
             <a:endParaRPr lang="en-US" sz="2400" b="0" strike="noStrike" spc="-1">
               <a:latin typeface="Arial"/>
@@ -4228,7 +4446,7 @@
                 </a:solidFill>
                 <a:latin typeface="Calibri"/>
               </a:rPr>
-              <a:t>Only uses messaging to communicate</a:t>
+              <a:t>Behavior definition can change in response to a message</a:t>
             </a:r>
             <a:endParaRPr lang="en-US" sz="2400" b="0" strike="noStrike" spc="-1">
               <a:latin typeface="Arial"/>
@@ -4274,6 +4492,37 @@
                 <a:tab pos="0" algn="l"/>
               </a:tabLst>
             </a:pPr>
+            <a:r>
+              <a:rPr lang="en-US" sz="2400" b="0" strike="noStrike" spc="-1">
+                <a:solidFill>
+                  <a:srgbClr val="000000"/>
+                </a:solidFill>
+                <a:latin typeface="Calibri"/>
+              </a:rPr>
+              <a:t>Actors can create other actors</a:t>
+            </a:r>
+            <a:endParaRPr lang="en-US" sz="2400" b="0" strike="noStrike" spc="-1">
+              <a:latin typeface="Arial"/>
+            </a:endParaRPr>
+          </a:p>
+          <a:p>
+            <a:pPr marL="216000" indent="-216000">
+              <a:lnSpc>
+                <a:spcPct val="90000"/>
+              </a:lnSpc>
+              <a:spcBef>
+                <a:spcPts val="1001"/>
+              </a:spcBef>
+              <a:buClr>
+                <a:srgbClr val="000000"/>
+              </a:buClr>
+              <a:buSzPct val="45000"/>
+              <a:buFont typeface="Wingdings" charset="2"/>
+              <a:buChar char=""/>
+              <a:tabLst>
+                <a:tab pos="0" algn="l"/>
+              </a:tabLst>
+            </a:pPr>
             <a:endParaRPr lang="en-US" sz="2400" b="0" strike="noStrike" spc="-1">
               <a:latin typeface="Arial"/>
             </a:endParaRPr>
@@ -4288,9 +4537,43 @@
 </p:sld>
 </file>
 
-<file path=ppt/slides/slide6.xml><?xml version="1.0" encoding="utf-8"?>
+<file path=ppt/slides/slide5.xml><?xml version="1.0" encoding="utf-8"?>
 <p:sld xmlns:a="http://schemas.openxmlformats.org/drawingml/2006/main" xmlns:r="http://schemas.openxmlformats.org/officeDocument/2006/relationships" xmlns:p="http://schemas.openxmlformats.org/presentationml/2006/main">
   <p:cSld>
+    <p:bg>
+      <p:bgPr>
+        <a:gradFill>
+          <a:gsLst>
+            <a:gs pos="24000">
+              <a:schemeClr val="accent1">
+                <a:lumMod val="5000"/>
+                <a:lumOff val="95000"/>
+              </a:schemeClr>
+            </a:gs>
+            <a:gs pos="72000">
+              <a:schemeClr val="accent1">
+                <a:lumMod val="45000"/>
+                <a:lumOff val="55000"/>
+              </a:schemeClr>
+            </a:gs>
+            <a:gs pos="83000">
+              <a:schemeClr val="accent1">
+                <a:lumMod val="45000"/>
+                <a:lumOff val="55000"/>
+              </a:schemeClr>
+            </a:gs>
+            <a:gs pos="100000">
+              <a:schemeClr val="accent1">
+                <a:lumMod val="30000"/>
+                <a:lumOff val="70000"/>
+              </a:schemeClr>
+            </a:gs>
+          </a:gsLst>
+          <a:lin ang="5400000" scaled="1"/>
+        </a:gradFill>
+        <a:effectLst/>
+      </p:bgPr>
+    </p:bg>
     <p:spTree>
       <p:nvGrpSpPr>
         <p:cNvPr id="1" name=""/>
@@ -4307,7 +4590,7 @@
       </p:grpSpPr>
       <p:sp>
         <p:nvSpPr>
-          <p:cNvPr id="51" name="TextShape 1"/>
+          <p:cNvPr id="49" name="TextShape 1"/>
           <p:cNvSpPr txBox="1"/>
           <p:nvPr/>
         </p:nvSpPr>
@@ -4342,7 +4625,7 @@
                 </a:solidFill>
                 <a:latin typeface="Calibri Light"/>
               </a:rPr>
-              <a:t>Where do actors come from</a:t>
+              <a:t>Asynchronous Messaging</a:t>
             </a:r>
             <a:endParaRPr lang="en-US" sz="4800" b="0" strike="noStrike" spc="-1">
               <a:solidFill>
@@ -4355,7 +4638,7 @@
       </p:sp>
       <p:sp>
         <p:nvSpPr>
-          <p:cNvPr id="52" name="TextShape 2"/>
+          <p:cNvPr id="50" name="TextShape 2"/>
           <p:cNvSpPr txBox="1"/>
           <p:nvPr/>
         </p:nvSpPr>
@@ -4402,7 +4685,7 @@
                 </a:solidFill>
                 <a:latin typeface="Calibri"/>
               </a:rPr>
-              <a:t>Actors resemble human organization</a:t>
+              <a:t>Non-blocking</a:t>
             </a:r>
             <a:endParaRPr lang="en-US" sz="2400" b="0" strike="noStrike" spc="-1">
               <a:latin typeface="Arial"/>
@@ -4455,7 +4738,7 @@
                 </a:solidFill>
                 <a:latin typeface="Calibri"/>
               </a:rPr>
-              <a:t>Actors proposed usage for artificial intelligence</a:t>
+              <a:t>Only uses messaging to communicate</a:t>
             </a:r>
             <a:endParaRPr lang="en-US" sz="2400" b="0" strike="noStrike" spc="-1">
               <a:latin typeface="Arial"/>
@@ -4515,9 +4798,43 @@
 </p:sld>
 </file>
 
-<file path=ppt/slides/slide7.xml><?xml version="1.0" encoding="utf-8"?>
+<file path=ppt/slides/slide6.xml><?xml version="1.0" encoding="utf-8"?>
 <p:sld xmlns:a="http://schemas.openxmlformats.org/drawingml/2006/main" xmlns:r="http://schemas.openxmlformats.org/officeDocument/2006/relationships" xmlns:p="http://schemas.openxmlformats.org/presentationml/2006/main">
   <p:cSld>
+    <p:bg>
+      <p:bgPr>
+        <a:gradFill>
+          <a:gsLst>
+            <a:gs pos="24000">
+              <a:schemeClr val="accent1">
+                <a:lumMod val="5000"/>
+                <a:lumOff val="95000"/>
+              </a:schemeClr>
+            </a:gs>
+            <a:gs pos="72000">
+              <a:schemeClr val="accent1">
+                <a:lumMod val="45000"/>
+                <a:lumOff val="55000"/>
+              </a:schemeClr>
+            </a:gs>
+            <a:gs pos="83000">
+              <a:schemeClr val="accent1">
+                <a:lumMod val="45000"/>
+                <a:lumOff val="55000"/>
+              </a:schemeClr>
+            </a:gs>
+            <a:gs pos="100000">
+              <a:schemeClr val="accent1">
+                <a:lumMod val="30000"/>
+                <a:lumOff val="70000"/>
+              </a:schemeClr>
+            </a:gs>
+          </a:gsLst>
+          <a:lin ang="5400000" scaled="1"/>
+        </a:gradFill>
+        <a:effectLst/>
+      </p:bgPr>
+    </p:bg>
     <p:spTree>
       <p:nvGrpSpPr>
         <p:cNvPr id="1" name=""/>
@@ -4534,13 +4851,13 @@
       </p:grpSpPr>
       <p:sp>
         <p:nvSpPr>
-          <p:cNvPr id="53" name="TextShape 1"/>
+          <p:cNvPr id="51" name="TextShape 1"/>
           <p:cNvSpPr txBox="1"/>
           <p:nvPr/>
         </p:nvSpPr>
         <p:spPr>
           <a:xfrm>
-            <a:off x="1343127" y="0"/>
+            <a:off x="1523880" y="299520"/>
             <a:ext cx="9143640" cy="980640"/>
           </a:xfrm>
           <a:prstGeom prst="rect">
@@ -4563,15 +4880,15 @@
               </a:lnSpc>
             </a:pPr>
             <a:r>
-              <a:rPr lang="en-US" sz="4800" b="0" strike="noStrike" spc="-1" dirty="0">
+              <a:rPr lang="en-US" sz="4800" b="0" strike="noStrike" spc="-1">
                 <a:solidFill>
                   <a:srgbClr val="000000"/>
                 </a:solidFill>
                 <a:latin typeface="Calibri Light"/>
               </a:rPr>
-              <a:t>Why use actors</a:t>
-            </a:r>
-            <a:endParaRPr lang="en-US" sz="4800" b="0" strike="noStrike" spc="-1" dirty="0">
+              <a:t>Where do actors come from</a:t>
+            </a:r>
+            <a:endParaRPr lang="en-US" sz="4800" b="0" strike="noStrike" spc="-1">
               <a:solidFill>
                 <a:srgbClr val="000000"/>
               </a:solidFill>
@@ -4582,14 +4899,14 @@
       </p:sp>
       <p:sp>
         <p:nvSpPr>
-          <p:cNvPr id="54" name="TextShape 2"/>
+          <p:cNvPr id="52" name="TextShape 2"/>
           <p:cNvSpPr txBox="1"/>
           <p:nvPr/>
         </p:nvSpPr>
         <p:spPr>
           <a:xfrm>
-            <a:off x="406164" y="2700669"/>
-            <a:ext cx="4942013" cy="3593805"/>
+            <a:off x="1554480" y="2228760"/>
+            <a:ext cx="9267840" cy="2617560"/>
           </a:xfrm>
           <a:prstGeom prst="rect">
             <a:avLst/>
@@ -4601,7 +4918,7 @@
         </p:spPr>
         <p:txBody>
           <a:bodyPr>
-            <a:normAutofit lnSpcReduction="10000"/>
+            <a:normAutofit/>
           </a:bodyPr>
           <a:lstStyle/>
           <a:p>
@@ -4623,35 +4940,15 @@
               </a:tabLst>
             </a:pPr>
             <a:r>
-              <a:rPr lang="en-US" sz="2400" b="0" strike="noStrike" spc="-1" dirty="0">
+              <a:rPr lang="en-US" sz="2400" b="0" strike="noStrike" spc="-1">
                 <a:solidFill>
                   <a:srgbClr val="000000"/>
                 </a:solidFill>
                 <a:latin typeface="Calibri"/>
               </a:rPr>
-              <a:t>Simple API for multi-threading</a:t>
-            </a:r>
-            <a:endParaRPr lang="en-US" sz="2400" b="0" strike="noStrike" spc="-1" dirty="0">
-              <a:latin typeface="Arial"/>
-            </a:endParaRPr>
-          </a:p>
-          <a:p>
-            <a:pPr>
-              <a:lnSpc>
-                <a:spcPct val="90000"/>
-              </a:lnSpc>
-              <a:spcBef>
-                <a:spcPts val="1001"/>
-              </a:spcBef>
-              <a:buClr>
-                <a:srgbClr val="000000"/>
-              </a:buClr>
-              <a:buSzPct val="45000"/>
-              <a:tabLst>
-                <a:tab pos="0" algn="l"/>
-              </a:tabLst>
-            </a:pPr>
-            <a:endParaRPr lang="en-US" sz="2400" b="0" strike="noStrike" spc="-1" dirty="0">
+              <a:t>Actors resemble human organization</a:t>
+            </a:r>
+            <a:endParaRPr lang="en-US" sz="2400" b="0" strike="noStrike" spc="-1">
               <a:latin typeface="Arial"/>
             </a:endParaRPr>
           </a:p>
@@ -4673,16 +4970,7 @@
                 <a:tab pos="0" algn="l"/>
               </a:tabLst>
             </a:pPr>
-            <a:r>
-              <a:rPr lang="en-US" sz="2400" b="0" strike="noStrike" spc="-1" dirty="0">
-                <a:solidFill>
-                  <a:srgbClr val="000000"/>
-                </a:solidFill>
-                <a:latin typeface="Calibri"/>
-              </a:rPr>
-              <a:t>Actors are easily created and easily removed</a:t>
-            </a:r>
-            <a:endParaRPr lang="en-US" sz="2400" b="0" strike="noStrike" spc="-1" dirty="0">
+            <a:endParaRPr lang="en-US" sz="2400" b="0" strike="noStrike" spc="-1">
               <a:latin typeface="Arial"/>
             </a:endParaRPr>
           </a:p>
@@ -4704,7 +4992,16 @@
                 <a:tab pos="0" algn="l"/>
               </a:tabLst>
             </a:pPr>
-            <a:endParaRPr lang="en-US" sz="2400" b="0" strike="noStrike" spc="-1" dirty="0">
+            <a:r>
+              <a:rPr lang="en-US" sz="2400" b="0" strike="noStrike" spc="-1">
+                <a:solidFill>
+                  <a:srgbClr val="000000"/>
+                </a:solidFill>
+                <a:latin typeface="Calibri"/>
+              </a:rPr>
+              <a:t>Actors proposed usage for artificial intelligence</a:t>
+            </a:r>
+            <a:endParaRPr lang="en-US" sz="2400" b="0" strike="noStrike" spc="-1">
               <a:latin typeface="Arial"/>
             </a:endParaRPr>
           </a:p>
@@ -4726,16 +5023,7 @@
                 <a:tab pos="0" algn="l"/>
               </a:tabLst>
             </a:pPr>
-            <a:r>
-              <a:rPr lang="en-US" sz="2400" b="0" strike="noStrike" spc="-1" dirty="0">
-                <a:solidFill>
-                  <a:srgbClr val="000000"/>
-                </a:solidFill>
-                <a:latin typeface="Calibri"/>
-              </a:rPr>
-              <a:t>Automatically handle race conditions</a:t>
-            </a:r>
-            <a:endParaRPr lang="en-US" sz="2400" b="0" strike="noStrike" spc="-1" dirty="0">
+            <a:endParaRPr lang="en-US" sz="2400" b="0" strike="noStrike" spc="-1">
               <a:latin typeface="Arial"/>
             </a:endParaRPr>
           </a:p>
@@ -4757,303 +5045,8 @@
                 <a:tab pos="0" algn="l"/>
               </a:tabLst>
             </a:pPr>
-            <a:endParaRPr lang="en-US" sz="2400" b="0" strike="noStrike" spc="-1" dirty="0">
+            <a:endParaRPr lang="en-US" sz="2400" b="0" strike="noStrike" spc="-1">
               <a:latin typeface="Arial"/>
-            </a:endParaRPr>
-          </a:p>
-          <a:p>
-            <a:pPr marL="216000" indent="-216000">
-              <a:lnSpc>
-                <a:spcPct val="90000"/>
-              </a:lnSpc>
-              <a:spcBef>
-                <a:spcPts val="1001"/>
-              </a:spcBef>
-              <a:buClr>
-                <a:srgbClr val="000000"/>
-              </a:buClr>
-              <a:buSzPct val="45000"/>
-              <a:buFont typeface="Wingdings" charset="2"/>
-              <a:buChar char=""/>
-              <a:tabLst>
-                <a:tab pos="0" algn="l"/>
-              </a:tabLst>
-            </a:pPr>
-            <a:r>
-              <a:rPr lang="en-US" sz="2400" b="0" strike="noStrike" spc="-1" dirty="0">
-                <a:solidFill>
-                  <a:srgbClr val="000000"/>
-                </a:solidFill>
-                <a:latin typeface="Calibri"/>
-              </a:rPr>
-              <a:t>No tight coupling</a:t>
-            </a:r>
-            <a:endParaRPr lang="en-US" sz="2400" b="0" strike="noStrike" spc="-1" dirty="0">
-              <a:latin typeface="Arial"/>
-            </a:endParaRPr>
-          </a:p>
-        </p:txBody>
-      </p:sp>
-      <p:sp>
-        <p:nvSpPr>
-          <p:cNvPr id="4" name="TextShape 2">
-            <a:extLst>
-              <a:ext uri="{FF2B5EF4-FFF2-40B4-BE49-F238E27FC236}">
-                <a16:creationId xmlns:a16="http://schemas.microsoft.com/office/drawing/2014/main" id="{A6365CDA-4443-5C46-8084-099D8FA565DF}"/>
-              </a:ext>
-            </a:extLst>
-          </p:cNvPr>
-          <p:cNvSpPr txBox="1"/>
-          <p:nvPr/>
-        </p:nvSpPr>
-        <p:spPr>
-          <a:xfrm>
-            <a:off x="6523430" y="2700669"/>
-            <a:ext cx="4942013" cy="3593805"/>
-          </a:xfrm>
-          <a:prstGeom prst="rect">
-            <a:avLst/>
-          </a:prstGeom>
-          <a:noFill/>
-          <a:ln>
-            <a:noFill/>
-          </a:ln>
-        </p:spPr>
-        <p:txBody>
-          <a:bodyPr>
-            <a:normAutofit/>
-          </a:bodyPr>
-          <a:lstStyle/>
-          <a:p>
-            <a:pPr marL="216000" indent="-216000">
-              <a:lnSpc>
-                <a:spcPct val="90000"/>
-              </a:lnSpc>
-              <a:spcBef>
-                <a:spcPts val="1001"/>
-              </a:spcBef>
-              <a:buClr>
-                <a:srgbClr val="000000"/>
-              </a:buClr>
-              <a:buSzPct val="45000"/>
-              <a:buFont typeface="Wingdings" charset="2"/>
-              <a:buChar char=""/>
-              <a:tabLst>
-                <a:tab pos="0" algn="l"/>
-              </a:tabLst>
-            </a:pPr>
-            <a:r>
-              <a:rPr lang="en-US" sz="2400" b="0" strike="noStrike" spc="-1" dirty="0">
-                <a:solidFill>
-                  <a:srgbClr val="000000"/>
-                </a:solidFill>
-                <a:latin typeface="Calibri"/>
-              </a:rPr>
-              <a:t>Actors are susceptible to deadlocks</a:t>
-            </a:r>
-            <a:endParaRPr lang="en-US" sz="2400" b="0" strike="noStrike" spc="-1" dirty="0">
-              <a:latin typeface="Arial"/>
-            </a:endParaRPr>
-          </a:p>
-          <a:p>
-            <a:pPr>
-              <a:lnSpc>
-                <a:spcPct val="90000"/>
-              </a:lnSpc>
-              <a:spcBef>
-                <a:spcPts val="1001"/>
-              </a:spcBef>
-              <a:buClr>
-                <a:srgbClr val="000000"/>
-              </a:buClr>
-              <a:buSzPct val="45000"/>
-              <a:tabLst>
-                <a:tab pos="0" algn="l"/>
-              </a:tabLst>
-            </a:pPr>
-            <a:endParaRPr lang="en-US" sz="2400" b="0" strike="noStrike" spc="-1" dirty="0">
-              <a:latin typeface="Arial"/>
-            </a:endParaRPr>
-          </a:p>
-          <a:p>
-            <a:pPr marL="216000" indent="-216000">
-              <a:lnSpc>
-                <a:spcPct val="90000"/>
-              </a:lnSpc>
-              <a:spcBef>
-                <a:spcPts val="1001"/>
-              </a:spcBef>
-              <a:buClr>
-                <a:srgbClr val="000000"/>
-              </a:buClr>
-              <a:buSzPct val="45000"/>
-              <a:buFont typeface="Wingdings" charset="2"/>
-              <a:buChar char=""/>
-              <a:tabLst>
-                <a:tab pos="0" algn="l"/>
-              </a:tabLst>
-            </a:pPr>
-            <a:r>
-              <a:rPr lang="en-US" sz="2400" b="0" strike="noStrike" spc="-1" dirty="0">
-                <a:solidFill>
-                  <a:srgbClr val="000000"/>
-                </a:solidFill>
-                <a:latin typeface="Calibri"/>
-              </a:rPr>
-              <a:t>Actor’s mailbox can overflow</a:t>
-            </a:r>
-            <a:br>
-              <a:rPr lang="en-US" sz="2400" b="0" strike="noStrike" spc="-1" dirty="0">
-                <a:solidFill>
-                  <a:srgbClr val="000000"/>
-                </a:solidFill>
-                <a:latin typeface="Calibri"/>
-              </a:rPr>
-            </a:br>
-            <a:endParaRPr lang="en-US" sz="2400" b="0" strike="noStrike" spc="-1" dirty="0">
-              <a:solidFill>
-                <a:srgbClr val="000000"/>
-              </a:solidFill>
-              <a:latin typeface="Calibri"/>
-            </a:endParaRPr>
-          </a:p>
-          <a:p>
-            <a:pPr marL="216000" indent="-216000">
-              <a:lnSpc>
-                <a:spcPct val="90000"/>
-              </a:lnSpc>
-              <a:spcBef>
-                <a:spcPts val="1001"/>
-              </a:spcBef>
-              <a:buClr>
-                <a:srgbClr val="000000"/>
-              </a:buClr>
-              <a:buSzPct val="45000"/>
-              <a:buFont typeface="Wingdings" charset="2"/>
-              <a:buChar char=""/>
-              <a:tabLst>
-                <a:tab pos="0" algn="l"/>
-              </a:tabLst>
-            </a:pPr>
-            <a:r>
-              <a:rPr lang="en-US" sz="2400" spc="-1" dirty="0">
-                <a:solidFill>
-                  <a:srgbClr val="000000"/>
-                </a:solidFill>
-                <a:latin typeface="Calibri"/>
-              </a:rPr>
-              <a:t>Requires developer to be more diligent in handling multi-threading challenges</a:t>
-            </a:r>
-            <a:endParaRPr lang="en-US" sz="2400" b="0" strike="noStrike" spc="-1" dirty="0">
-              <a:latin typeface="Arial"/>
-            </a:endParaRPr>
-          </a:p>
-        </p:txBody>
-      </p:sp>
-      <p:sp>
-        <p:nvSpPr>
-          <p:cNvPr id="5" name="TextShape 1">
-            <a:extLst>
-              <a:ext uri="{FF2B5EF4-FFF2-40B4-BE49-F238E27FC236}">
-                <a16:creationId xmlns:a16="http://schemas.microsoft.com/office/drawing/2014/main" id="{AAE3EF12-965A-9D48-996A-50A44CF7AD97}"/>
-              </a:ext>
-            </a:extLst>
-          </p:cNvPr>
-          <p:cNvSpPr txBox="1"/>
-          <p:nvPr/>
-        </p:nvSpPr>
-        <p:spPr>
-          <a:xfrm>
-            <a:off x="406164" y="1287761"/>
-            <a:ext cx="4607562" cy="1105787"/>
-          </a:xfrm>
-          <a:prstGeom prst="rect">
-            <a:avLst/>
-          </a:prstGeom>
-          <a:noFill/>
-          <a:ln>
-            <a:noFill/>
-          </a:ln>
-        </p:spPr>
-        <p:txBody>
-          <a:bodyPr anchor="b">
-            <a:noAutofit/>
-          </a:bodyPr>
-          <a:lstStyle/>
-          <a:p>
-            <a:pPr algn="ctr">
-              <a:lnSpc>
-                <a:spcPct val="90000"/>
-              </a:lnSpc>
-            </a:pPr>
-            <a:r>
-              <a:rPr lang="en-US" sz="4800" b="0" strike="noStrike" spc="-1" dirty="0">
-                <a:solidFill>
-                  <a:srgbClr val="000000"/>
-                </a:solidFill>
-                <a:latin typeface="Calibri Light"/>
-              </a:rPr>
-              <a:t>PROS</a:t>
-            </a:r>
-            <a:endParaRPr lang="en-US" sz="4800" b="0" strike="noStrike" spc="-1" dirty="0">
-              <a:solidFill>
-                <a:srgbClr val="000000"/>
-              </a:solidFill>
-              <a:latin typeface="Calibri"/>
-            </a:endParaRPr>
-          </a:p>
-        </p:txBody>
-      </p:sp>
-      <p:sp>
-        <p:nvSpPr>
-          <p:cNvPr id="6" name="TextShape 1">
-            <a:extLst>
-              <a:ext uri="{FF2B5EF4-FFF2-40B4-BE49-F238E27FC236}">
-                <a16:creationId xmlns:a16="http://schemas.microsoft.com/office/drawing/2014/main" id="{687FCAFB-040E-FD4A-92FD-B36DBE084954}"/>
-              </a:ext>
-            </a:extLst>
-          </p:cNvPr>
-          <p:cNvSpPr txBox="1"/>
-          <p:nvPr/>
-        </p:nvSpPr>
-        <p:spPr>
-          <a:xfrm>
-            <a:off x="6857881" y="1287761"/>
-            <a:ext cx="4607562" cy="1105787"/>
-          </a:xfrm>
-          <a:prstGeom prst="rect">
-            <a:avLst/>
-          </a:prstGeom>
-          <a:noFill/>
-          <a:ln>
-            <a:noFill/>
-          </a:ln>
-        </p:spPr>
-        <p:txBody>
-          <a:bodyPr anchor="b">
-            <a:noAutofit/>
-          </a:bodyPr>
-          <a:lstStyle/>
-          <a:p>
-            <a:pPr algn="ctr">
-              <a:lnSpc>
-                <a:spcPct val="90000"/>
-              </a:lnSpc>
-            </a:pPr>
-            <a:r>
-              <a:rPr lang="en-US" sz="4800" b="0" strike="noStrike" spc="-1" dirty="0">
-                <a:solidFill>
-                  <a:srgbClr val="000000"/>
-                </a:solidFill>
-                <a:latin typeface="Calibri Light"/>
-              </a:rPr>
-              <a:t>CONS</a:t>
-            </a:r>
-            <a:endParaRPr lang="en-US" sz="4800" b="0" strike="noStrike" spc="-1" dirty="0">
-              <a:solidFill>
-                <a:srgbClr val="000000"/>
-              </a:solidFill>
-              <a:latin typeface="Calibri"/>
             </a:endParaRPr>
           </a:p>
         </p:txBody>
@@ -5066,9 +5059,43 @@
 </p:sld>
 </file>
 
-<file path=ppt/slides/slide8.xml><?xml version="1.0" encoding="utf-8"?>
+<file path=ppt/slides/slide7.xml><?xml version="1.0" encoding="utf-8"?>
 <p:sld xmlns:a="http://schemas.openxmlformats.org/drawingml/2006/main" xmlns:r="http://schemas.openxmlformats.org/officeDocument/2006/relationships" xmlns:p="http://schemas.openxmlformats.org/presentationml/2006/main">
   <p:cSld>
+    <p:bg>
+      <p:bgPr>
+        <a:gradFill>
+          <a:gsLst>
+            <a:gs pos="24000">
+              <a:schemeClr val="accent1">
+                <a:lumMod val="5000"/>
+                <a:lumOff val="95000"/>
+              </a:schemeClr>
+            </a:gs>
+            <a:gs pos="72000">
+              <a:schemeClr val="accent1">
+                <a:lumMod val="45000"/>
+                <a:lumOff val="55000"/>
+              </a:schemeClr>
+            </a:gs>
+            <a:gs pos="83000">
+              <a:schemeClr val="accent1">
+                <a:lumMod val="45000"/>
+                <a:lumOff val="55000"/>
+              </a:schemeClr>
+            </a:gs>
+            <a:gs pos="100000">
+              <a:schemeClr val="accent1">
+                <a:lumMod val="30000"/>
+                <a:lumOff val="70000"/>
+              </a:schemeClr>
+            </a:gs>
+          </a:gsLst>
+          <a:lin ang="5400000" scaled="1"/>
+        </a:gradFill>
+        <a:effectLst/>
+      </p:bgPr>
+    </p:bg>
     <p:spTree>
       <p:nvGrpSpPr>
         <p:cNvPr id="1" name=""/>
@@ -5085,6 +5112,560 @@
       </p:grpSpPr>
       <p:sp>
         <p:nvSpPr>
+          <p:cNvPr id="53" name="TextShape 1"/>
+          <p:cNvSpPr txBox="1"/>
+          <p:nvPr/>
+        </p:nvSpPr>
+        <p:spPr>
+          <a:xfrm>
+            <a:off x="1343127" y="0"/>
+            <a:ext cx="9143640" cy="980640"/>
+          </a:xfrm>
+          <a:prstGeom prst="rect">
+            <a:avLst/>
+          </a:prstGeom>
+          <a:noFill/>
+          <a:ln>
+            <a:noFill/>
+          </a:ln>
+        </p:spPr>
+        <p:txBody>
+          <a:bodyPr anchor="b">
+            <a:noAutofit/>
+          </a:bodyPr>
+          <a:lstStyle/>
+          <a:p>
+            <a:pPr algn="ctr">
+              <a:lnSpc>
+                <a:spcPct val="90000"/>
+              </a:lnSpc>
+            </a:pPr>
+            <a:r>
+              <a:rPr lang="en-US" sz="4800" b="0" strike="noStrike" spc="-1" dirty="0">
+                <a:solidFill>
+                  <a:srgbClr val="000000"/>
+                </a:solidFill>
+                <a:latin typeface="Calibri Light"/>
+              </a:rPr>
+              <a:t>Why use actors</a:t>
+            </a:r>
+            <a:endParaRPr lang="en-US" sz="4800" b="0" strike="noStrike" spc="-1" dirty="0">
+              <a:solidFill>
+                <a:srgbClr val="000000"/>
+              </a:solidFill>
+              <a:latin typeface="Calibri"/>
+            </a:endParaRPr>
+          </a:p>
+        </p:txBody>
+      </p:sp>
+      <p:sp>
+        <p:nvSpPr>
+          <p:cNvPr id="54" name="TextShape 2"/>
+          <p:cNvSpPr txBox="1"/>
+          <p:nvPr/>
+        </p:nvSpPr>
+        <p:spPr>
+          <a:xfrm>
+            <a:off x="406164" y="2700669"/>
+            <a:ext cx="4942013" cy="3593805"/>
+          </a:xfrm>
+          <a:prstGeom prst="rect">
+            <a:avLst/>
+          </a:prstGeom>
+          <a:noFill/>
+          <a:ln>
+            <a:noFill/>
+          </a:ln>
+        </p:spPr>
+        <p:txBody>
+          <a:bodyPr>
+            <a:normAutofit lnSpcReduction="10000"/>
+          </a:bodyPr>
+          <a:lstStyle/>
+          <a:p>
+            <a:pPr marL="216000" indent="-216000">
+              <a:lnSpc>
+                <a:spcPct val="90000"/>
+              </a:lnSpc>
+              <a:spcBef>
+                <a:spcPts val="1001"/>
+              </a:spcBef>
+              <a:buClr>
+                <a:srgbClr val="000000"/>
+              </a:buClr>
+              <a:buSzPct val="45000"/>
+              <a:buFont typeface="Wingdings" charset="2"/>
+              <a:buChar char=""/>
+              <a:tabLst>
+                <a:tab pos="0" algn="l"/>
+              </a:tabLst>
+            </a:pPr>
+            <a:r>
+              <a:rPr lang="en-US" sz="2400" b="0" strike="noStrike" spc="-1" dirty="0">
+                <a:solidFill>
+                  <a:srgbClr val="000000"/>
+                </a:solidFill>
+                <a:latin typeface="Calibri"/>
+              </a:rPr>
+              <a:t>Simple API for multi-threading</a:t>
+            </a:r>
+            <a:endParaRPr lang="en-US" sz="2400" b="0" strike="noStrike" spc="-1" dirty="0">
+              <a:latin typeface="Arial"/>
+            </a:endParaRPr>
+          </a:p>
+          <a:p>
+            <a:pPr>
+              <a:lnSpc>
+                <a:spcPct val="90000"/>
+              </a:lnSpc>
+              <a:spcBef>
+                <a:spcPts val="1001"/>
+              </a:spcBef>
+              <a:buClr>
+                <a:srgbClr val="000000"/>
+              </a:buClr>
+              <a:buSzPct val="45000"/>
+              <a:tabLst>
+                <a:tab pos="0" algn="l"/>
+              </a:tabLst>
+            </a:pPr>
+            <a:endParaRPr lang="en-US" sz="2400" b="0" strike="noStrike" spc="-1" dirty="0">
+              <a:latin typeface="Arial"/>
+            </a:endParaRPr>
+          </a:p>
+          <a:p>
+            <a:pPr marL="216000" indent="-216000">
+              <a:lnSpc>
+                <a:spcPct val="90000"/>
+              </a:lnSpc>
+              <a:spcBef>
+                <a:spcPts val="1001"/>
+              </a:spcBef>
+              <a:buClr>
+                <a:srgbClr val="000000"/>
+              </a:buClr>
+              <a:buSzPct val="45000"/>
+              <a:buFont typeface="Wingdings" charset="2"/>
+              <a:buChar char=""/>
+              <a:tabLst>
+                <a:tab pos="0" algn="l"/>
+              </a:tabLst>
+            </a:pPr>
+            <a:r>
+              <a:rPr lang="en-US" sz="2400" b="0" strike="noStrike" spc="-1" dirty="0">
+                <a:solidFill>
+                  <a:srgbClr val="000000"/>
+                </a:solidFill>
+                <a:latin typeface="Calibri"/>
+              </a:rPr>
+              <a:t>Actors are easily created and easily removed</a:t>
+            </a:r>
+            <a:endParaRPr lang="en-US" sz="2400" b="0" strike="noStrike" spc="-1" dirty="0">
+              <a:latin typeface="Arial"/>
+            </a:endParaRPr>
+          </a:p>
+          <a:p>
+            <a:pPr marL="216000" indent="-216000">
+              <a:lnSpc>
+                <a:spcPct val="90000"/>
+              </a:lnSpc>
+              <a:spcBef>
+                <a:spcPts val="1001"/>
+              </a:spcBef>
+              <a:buClr>
+                <a:srgbClr val="000000"/>
+              </a:buClr>
+              <a:buSzPct val="45000"/>
+              <a:buFont typeface="Wingdings" charset="2"/>
+              <a:buChar char=""/>
+              <a:tabLst>
+                <a:tab pos="0" algn="l"/>
+              </a:tabLst>
+            </a:pPr>
+            <a:endParaRPr lang="en-US" sz="2400" b="0" strike="noStrike" spc="-1" dirty="0">
+              <a:latin typeface="Arial"/>
+            </a:endParaRPr>
+          </a:p>
+          <a:p>
+            <a:pPr marL="216000" indent="-216000">
+              <a:lnSpc>
+                <a:spcPct val="90000"/>
+              </a:lnSpc>
+              <a:spcBef>
+                <a:spcPts val="1001"/>
+              </a:spcBef>
+              <a:buClr>
+                <a:srgbClr val="000000"/>
+              </a:buClr>
+              <a:buSzPct val="45000"/>
+              <a:buFont typeface="Wingdings" charset="2"/>
+              <a:buChar char=""/>
+              <a:tabLst>
+                <a:tab pos="0" algn="l"/>
+              </a:tabLst>
+            </a:pPr>
+            <a:r>
+              <a:rPr lang="en-US" sz="2400" b="0" strike="noStrike" spc="-1" dirty="0">
+                <a:solidFill>
+                  <a:srgbClr val="000000"/>
+                </a:solidFill>
+                <a:latin typeface="Calibri"/>
+              </a:rPr>
+              <a:t>Automatically handle race conditions</a:t>
+            </a:r>
+            <a:endParaRPr lang="en-US" sz="2400" b="0" strike="noStrike" spc="-1" dirty="0">
+              <a:latin typeface="Arial"/>
+            </a:endParaRPr>
+          </a:p>
+          <a:p>
+            <a:pPr marL="216000" indent="-216000">
+              <a:lnSpc>
+                <a:spcPct val="90000"/>
+              </a:lnSpc>
+              <a:spcBef>
+                <a:spcPts val="1001"/>
+              </a:spcBef>
+              <a:buClr>
+                <a:srgbClr val="000000"/>
+              </a:buClr>
+              <a:buSzPct val="45000"/>
+              <a:buFont typeface="Wingdings" charset="2"/>
+              <a:buChar char=""/>
+              <a:tabLst>
+                <a:tab pos="0" algn="l"/>
+              </a:tabLst>
+            </a:pPr>
+            <a:endParaRPr lang="en-US" sz="2400" b="0" strike="noStrike" spc="-1" dirty="0">
+              <a:latin typeface="Arial"/>
+            </a:endParaRPr>
+          </a:p>
+          <a:p>
+            <a:pPr marL="216000" indent="-216000">
+              <a:lnSpc>
+                <a:spcPct val="90000"/>
+              </a:lnSpc>
+              <a:spcBef>
+                <a:spcPts val="1001"/>
+              </a:spcBef>
+              <a:buClr>
+                <a:srgbClr val="000000"/>
+              </a:buClr>
+              <a:buSzPct val="45000"/>
+              <a:buFont typeface="Wingdings" charset="2"/>
+              <a:buChar char=""/>
+              <a:tabLst>
+                <a:tab pos="0" algn="l"/>
+              </a:tabLst>
+            </a:pPr>
+            <a:r>
+              <a:rPr lang="en-US" sz="2400" b="0" strike="noStrike" spc="-1" dirty="0">
+                <a:solidFill>
+                  <a:srgbClr val="000000"/>
+                </a:solidFill>
+                <a:latin typeface="Calibri"/>
+              </a:rPr>
+              <a:t>No tight coupling</a:t>
+            </a:r>
+            <a:endParaRPr lang="en-US" sz="2400" b="0" strike="noStrike" spc="-1" dirty="0">
+              <a:latin typeface="Arial"/>
+            </a:endParaRPr>
+          </a:p>
+        </p:txBody>
+      </p:sp>
+      <p:sp>
+        <p:nvSpPr>
+          <p:cNvPr id="4" name="TextShape 2">
+            <a:extLst>
+              <a:ext uri="{FF2B5EF4-FFF2-40B4-BE49-F238E27FC236}">
+                <a16:creationId xmlns:a16="http://schemas.microsoft.com/office/drawing/2014/main" id="{A6365CDA-4443-5C46-8084-099D8FA565DF}"/>
+              </a:ext>
+            </a:extLst>
+          </p:cNvPr>
+          <p:cNvSpPr txBox="1"/>
+          <p:nvPr/>
+        </p:nvSpPr>
+        <p:spPr>
+          <a:xfrm>
+            <a:off x="6523430" y="2700669"/>
+            <a:ext cx="4942013" cy="3593805"/>
+          </a:xfrm>
+          <a:prstGeom prst="rect">
+            <a:avLst/>
+          </a:prstGeom>
+          <a:noFill/>
+          <a:ln>
+            <a:noFill/>
+          </a:ln>
+        </p:spPr>
+        <p:txBody>
+          <a:bodyPr>
+            <a:normAutofit/>
+          </a:bodyPr>
+          <a:lstStyle/>
+          <a:p>
+            <a:pPr marL="216000" indent="-216000">
+              <a:lnSpc>
+                <a:spcPct val="90000"/>
+              </a:lnSpc>
+              <a:spcBef>
+                <a:spcPts val="1001"/>
+              </a:spcBef>
+              <a:buClr>
+                <a:srgbClr val="000000"/>
+              </a:buClr>
+              <a:buSzPct val="45000"/>
+              <a:buFont typeface="Wingdings" charset="2"/>
+              <a:buChar char=""/>
+              <a:tabLst>
+                <a:tab pos="0" algn="l"/>
+              </a:tabLst>
+            </a:pPr>
+            <a:r>
+              <a:rPr lang="en-US" sz="2400" b="0" strike="noStrike" spc="-1" dirty="0">
+                <a:solidFill>
+                  <a:srgbClr val="000000"/>
+                </a:solidFill>
+                <a:latin typeface="Calibri"/>
+              </a:rPr>
+              <a:t>Actors are susceptible to deadlocks</a:t>
+            </a:r>
+            <a:endParaRPr lang="en-US" sz="2400" b="0" strike="noStrike" spc="-1" dirty="0">
+              <a:latin typeface="Arial"/>
+            </a:endParaRPr>
+          </a:p>
+          <a:p>
+            <a:pPr>
+              <a:lnSpc>
+                <a:spcPct val="90000"/>
+              </a:lnSpc>
+              <a:spcBef>
+                <a:spcPts val="1001"/>
+              </a:spcBef>
+              <a:buClr>
+                <a:srgbClr val="000000"/>
+              </a:buClr>
+              <a:buSzPct val="45000"/>
+              <a:tabLst>
+                <a:tab pos="0" algn="l"/>
+              </a:tabLst>
+            </a:pPr>
+            <a:endParaRPr lang="en-US" sz="2400" b="0" strike="noStrike" spc="-1" dirty="0">
+              <a:latin typeface="Arial"/>
+            </a:endParaRPr>
+          </a:p>
+          <a:p>
+            <a:pPr marL="216000" indent="-216000">
+              <a:lnSpc>
+                <a:spcPct val="90000"/>
+              </a:lnSpc>
+              <a:spcBef>
+                <a:spcPts val="1001"/>
+              </a:spcBef>
+              <a:buClr>
+                <a:srgbClr val="000000"/>
+              </a:buClr>
+              <a:buSzPct val="45000"/>
+              <a:buFont typeface="Wingdings" charset="2"/>
+              <a:buChar char=""/>
+              <a:tabLst>
+                <a:tab pos="0" algn="l"/>
+              </a:tabLst>
+            </a:pPr>
+            <a:r>
+              <a:rPr lang="en-US" sz="2400" b="0" strike="noStrike" spc="-1" dirty="0">
+                <a:solidFill>
+                  <a:srgbClr val="000000"/>
+                </a:solidFill>
+                <a:latin typeface="Calibri"/>
+              </a:rPr>
+              <a:t>Actor’s mailbox can overflow</a:t>
+            </a:r>
+            <a:br>
+              <a:rPr lang="en-US" sz="2400" b="0" strike="noStrike" spc="-1" dirty="0">
+                <a:solidFill>
+                  <a:srgbClr val="000000"/>
+                </a:solidFill>
+                <a:latin typeface="Calibri"/>
+              </a:rPr>
+            </a:br>
+            <a:endParaRPr lang="en-US" sz="2400" b="0" strike="noStrike" spc="-1" dirty="0">
+              <a:solidFill>
+                <a:srgbClr val="000000"/>
+              </a:solidFill>
+              <a:latin typeface="Calibri"/>
+            </a:endParaRPr>
+          </a:p>
+        </p:txBody>
+      </p:sp>
+      <p:sp>
+        <p:nvSpPr>
+          <p:cNvPr id="5" name="TextShape 1">
+            <a:extLst>
+              <a:ext uri="{FF2B5EF4-FFF2-40B4-BE49-F238E27FC236}">
+                <a16:creationId xmlns:a16="http://schemas.microsoft.com/office/drawing/2014/main" id="{AAE3EF12-965A-9D48-996A-50A44CF7AD97}"/>
+              </a:ext>
+            </a:extLst>
+          </p:cNvPr>
+          <p:cNvSpPr txBox="1"/>
+          <p:nvPr/>
+        </p:nvSpPr>
+        <p:spPr>
+          <a:xfrm>
+            <a:off x="406164" y="1287761"/>
+            <a:ext cx="4607562" cy="1105787"/>
+          </a:xfrm>
+          <a:prstGeom prst="rect">
+            <a:avLst/>
+          </a:prstGeom>
+          <a:noFill/>
+          <a:ln>
+            <a:noFill/>
+          </a:ln>
+        </p:spPr>
+        <p:txBody>
+          <a:bodyPr anchor="b">
+            <a:noAutofit/>
+          </a:bodyPr>
+          <a:lstStyle/>
+          <a:p>
+            <a:pPr algn="ctr">
+              <a:lnSpc>
+                <a:spcPct val="90000"/>
+              </a:lnSpc>
+            </a:pPr>
+            <a:r>
+              <a:rPr lang="en-US" sz="4800" b="0" strike="noStrike" spc="-1" dirty="0">
+                <a:solidFill>
+                  <a:srgbClr val="000000"/>
+                </a:solidFill>
+                <a:latin typeface="Calibri Light"/>
+              </a:rPr>
+              <a:t>PROS</a:t>
+            </a:r>
+            <a:endParaRPr lang="en-US" sz="4800" b="0" strike="noStrike" spc="-1" dirty="0">
+              <a:solidFill>
+                <a:srgbClr val="000000"/>
+              </a:solidFill>
+              <a:latin typeface="Calibri"/>
+            </a:endParaRPr>
+          </a:p>
+        </p:txBody>
+      </p:sp>
+      <p:sp>
+        <p:nvSpPr>
+          <p:cNvPr id="6" name="TextShape 1">
+            <a:extLst>
+              <a:ext uri="{FF2B5EF4-FFF2-40B4-BE49-F238E27FC236}">
+                <a16:creationId xmlns:a16="http://schemas.microsoft.com/office/drawing/2014/main" id="{687FCAFB-040E-FD4A-92FD-B36DBE084954}"/>
+              </a:ext>
+            </a:extLst>
+          </p:cNvPr>
+          <p:cNvSpPr txBox="1"/>
+          <p:nvPr/>
+        </p:nvSpPr>
+        <p:spPr>
+          <a:xfrm>
+            <a:off x="6857881" y="1287761"/>
+            <a:ext cx="4607562" cy="1105787"/>
+          </a:xfrm>
+          <a:prstGeom prst="rect">
+            <a:avLst/>
+          </a:prstGeom>
+          <a:noFill/>
+          <a:ln>
+            <a:noFill/>
+          </a:ln>
+        </p:spPr>
+        <p:txBody>
+          <a:bodyPr anchor="b">
+            <a:noAutofit/>
+          </a:bodyPr>
+          <a:lstStyle/>
+          <a:p>
+            <a:pPr algn="ctr">
+              <a:lnSpc>
+                <a:spcPct val="90000"/>
+              </a:lnSpc>
+            </a:pPr>
+            <a:r>
+              <a:rPr lang="en-US" sz="4800" b="0" strike="noStrike" spc="-1" dirty="0">
+                <a:solidFill>
+                  <a:srgbClr val="000000"/>
+                </a:solidFill>
+                <a:latin typeface="Calibri Light"/>
+              </a:rPr>
+              <a:t>CONS</a:t>
+            </a:r>
+            <a:endParaRPr lang="en-US" sz="4800" b="0" strike="noStrike" spc="-1" dirty="0">
+              <a:solidFill>
+                <a:srgbClr val="000000"/>
+              </a:solidFill>
+              <a:latin typeface="Calibri"/>
+            </a:endParaRPr>
+          </a:p>
+        </p:txBody>
+      </p:sp>
+    </p:spTree>
+  </p:cSld>
+  <p:clrMapOvr>
+    <a:masterClrMapping/>
+  </p:clrMapOvr>
+</p:sld>
+</file>
+
+<file path=ppt/slides/slide8.xml><?xml version="1.0" encoding="utf-8"?>
+<p:sld xmlns:a="http://schemas.openxmlformats.org/drawingml/2006/main" xmlns:r="http://schemas.openxmlformats.org/officeDocument/2006/relationships" xmlns:p="http://schemas.openxmlformats.org/presentationml/2006/main">
+  <p:cSld>
+    <p:bg>
+      <p:bgPr>
+        <a:gradFill>
+          <a:gsLst>
+            <a:gs pos="24000">
+              <a:schemeClr val="accent1">
+                <a:lumMod val="5000"/>
+                <a:lumOff val="95000"/>
+              </a:schemeClr>
+            </a:gs>
+            <a:gs pos="72000">
+              <a:schemeClr val="accent1">
+                <a:lumMod val="45000"/>
+                <a:lumOff val="55000"/>
+              </a:schemeClr>
+            </a:gs>
+            <a:gs pos="83000">
+              <a:schemeClr val="accent1">
+                <a:lumMod val="45000"/>
+                <a:lumOff val="55000"/>
+              </a:schemeClr>
+            </a:gs>
+            <a:gs pos="100000">
+              <a:schemeClr val="accent1">
+                <a:lumMod val="30000"/>
+                <a:lumOff val="70000"/>
+              </a:schemeClr>
+            </a:gs>
+          </a:gsLst>
+          <a:lin ang="5400000" scaled="1"/>
+        </a:gradFill>
+        <a:effectLst/>
+      </p:bgPr>
+    </p:bg>
+    <p:spTree>
+      <p:nvGrpSpPr>
+        <p:cNvPr id="1" name=""/>
+        <p:cNvGrpSpPr/>
+        <p:nvPr/>
+      </p:nvGrpSpPr>
+      <p:grpSpPr>
+        <a:xfrm>
+          <a:off x="0" y="0"/>
+          <a:ext cx="0" cy="0"/>
+          <a:chOff x="0" y="0"/>
+          <a:chExt cx="0" cy="0"/>
+        </a:xfrm>
+      </p:grpSpPr>
+      <p:sp>
+        <p:nvSpPr>
           <p:cNvPr id="41" name="TextShape 1"/>
           <p:cNvSpPr txBox="1"/>
           <p:nvPr/>
@@ -5139,7 +5720,7 @@
         </p:nvSpPr>
         <p:spPr>
           <a:xfrm>
-            <a:off x="1461780" y="2443095"/>
+            <a:off x="1399680" y="2306529"/>
             <a:ext cx="9267840" cy="2617560"/>
           </a:xfrm>
           <a:prstGeom prst="rect">
@@ -5347,6 +5928,40 @@
 <file path=ppt/slides/slide9.xml><?xml version="1.0" encoding="utf-8"?>
 <p:sld xmlns:a="http://schemas.openxmlformats.org/drawingml/2006/main" xmlns:r="http://schemas.openxmlformats.org/officeDocument/2006/relationships" xmlns:p="http://schemas.openxmlformats.org/presentationml/2006/main">
   <p:cSld>
+    <p:bg>
+      <p:bgPr>
+        <a:gradFill>
+          <a:gsLst>
+            <a:gs pos="24000">
+              <a:schemeClr val="accent1">
+                <a:lumMod val="5000"/>
+                <a:lumOff val="95000"/>
+              </a:schemeClr>
+            </a:gs>
+            <a:gs pos="72000">
+              <a:schemeClr val="accent1">
+                <a:lumMod val="45000"/>
+                <a:lumOff val="55000"/>
+              </a:schemeClr>
+            </a:gs>
+            <a:gs pos="83000">
+              <a:schemeClr val="accent1">
+                <a:lumMod val="45000"/>
+                <a:lumOff val="55000"/>
+              </a:schemeClr>
+            </a:gs>
+            <a:gs pos="100000">
+              <a:schemeClr val="accent1">
+                <a:lumMod val="30000"/>
+                <a:lumOff val="70000"/>
+              </a:schemeClr>
+            </a:gs>
+          </a:gsLst>
+          <a:lin ang="5400000" scaled="1"/>
+        </a:gradFill>
+        <a:effectLst/>
+      </p:bgPr>
+    </p:bg>
     <p:spTree>
       <p:nvGrpSpPr>
         <p:cNvPr id="1" name=""/>
